--- a/Merac sparrow.pptx
+++ b/Merac sparrow.pptx
@@ -1,9 +1,9 @@
 
 <file path=ppt/presentation.xml><?xml version="1.0" encoding="utf-8"?>
-<p:presentation xmlns:a="http://schemas.openxmlformats.org/drawingml/2006/main" xmlns:r="http://schemas.openxmlformats.org/officeDocument/2006/relationships" xmlns:p="http://schemas.openxmlformats.org/presentationml/2006/main" saveSubsetFonts="1">
+<p:presentation xmlns:a="http://schemas.openxmlformats.org/drawingml/2006/main" xmlns:r="http://schemas.openxmlformats.org/officeDocument/2006/relationships" xmlns:p="http://schemas.openxmlformats.org/presentationml/2006/main">
   <p:sldMasterIdLst>
-    <p:sldMasterId id="2147484005" r:id="rId1"/>
-    <p:sldMasterId id="2147484035" r:id="rId2"/>
+    <p:sldMasterId id="2147483648" r:id="rId1"/>
+    <p:sldMasterId id="2147483659" r:id="rId2"/>
   </p:sldMasterIdLst>
   <p:notesMasterIdLst>
     <p:notesMasterId r:id="rId12"/>
@@ -28,7 +28,7 @@
     <a:defPPr>
       <a:defRPr lang="en-US"/>
     </a:defPPr>
-    <a:lvl1pPr marL="0" algn="l" defTabSz="914330" rtl="0" eaLnBrk="1" latinLnBrk="0" hangingPunct="1">
+    <a:lvl1pPr marL="0" algn="l" defTabSz="914400" rtl="0" eaLnBrk="1" latinLnBrk="0" hangingPunct="1">
       <a:defRPr sz="1800" kern="1200">
         <a:solidFill>
           <a:schemeClr val="tx1"/>
@@ -38,7 +38,7 @@
         <a:cs typeface="+mn-cs"/>
       </a:defRPr>
     </a:lvl1pPr>
-    <a:lvl2pPr marL="457165" algn="l" defTabSz="914330" rtl="0" eaLnBrk="1" latinLnBrk="0" hangingPunct="1">
+    <a:lvl2pPr marL="457200" algn="l" defTabSz="914400" rtl="0" eaLnBrk="1" latinLnBrk="0" hangingPunct="1">
       <a:defRPr sz="1800" kern="1200">
         <a:solidFill>
           <a:schemeClr val="tx1"/>
@@ -48,7 +48,7 @@
         <a:cs typeface="+mn-cs"/>
       </a:defRPr>
     </a:lvl2pPr>
-    <a:lvl3pPr marL="914330" algn="l" defTabSz="914330" rtl="0" eaLnBrk="1" latinLnBrk="0" hangingPunct="1">
+    <a:lvl3pPr marL="914400" algn="l" defTabSz="914400" rtl="0" eaLnBrk="1" latinLnBrk="0" hangingPunct="1">
       <a:defRPr sz="1800" kern="1200">
         <a:solidFill>
           <a:schemeClr val="tx1"/>
@@ -58,7 +58,7 @@
         <a:cs typeface="+mn-cs"/>
       </a:defRPr>
     </a:lvl3pPr>
-    <a:lvl4pPr marL="1371495" algn="l" defTabSz="914330" rtl="0" eaLnBrk="1" latinLnBrk="0" hangingPunct="1">
+    <a:lvl4pPr marL="1371600" algn="l" defTabSz="914400" rtl="0" eaLnBrk="1" latinLnBrk="0" hangingPunct="1">
       <a:defRPr sz="1800" kern="1200">
         <a:solidFill>
           <a:schemeClr val="tx1"/>
@@ -68,7 +68,7 @@
         <a:cs typeface="+mn-cs"/>
       </a:defRPr>
     </a:lvl4pPr>
-    <a:lvl5pPr marL="1828660" algn="l" defTabSz="914330" rtl="0" eaLnBrk="1" latinLnBrk="0" hangingPunct="1">
+    <a:lvl5pPr marL="1828800" algn="l" defTabSz="914400" rtl="0" eaLnBrk="1" latinLnBrk="0" hangingPunct="1">
       <a:defRPr sz="1800" kern="1200">
         <a:solidFill>
           <a:schemeClr val="tx1"/>
@@ -78,7 +78,7 @@
         <a:cs typeface="+mn-cs"/>
       </a:defRPr>
     </a:lvl5pPr>
-    <a:lvl6pPr marL="2285825" algn="l" defTabSz="914330" rtl="0" eaLnBrk="1" latinLnBrk="0" hangingPunct="1">
+    <a:lvl6pPr marL="2286000" algn="l" defTabSz="914400" rtl="0" eaLnBrk="1" latinLnBrk="0" hangingPunct="1">
       <a:defRPr sz="1800" kern="1200">
         <a:solidFill>
           <a:schemeClr val="tx1"/>
@@ -88,7 +88,7 @@
         <a:cs typeface="+mn-cs"/>
       </a:defRPr>
     </a:lvl6pPr>
-    <a:lvl7pPr marL="2742990" algn="l" defTabSz="914330" rtl="0" eaLnBrk="1" latinLnBrk="0" hangingPunct="1">
+    <a:lvl7pPr marL="2743200" algn="l" defTabSz="914400" rtl="0" eaLnBrk="1" latinLnBrk="0" hangingPunct="1">
       <a:defRPr sz="1800" kern="1200">
         <a:solidFill>
           <a:schemeClr val="tx1"/>
@@ -98,7 +98,7 @@
         <a:cs typeface="+mn-cs"/>
       </a:defRPr>
     </a:lvl7pPr>
-    <a:lvl8pPr marL="3200155" algn="l" defTabSz="914330" rtl="0" eaLnBrk="1" latinLnBrk="0" hangingPunct="1">
+    <a:lvl8pPr marL="3200400" algn="l" defTabSz="914400" rtl="0" eaLnBrk="1" latinLnBrk="0" hangingPunct="1">
       <a:defRPr sz="1800" kern="1200">
         <a:solidFill>
           <a:schemeClr val="tx1"/>
@@ -108,7 +108,7 @@
         <a:cs typeface="+mn-cs"/>
       </a:defRPr>
     </a:lvl8pPr>
-    <a:lvl9pPr marL="3657320" algn="l" defTabSz="914330" rtl="0" eaLnBrk="1" latinLnBrk="0" hangingPunct="1">
+    <a:lvl9pPr marL="3657600" algn="l" defTabSz="914400" rtl="0" eaLnBrk="1" latinLnBrk="0" hangingPunct="1">
       <a:defRPr sz="1800" kern="1200">
         <a:solidFill>
           <a:schemeClr val="tx1"/>
@@ -125,12 +125,12 @@
     </p:ext>
     <p:ext uri="{2D200454-40CA-4A62-9FC3-DE9A4176ACB9}">
       <p15:notesGuideLst xmlns:p15="http://schemas.microsoft.com/office/powerpoint/2012/main">
-        <p15:guide id="1" orient="horz" pos="2880" userDrawn="1">
+        <p15:guide id="1" orient="horz" pos="2864">
           <p15:clr>
             <a:srgbClr val="A4A3A4"/>
           </p15:clr>
         </p15:guide>
-        <p15:guide id="2" pos="2160" userDrawn="1">
+        <p15:guide id="2" pos="2160">
           <p15:clr>
             <a:srgbClr val="A4A3A4"/>
           </p15:clr>
@@ -223,7 +223,7 @@
           <a:p>
             <a:fld id="{A6018781-FBF9-354C-A025-C49C596164BA}" type="datetimeFigureOut">
               <a:rPr lang="en-US" smtClean="0"/>
-              <a:t>04-Feb-23</a:t>
+              <a:t>3/3/2023</a:t>
             </a:fld>
             <a:endParaRPr lang="en-US"/>
           </a:p>
@@ -296,11 +296,6 @@
         </p:txBody>
       </p:sp>
     </p:spTree>
-    <p:extLst>
-      <p:ext uri="{BB962C8B-B14F-4D97-AF65-F5344CB8AC3E}">
-        <p14:creationId xmlns:p14="http://schemas.microsoft.com/office/powerpoint/2010/main" val="24624075"/>
-      </p:ext>
-    </p:extLst>
   </p:cSld>
   <p:clrMap bg1="lt1" tx1="dk1" bg2="lt2" tx2="dk2" accent1="accent1" accent2="accent2" accent3="accent3" accent4="accent4" accent5="accent5" accent6="accent6" hlink="hlink" folHlink="folHlink"/>
 </p:handoutMaster>
@@ -388,7 +383,7 @@
           <a:p>
             <a:fld id="{108FFD40-13C9-7B48-A0BE-E251E1E33FE5}" type="datetimeFigureOut">
               <a:rPr lang="en-US" smtClean="0"/>
-              <a:t>04-Feb-23</a:t>
+              <a:t>3/3/2023</a:t>
             </a:fld>
             <a:endParaRPr lang="en-US"/>
           </a:p>
@@ -553,11 +548,6 @@
         </p:txBody>
       </p:sp>
     </p:spTree>
-    <p:extLst>
-      <p:ext uri="{BB962C8B-B14F-4D97-AF65-F5344CB8AC3E}">
-        <p14:creationId xmlns:p14="http://schemas.microsoft.com/office/powerpoint/2010/main" val="938444280"/>
-      </p:ext>
-    </p:extLst>
   </p:cSld>
   <p:clrMap bg1="lt1" tx1="dk1" bg2="lt2" tx2="dk2" accent1="accent1" accent2="accent2" accent3="accent3" accent4="accent4" accent5="accent5" accent6="accent6" hlink="hlink" folHlink="folHlink"/>
   <p:notesStyle>
@@ -756,11 +746,6 @@
         </p:txBody>
       </p:sp>
     </p:spTree>
-    <p:extLst>
-      <p:ext uri="{BB962C8B-B14F-4D97-AF65-F5344CB8AC3E}">
-        <p14:creationId xmlns:p14="http://schemas.microsoft.com/office/powerpoint/2010/main" val="442720130"/>
-      </p:ext>
-    </p:extLst>
   </p:cSld>
   <p:clrMapOvr>
     <a:overrideClrMapping bg1="lt1" tx1="dk1" bg2="lt2" tx2="dk2" accent1="accent1" accent2="accent2" accent3="accent3" accent4="accent4" accent5="accent5" accent6="accent6" hlink="hlink" folHlink="folHlink"/>
@@ -837,13 +822,7 @@
       </p:grpSpPr>
       <p:sp>
         <p:nvSpPr>
-          <p:cNvPr id="18" name="Freeform 12">
-            <a:extLst>
-              <a:ext uri="{FF2B5EF4-FFF2-40B4-BE49-F238E27FC236}">
-                <a16:creationId xmlns:a16="http://schemas.microsoft.com/office/drawing/2014/main" id="{CF3B0577-8797-4D41-9BA8-233F2FF1B9AE}"/>
-              </a:ext>
-            </a:extLst>
-          </p:cNvPr>
+          <p:cNvPr id="18" name="Freeform 12"/>
           <p:cNvSpPr>
             <a:spLocks noGrp="1"/>
           </p:cNvSpPr>
@@ -957,13 +936,7 @@
       </p:sp>
       <p:sp>
         <p:nvSpPr>
-          <p:cNvPr id="16" name="Freeform 12">
-            <a:extLst>
-              <a:ext uri="{FF2B5EF4-FFF2-40B4-BE49-F238E27FC236}">
-                <a16:creationId xmlns:a16="http://schemas.microsoft.com/office/drawing/2014/main" id="{6B9499F8-7C07-45B5-B370-D18344095878}"/>
-              </a:ext>
-            </a:extLst>
-          </p:cNvPr>
+          <p:cNvPr id="16" name="Freeform 12"/>
           <p:cNvSpPr>
             <a:spLocks noGrp="1"/>
           </p:cNvSpPr>
@@ -1191,13 +1164,7 @@
       </p:sp>
       <p:sp>
         <p:nvSpPr>
-          <p:cNvPr id="15" name="Freeform 12">
-            <a:extLst>
-              <a:ext uri="{FF2B5EF4-FFF2-40B4-BE49-F238E27FC236}">
-                <a16:creationId xmlns:a16="http://schemas.microsoft.com/office/drawing/2014/main" id="{44E1D5CA-05CE-4A56-BEE4-9F6B7EAD9FD0}"/>
-              </a:ext>
-            </a:extLst>
-          </p:cNvPr>
+          <p:cNvPr id="15" name="Freeform 12"/>
           <p:cNvSpPr>
             <a:spLocks noGrp="1"/>
           </p:cNvSpPr>
@@ -1311,13 +1278,7 @@
       </p:sp>
       <p:sp>
         <p:nvSpPr>
-          <p:cNvPr id="8" name="Freeform 12">
-            <a:extLst>
-              <a:ext uri="{FF2B5EF4-FFF2-40B4-BE49-F238E27FC236}">
-                <a16:creationId xmlns:a16="http://schemas.microsoft.com/office/drawing/2014/main" id="{98A79154-25D0-49A0-AAF9-8C5222027342}"/>
-              </a:ext>
-            </a:extLst>
-          </p:cNvPr>
+          <p:cNvPr id="8" name="Freeform 12"/>
           <p:cNvSpPr>
             <a:spLocks noGrp="1"/>
           </p:cNvSpPr>
@@ -1431,13 +1392,7 @@
       </p:sp>
       <p:sp>
         <p:nvSpPr>
-          <p:cNvPr id="14" name="Freeform 12">
-            <a:extLst>
-              <a:ext uri="{FF2B5EF4-FFF2-40B4-BE49-F238E27FC236}">
-                <a16:creationId xmlns:a16="http://schemas.microsoft.com/office/drawing/2014/main" id="{18A70E1C-4613-441F-9493-BFACCD8BC448}"/>
-              </a:ext>
-            </a:extLst>
-          </p:cNvPr>
+          <p:cNvPr id="14" name="Freeform 12"/>
           <p:cNvSpPr>
             <a:spLocks noGrp="1"/>
           </p:cNvSpPr>
@@ -1550,11 +1505,6 @@
         </p:txBody>
       </p:sp>
     </p:spTree>
-    <p:extLst>
-      <p:ext uri="{BB962C8B-B14F-4D97-AF65-F5344CB8AC3E}">
-        <p14:creationId xmlns:p14="http://schemas.microsoft.com/office/powerpoint/2010/main" val="2841039821"/>
-      </p:ext>
-    </p:extLst>
   </p:cSld>
   <p:clrMapOvr>
     <a:masterClrMapping/>
@@ -1945,13 +1895,7 @@
       </p:grpSpPr>
       <p:sp>
         <p:nvSpPr>
-          <p:cNvPr id="2" name="Title 1">
-            <a:extLst>
-              <a:ext uri="{FF2B5EF4-FFF2-40B4-BE49-F238E27FC236}">
-                <a16:creationId xmlns:a16="http://schemas.microsoft.com/office/drawing/2014/main" id="{F01F8D1B-34CD-4C17-AE3F-4F6463E95DEF}"/>
-              </a:ext>
-            </a:extLst>
-          </p:cNvPr>
+          <p:cNvPr id="2" name="Title 1"/>
           <p:cNvSpPr>
             <a:spLocks noGrp="1"/>
           </p:cNvSpPr>
@@ -1977,11 +1921,6 @@
         </p:txBody>
       </p:sp>
     </p:spTree>
-    <p:extLst>
-      <p:ext uri="{BB962C8B-B14F-4D97-AF65-F5344CB8AC3E}">
-        <p14:creationId xmlns:p14="http://schemas.microsoft.com/office/powerpoint/2010/main" val="3123190099"/>
-      </p:ext>
-    </p:extLst>
   </p:cSld>
   <p:clrMapOvr>
     <a:masterClrMapping/>
@@ -2059,11 +1998,6 @@
         </p:txBody>
       </p:sp>
     </p:spTree>
-    <p:extLst>
-      <p:ext uri="{BB962C8B-B14F-4D97-AF65-F5344CB8AC3E}">
-        <p14:creationId xmlns:p14="http://schemas.microsoft.com/office/powerpoint/2010/main" val="4136024101"/>
-      </p:ext>
-    </p:extLst>
   </p:cSld>
   <p:clrMapOvr>
     <a:masterClrMapping/>
@@ -2142,13 +2076,7 @@
       </p:grpSpPr>
       <p:sp>
         <p:nvSpPr>
-          <p:cNvPr id="3" name="Title 1">
-            <a:extLst>
-              <a:ext uri="{FF2B5EF4-FFF2-40B4-BE49-F238E27FC236}">
-                <a16:creationId xmlns:a16="http://schemas.microsoft.com/office/drawing/2014/main" id="{109E918E-A6ED-4C79-BF50-0276F40653F8}"/>
-              </a:ext>
-            </a:extLst>
-          </p:cNvPr>
+          <p:cNvPr id="3" name="Title 1"/>
           <p:cNvSpPr>
             <a:spLocks noGrp="1"/>
           </p:cNvSpPr>
@@ -2174,11 +2102,6 @@
         </p:txBody>
       </p:sp>
     </p:spTree>
-    <p:extLst>
-      <p:ext uri="{BB962C8B-B14F-4D97-AF65-F5344CB8AC3E}">
-        <p14:creationId xmlns:p14="http://schemas.microsoft.com/office/powerpoint/2010/main" val="3204474372"/>
-      </p:ext>
-    </p:extLst>
   </p:cSld>
   <p:clrMapOvr>
     <a:masterClrMapping/>
@@ -2204,11 +2127,6 @@
         </a:xfrm>
       </p:grpSpPr>
     </p:spTree>
-    <p:extLst>
-      <p:ext uri="{BB962C8B-B14F-4D97-AF65-F5344CB8AC3E}">
-        <p14:creationId xmlns:p14="http://schemas.microsoft.com/office/powerpoint/2010/main" val="58676483"/>
-      </p:ext>
-    </p:extLst>
   </p:cSld>
   <p:clrMapOvr>
     <a:masterClrMapping/>
@@ -2495,9 +2413,7 @@
       <p:sp>
         <p:nvSpPr>
           <p:cNvPr id="26" name="Slide Number Placeholder 24"/>
-          <p:cNvSpPr txBox="1">
-            <a:spLocks/>
-          </p:cNvSpPr>
+          <p:cNvSpPr txBox="1"/>
           <p:nvPr userDrawn="1"/>
         </p:nvSpPr>
         <p:spPr>
@@ -2515,7 +2431,7 @@
             <a:defPPr>
               <a:defRPr lang="en-US"/>
             </a:defPPr>
-            <a:lvl1pPr marL="0" algn="r" defTabSz="914330" rtl="0" eaLnBrk="1" latinLnBrk="0" hangingPunct="1">
+            <a:lvl1pPr marL="0" algn="r" defTabSz="914400" rtl="0" eaLnBrk="1" latinLnBrk="0" hangingPunct="1">
               <a:defRPr sz="1200" kern="1200">
                 <a:solidFill>
                   <a:schemeClr val="tx1">
@@ -2527,7 +2443,7 @@
                 <a:cs typeface="+mn-cs"/>
               </a:defRPr>
             </a:lvl1pPr>
-            <a:lvl2pPr marL="457165" algn="l" defTabSz="914330" rtl="0" eaLnBrk="1" latinLnBrk="0" hangingPunct="1">
+            <a:lvl2pPr marL="457200" algn="l" defTabSz="914400" rtl="0" eaLnBrk="1" latinLnBrk="0" hangingPunct="1">
               <a:defRPr sz="1800" kern="1200">
                 <a:solidFill>
                   <a:schemeClr val="tx1"/>
@@ -2537,7 +2453,7 @@
                 <a:cs typeface="+mn-cs"/>
               </a:defRPr>
             </a:lvl2pPr>
-            <a:lvl3pPr marL="914330" algn="l" defTabSz="914330" rtl="0" eaLnBrk="1" latinLnBrk="0" hangingPunct="1">
+            <a:lvl3pPr marL="914400" algn="l" defTabSz="914400" rtl="0" eaLnBrk="1" latinLnBrk="0" hangingPunct="1">
               <a:defRPr sz="1800" kern="1200">
                 <a:solidFill>
                   <a:schemeClr val="tx1"/>
@@ -2547,7 +2463,7 @@
                 <a:cs typeface="+mn-cs"/>
               </a:defRPr>
             </a:lvl3pPr>
-            <a:lvl4pPr marL="1371495" algn="l" defTabSz="914330" rtl="0" eaLnBrk="1" latinLnBrk="0" hangingPunct="1">
+            <a:lvl4pPr marL="1371600" algn="l" defTabSz="914400" rtl="0" eaLnBrk="1" latinLnBrk="0" hangingPunct="1">
               <a:defRPr sz="1800" kern="1200">
                 <a:solidFill>
                   <a:schemeClr val="tx1"/>
@@ -2557,7 +2473,7 @@
                 <a:cs typeface="+mn-cs"/>
               </a:defRPr>
             </a:lvl4pPr>
-            <a:lvl5pPr marL="1828660" algn="l" defTabSz="914330" rtl="0" eaLnBrk="1" latinLnBrk="0" hangingPunct="1">
+            <a:lvl5pPr marL="1828800" algn="l" defTabSz="914400" rtl="0" eaLnBrk="1" latinLnBrk="0" hangingPunct="1">
               <a:defRPr sz="1800" kern="1200">
                 <a:solidFill>
                   <a:schemeClr val="tx1"/>
@@ -2567,7 +2483,7 @@
                 <a:cs typeface="+mn-cs"/>
               </a:defRPr>
             </a:lvl5pPr>
-            <a:lvl6pPr marL="2285825" algn="l" defTabSz="914330" rtl="0" eaLnBrk="1" latinLnBrk="0" hangingPunct="1">
+            <a:lvl6pPr marL="2286000" algn="l" defTabSz="914400" rtl="0" eaLnBrk="1" latinLnBrk="0" hangingPunct="1">
               <a:defRPr sz="1800" kern="1200">
                 <a:solidFill>
                   <a:schemeClr val="tx1"/>
@@ -2577,7 +2493,7 @@
                 <a:cs typeface="+mn-cs"/>
               </a:defRPr>
             </a:lvl6pPr>
-            <a:lvl7pPr marL="2742990" algn="l" defTabSz="914330" rtl="0" eaLnBrk="1" latinLnBrk="0" hangingPunct="1">
+            <a:lvl7pPr marL="2743200" algn="l" defTabSz="914400" rtl="0" eaLnBrk="1" latinLnBrk="0" hangingPunct="1">
               <a:defRPr sz="1800" kern="1200">
                 <a:solidFill>
                   <a:schemeClr val="tx1"/>
@@ -2587,7 +2503,7 @@
                 <a:cs typeface="+mn-cs"/>
               </a:defRPr>
             </a:lvl7pPr>
-            <a:lvl8pPr marL="3200155" algn="l" defTabSz="914330" rtl="0" eaLnBrk="1" latinLnBrk="0" hangingPunct="1">
+            <a:lvl8pPr marL="3200400" algn="l" defTabSz="914400" rtl="0" eaLnBrk="1" latinLnBrk="0" hangingPunct="1">
               <a:defRPr sz="1800" kern="1200">
                 <a:solidFill>
                   <a:schemeClr val="tx1"/>
@@ -2597,7 +2513,7 @@
                 <a:cs typeface="+mn-cs"/>
               </a:defRPr>
             </a:lvl8pPr>
-            <a:lvl9pPr marL="3657320" algn="l" defTabSz="914330" rtl="0" eaLnBrk="1" latinLnBrk="0" hangingPunct="1">
+            <a:lvl9pPr marL="3657600" algn="l" defTabSz="914400" rtl="0" eaLnBrk="1" latinLnBrk="0" hangingPunct="1">
               <a:defRPr sz="1800" kern="1200">
                 <a:solidFill>
                   <a:schemeClr val="tx1"/>
@@ -2619,7 +2535,6 @@
                 <a:ea typeface="Open Sans SemiBold" charset="0"/>
                 <a:cs typeface="Open Sans SemiBold" charset="0"/>
               </a:rPr>
-              <a:pPr algn="ctr"/>
               <a:t>‹#›</a:t>
             </a:fld>
             <a:endParaRPr lang="en-US" sz="800" b="1" i="0" dirty="0">
@@ -2634,24 +2549,19 @@
         </p:txBody>
       </p:sp>
     </p:spTree>
-    <p:extLst>
-      <p:ext uri="{BB962C8B-B14F-4D97-AF65-F5344CB8AC3E}">
-        <p14:creationId xmlns:p14="http://schemas.microsoft.com/office/powerpoint/2010/main" val="1377184672"/>
-      </p:ext>
-    </p:extLst>
   </p:cSld>
   <p:clrMap bg1="lt1" tx1="dk1" bg2="lt2" tx2="dk2" accent1="accent1" accent2="accent2" accent3="accent3" accent4="accent4" accent5="accent5" accent6="accent6" hlink="hlink" folHlink="folHlink"/>
   <p:sldLayoutIdLst>
-    <p:sldLayoutId id="2147484032" r:id="rId1"/>
-    <p:sldLayoutId id="2147484033" r:id="rId2"/>
-    <p:sldLayoutId id="2147484177" r:id="rId3"/>
-    <p:sldLayoutId id="2147484175" r:id="rId4"/>
-    <p:sldLayoutId id="2147484075" r:id="rId5"/>
-    <p:sldLayoutId id="2147484108" r:id="rId6"/>
-    <p:sldLayoutId id="2147484050" r:id="rId7"/>
-    <p:sldLayoutId id="2147484116" r:id="rId8"/>
-    <p:sldLayoutId id="2147484173" r:id="rId9"/>
-    <p:sldLayoutId id="2147484176" r:id="rId10"/>
+    <p:sldLayoutId id="2147483649" r:id="rId1"/>
+    <p:sldLayoutId id="2147483650" r:id="rId2"/>
+    <p:sldLayoutId id="2147483651" r:id="rId3"/>
+    <p:sldLayoutId id="2147483652" r:id="rId4"/>
+    <p:sldLayoutId id="2147483653" r:id="rId5"/>
+    <p:sldLayoutId id="2147483654" r:id="rId6"/>
+    <p:sldLayoutId id="2147483655" r:id="rId7"/>
+    <p:sldLayoutId id="2147483656" r:id="rId8"/>
+    <p:sldLayoutId id="2147483657" r:id="rId9"/>
+    <p:sldLayoutId id="2147483658" r:id="rId10"/>
   </p:sldLayoutIdLst>
   <p:timing>
     <p:tnLst>
@@ -3003,7 +2913,7 @@
   <p:hf hdr="0" ftr="0" dt="0"/>
   <p:txStyles>
     <p:titleStyle>
-      <a:lvl1pPr algn="l" defTabSz="914318" rtl="0" eaLnBrk="1" latinLnBrk="0" hangingPunct="1">
+      <a:lvl1pPr algn="l" defTabSz="914400" rtl="0" eaLnBrk="1" latinLnBrk="0" hangingPunct="1">
         <a:lnSpc>
           <a:spcPct val="80000"/>
         </a:lnSpc>
@@ -3022,7 +2932,7 @@
       </a:lvl1pPr>
     </p:titleStyle>
     <p:bodyStyle>
-      <a:lvl1pPr marL="0" indent="0" algn="l" defTabSz="914318" rtl="0" eaLnBrk="1" latinLnBrk="0" hangingPunct="1">
+      <a:lvl1pPr marL="0" indent="0" algn="l" defTabSz="914400" rtl="0" eaLnBrk="1" latinLnBrk="0" hangingPunct="1">
         <a:lnSpc>
           <a:spcPct val="150000"/>
         </a:lnSpc>
@@ -3040,12 +2950,12 @@
           <a:cs typeface="+mn-cs"/>
         </a:defRPr>
       </a:lvl1pPr>
-      <a:lvl2pPr marL="0" indent="0" algn="l" defTabSz="914318" rtl="0" eaLnBrk="1" latinLnBrk="0" hangingPunct="1">
+      <a:lvl2pPr marL="0" indent="0" algn="l" defTabSz="914400" rtl="0" eaLnBrk="1" latinLnBrk="0" hangingPunct="1">
         <a:lnSpc>
           <a:spcPct val="150000"/>
         </a:lnSpc>
         <a:spcBef>
-          <a:spcPts val="499"/>
+          <a:spcPts val="500"/>
         </a:spcBef>
         <a:buFont typeface="Arial" panose="020B0604020202020204" pitchFamily="34" charset="0"/>
         <a:buNone/>
@@ -3058,12 +2968,12 @@
           <a:cs typeface="+mn-cs"/>
         </a:defRPr>
       </a:lvl2pPr>
-      <a:lvl3pPr marL="0" indent="0" algn="l" defTabSz="914318" rtl="0" eaLnBrk="1" latinLnBrk="0" hangingPunct="1">
+      <a:lvl3pPr marL="0" indent="0" algn="l" defTabSz="914400" rtl="0" eaLnBrk="1" latinLnBrk="0" hangingPunct="1">
         <a:lnSpc>
           <a:spcPct val="150000"/>
         </a:lnSpc>
         <a:spcBef>
-          <a:spcPts val="499"/>
+          <a:spcPts val="500"/>
         </a:spcBef>
         <a:buFont typeface="Arial" panose="020B0604020202020204" pitchFamily="34" charset="0"/>
         <a:buNone/>
@@ -3076,12 +2986,12 @@
           <a:cs typeface="+mn-cs"/>
         </a:defRPr>
       </a:lvl3pPr>
-      <a:lvl4pPr marL="0" indent="0" algn="l" defTabSz="914318" rtl="0" eaLnBrk="1" latinLnBrk="0" hangingPunct="1">
+      <a:lvl4pPr marL="0" indent="0" algn="l" defTabSz="914400" rtl="0" eaLnBrk="1" latinLnBrk="0" hangingPunct="1">
         <a:lnSpc>
           <a:spcPct val="150000"/>
         </a:lnSpc>
         <a:spcBef>
-          <a:spcPts val="499"/>
+          <a:spcPts val="500"/>
         </a:spcBef>
         <a:buFont typeface="Arial" panose="020B0604020202020204" pitchFamily="34" charset="0"/>
         <a:buNone/>
@@ -3096,12 +3006,12 @@
           <a:cs typeface="+mn-cs"/>
         </a:defRPr>
       </a:lvl4pPr>
-      <a:lvl5pPr marL="0" indent="0" algn="l" defTabSz="914318" rtl="0" eaLnBrk="1" latinLnBrk="0" hangingPunct="1">
+      <a:lvl5pPr marL="0" indent="0" algn="l" defTabSz="914400" rtl="0" eaLnBrk="1" latinLnBrk="0" hangingPunct="1">
         <a:lnSpc>
           <a:spcPct val="150000"/>
         </a:lnSpc>
         <a:spcBef>
-          <a:spcPts val="499"/>
+          <a:spcPts val="500"/>
         </a:spcBef>
         <a:buFont typeface="Arial" panose="020B0604020202020204" pitchFamily="34" charset="0"/>
         <a:buNone/>
@@ -3116,12 +3026,12 @@
           <a:cs typeface="+mn-cs"/>
         </a:defRPr>
       </a:lvl5pPr>
-      <a:lvl6pPr marL="2514374" indent="-228580" algn="l" defTabSz="914318" rtl="0" eaLnBrk="1" latinLnBrk="0" hangingPunct="1">
+      <a:lvl6pPr marL="2514600" indent="-228600" algn="l" defTabSz="914400" rtl="0" eaLnBrk="1" latinLnBrk="0" hangingPunct="1">
         <a:lnSpc>
           <a:spcPct val="90000"/>
         </a:lnSpc>
         <a:spcBef>
-          <a:spcPts val="499"/>
+          <a:spcPts val="500"/>
         </a:spcBef>
         <a:buFont typeface="Arial" panose="020B0604020202020204" pitchFamily="34" charset="0"/>
         <a:buChar char="•"/>
@@ -3134,12 +3044,12 @@
           <a:cs typeface="+mn-cs"/>
         </a:defRPr>
       </a:lvl6pPr>
-      <a:lvl7pPr marL="2971534" indent="-228580" algn="l" defTabSz="914318" rtl="0" eaLnBrk="1" latinLnBrk="0" hangingPunct="1">
+      <a:lvl7pPr marL="2971800" indent="-228600" algn="l" defTabSz="914400" rtl="0" eaLnBrk="1" latinLnBrk="0" hangingPunct="1">
         <a:lnSpc>
           <a:spcPct val="90000"/>
         </a:lnSpc>
         <a:spcBef>
-          <a:spcPts val="499"/>
+          <a:spcPts val="500"/>
         </a:spcBef>
         <a:buFont typeface="Arial" panose="020B0604020202020204" pitchFamily="34" charset="0"/>
         <a:buChar char="•"/>
@@ -3152,12 +3062,12 @@
           <a:cs typeface="+mn-cs"/>
         </a:defRPr>
       </a:lvl7pPr>
-      <a:lvl8pPr marL="3428692" indent="-228580" algn="l" defTabSz="914318" rtl="0" eaLnBrk="1" latinLnBrk="0" hangingPunct="1">
+      <a:lvl8pPr marL="3429000" indent="-228600" algn="l" defTabSz="914400" rtl="0" eaLnBrk="1" latinLnBrk="0" hangingPunct="1">
         <a:lnSpc>
           <a:spcPct val="90000"/>
         </a:lnSpc>
         <a:spcBef>
-          <a:spcPts val="499"/>
+          <a:spcPts val="500"/>
         </a:spcBef>
         <a:buFont typeface="Arial" panose="020B0604020202020204" pitchFamily="34" charset="0"/>
         <a:buChar char="•"/>
@@ -3170,12 +3080,12 @@
           <a:cs typeface="+mn-cs"/>
         </a:defRPr>
       </a:lvl8pPr>
-      <a:lvl9pPr marL="3885850" indent="-228580" algn="l" defTabSz="914318" rtl="0" eaLnBrk="1" latinLnBrk="0" hangingPunct="1">
+      <a:lvl9pPr marL="3885565" indent="-228600" algn="l" defTabSz="914400" rtl="0" eaLnBrk="1" latinLnBrk="0" hangingPunct="1">
         <a:lnSpc>
           <a:spcPct val="90000"/>
         </a:lnSpc>
         <a:spcBef>
-          <a:spcPts val="499"/>
+          <a:spcPts val="500"/>
         </a:spcBef>
         <a:buFont typeface="Arial" panose="020B0604020202020204" pitchFamily="34" charset="0"/>
         <a:buChar char="•"/>
@@ -3193,7 +3103,7 @@
       <a:defPPr>
         <a:defRPr lang="en-US"/>
       </a:defPPr>
-      <a:lvl1pPr marL="0" algn="l" defTabSz="914318" rtl="0" eaLnBrk="1" latinLnBrk="0" hangingPunct="1">
+      <a:lvl1pPr marL="0" algn="l" defTabSz="914400" rtl="0" eaLnBrk="1" latinLnBrk="0" hangingPunct="1">
         <a:defRPr sz="1800" kern="1200">
           <a:solidFill>
             <a:schemeClr val="tx1"/>
@@ -3203,7 +3113,7 @@
           <a:cs typeface="+mn-cs"/>
         </a:defRPr>
       </a:lvl1pPr>
-      <a:lvl2pPr marL="457159" algn="l" defTabSz="914318" rtl="0" eaLnBrk="1" latinLnBrk="0" hangingPunct="1">
+      <a:lvl2pPr marL="457200" algn="l" defTabSz="914400" rtl="0" eaLnBrk="1" latinLnBrk="0" hangingPunct="1">
         <a:defRPr sz="1800" kern="1200">
           <a:solidFill>
             <a:schemeClr val="tx1"/>
@@ -3213,7 +3123,7 @@
           <a:cs typeface="+mn-cs"/>
         </a:defRPr>
       </a:lvl2pPr>
-      <a:lvl3pPr marL="914318" algn="l" defTabSz="914318" rtl="0" eaLnBrk="1" latinLnBrk="0" hangingPunct="1">
+      <a:lvl3pPr marL="914400" algn="l" defTabSz="914400" rtl="0" eaLnBrk="1" latinLnBrk="0" hangingPunct="1">
         <a:defRPr sz="1800" kern="1200">
           <a:solidFill>
             <a:schemeClr val="tx1"/>
@@ -3223,7 +3133,7 @@
           <a:cs typeface="+mn-cs"/>
         </a:defRPr>
       </a:lvl3pPr>
-      <a:lvl4pPr marL="1371478" algn="l" defTabSz="914318" rtl="0" eaLnBrk="1" latinLnBrk="0" hangingPunct="1">
+      <a:lvl4pPr marL="1371600" algn="l" defTabSz="914400" rtl="0" eaLnBrk="1" latinLnBrk="0" hangingPunct="1">
         <a:defRPr sz="1800" kern="1200">
           <a:solidFill>
             <a:schemeClr val="tx1"/>
@@ -3233,7 +3143,7 @@
           <a:cs typeface="+mn-cs"/>
         </a:defRPr>
       </a:lvl4pPr>
-      <a:lvl5pPr marL="1828636" algn="l" defTabSz="914318" rtl="0" eaLnBrk="1" latinLnBrk="0" hangingPunct="1">
+      <a:lvl5pPr marL="1828800" algn="l" defTabSz="914400" rtl="0" eaLnBrk="1" latinLnBrk="0" hangingPunct="1">
         <a:defRPr sz="1800" kern="1200">
           <a:solidFill>
             <a:schemeClr val="tx1"/>
@@ -3243,7 +3153,7 @@
           <a:cs typeface="+mn-cs"/>
         </a:defRPr>
       </a:lvl5pPr>
-      <a:lvl6pPr marL="2285794" algn="l" defTabSz="914318" rtl="0" eaLnBrk="1" latinLnBrk="0" hangingPunct="1">
+      <a:lvl6pPr marL="2286000" algn="l" defTabSz="914400" rtl="0" eaLnBrk="1" latinLnBrk="0" hangingPunct="1">
         <a:defRPr sz="1800" kern="1200">
           <a:solidFill>
             <a:schemeClr val="tx1"/>
@@ -3253,7 +3163,7 @@
           <a:cs typeface="+mn-cs"/>
         </a:defRPr>
       </a:lvl6pPr>
-      <a:lvl7pPr marL="2742953" algn="l" defTabSz="914318" rtl="0" eaLnBrk="1" latinLnBrk="0" hangingPunct="1">
+      <a:lvl7pPr marL="2743200" algn="l" defTabSz="914400" rtl="0" eaLnBrk="1" latinLnBrk="0" hangingPunct="1">
         <a:defRPr sz="1800" kern="1200">
           <a:solidFill>
             <a:schemeClr val="tx1"/>
@@ -3263,7 +3173,7 @@
           <a:cs typeface="+mn-cs"/>
         </a:defRPr>
       </a:lvl7pPr>
-      <a:lvl8pPr marL="3200112" algn="l" defTabSz="914318" rtl="0" eaLnBrk="1" latinLnBrk="0" hangingPunct="1">
+      <a:lvl8pPr marL="3200400" algn="l" defTabSz="914400" rtl="0" eaLnBrk="1" latinLnBrk="0" hangingPunct="1">
         <a:defRPr sz="1800" kern="1200">
           <a:solidFill>
             <a:schemeClr val="tx1"/>
@@ -3273,7 +3183,7 @@
           <a:cs typeface="+mn-cs"/>
         </a:defRPr>
       </a:lvl8pPr>
-      <a:lvl9pPr marL="3657271" algn="l" defTabSz="914318" rtl="0" eaLnBrk="1" latinLnBrk="0" hangingPunct="1">
+      <a:lvl9pPr marL="3656965" algn="l" defTabSz="914400" rtl="0" eaLnBrk="1" latinLnBrk="0" hangingPunct="1">
         <a:defRPr sz="1800" kern="1200">
           <a:solidFill>
             <a:schemeClr val="tx1"/>
@@ -3285,77 +3195,6 @@
       </a:lvl9pPr>
     </p:otherStyle>
   </p:txStyles>
-  <p:extLst>
-    <p:ext uri="{27BBF7A9-308A-43DC-89C8-2F10F3537804}">
-      <p15:sldGuideLst xmlns:p15="http://schemas.microsoft.com/office/powerpoint/2012/main">
-        <p15:guide id="0" pos="3840">
-          <p15:clr>
-            <a:srgbClr val="F26B43"/>
-          </p15:clr>
-        </p15:guide>
-        <p15:guide id="1" orient="horz" pos="2160" userDrawn="1">
-          <p15:clr>
-            <a:srgbClr val="F26B43"/>
-          </p15:clr>
-        </p15:guide>
-        <p15:guide id="14" orient="horz" pos="346" userDrawn="1">
-          <p15:clr>
-            <a:srgbClr val="F26B43"/>
-          </p15:clr>
-        </p15:guide>
-        <p15:guide id="27" orient="horz" pos="3952" userDrawn="1">
-          <p15:clr>
-            <a:srgbClr val="F26B43"/>
-          </p15:clr>
-        </p15:guide>
-        <p15:guide id="28" pos="642" userDrawn="1">
-          <p15:clr>
-            <a:srgbClr val="F26B43"/>
-          </p15:clr>
-        </p15:guide>
-        <p15:guide id="29" pos="7038" userDrawn="1">
-          <p15:clr>
-            <a:srgbClr val="F26B43"/>
-          </p15:clr>
-        </p15:guide>
-        <p15:guide id="44">
-          <p15:clr>
-            <a:srgbClr val="F26B43"/>
-          </p15:clr>
-        </p15:guide>
-        <p15:guide id="45" pos="7680">
-          <p15:clr>
-            <a:srgbClr val="F26B43"/>
-          </p15:clr>
-        </p15:guide>
-        <p15:guide id="46" orient="horz">
-          <p15:clr>
-            <a:srgbClr val="F26B43"/>
-          </p15:clr>
-        </p15:guide>
-        <p15:guide id="47" orient="horz" pos="4320">
-          <p15:clr>
-            <a:srgbClr val="F26B43"/>
-          </p15:clr>
-        </p15:guide>
-        <p15:guide id="48" pos="1277" userDrawn="1">
-          <p15:clr>
-            <a:srgbClr val="F26B43"/>
-          </p15:clr>
-        </p15:guide>
-        <p15:guide id="51" orient="horz" pos="709" userDrawn="1">
-          <p15:clr>
-            <a:srgbClr val="F26B43"/>
-          </p15:clr>
-        </p15:guide>
-        <p15:guide id="52" pos="1912" userDrawn="1">
-          <p15:clr>
-            <a:srgbClr val="F26B43"/>
-          </p15:clr>
-        </p15:guide>
-      </p15:sldGuideLst>
-    </p:ext>
-  </p:extLst>
 </p:sldMaster>
 </file>
 
@@ -3638,9 +3477,7 @@
       <p:sp>
         <p:nvSpPr>
           <p:cNvPr id="26" name="Slide Number Placeholder 24"/>
-          <p:cNvSpPr txBox="1">
-            <a:spLocks/>
-          </p:cNvSpPr>
+          <p:cNvSpPr txBox="1"/>
           <p:nvPr userDrawn="1"/>
         </p:nvSpPr>
         <p:spPr>
@@ -3658,7 +3495,7 @@
             <a:defPPr>
               <a:defRPr lang="en-US"/>
             </a:defPPr>
-            <a:lvl1pPr marL="0" algn="r" defTabSz="914330" rtl="0" eaLnBrk="1" latinLnBrk="0" hangingPunct="1">
+            <a:lvl1pPr marL="0" algn="r" defTabSz="914400" rtl="0" eaLnBrk="1" latinLnBrk="0" hangingPunct="1">
               <a:defRPr sz="1200" kern="1200">
                 <a:solidFill>
                   <a:schemeClr val="tx1">
@@ -3670,7 +3507,7 @@
                 <a:cs typeface="+mn-cs"/>
               </a:defRPr>
             </a:lvl1pPr>
-            <a:lvl2pPr marL="457165" algn="l" defTabSz="914330" rtl="0" eaLnBrk="1" latinLnBrk="0" hangingPunct="1">
+            <a:lvl2pPr marL="457200" algn="l" defTabSz="914400" rtl="0" eaLnBrk="1" latinLnBrk="0" hangingPunct="1">
               <a:defRPr sz="1800" kern="1200">
                 <a:solidFill>
                   <a:schemeClr val="tx1"/>
@@ -3680,7 +3517,7 @@
                 <a:cs typeface="+mn-cs"/>
               </a:defRPr>
             </a:lvl2pPr>
-            <a:lvl3pPr marL="914330" algn="l" defTabSz="914330" rtl="0" eaLnBrk="1" latinLnBrk="0" hangingPunct="1">
+            <a:lvl3pPr marL="914400" algn="l" defTabSz="914400" rtl="0" eaLnBrk="1" latinLnBrk="0" hangingPunct="1">
               <a:defRPr sz="1800" kern="1200">
                 <a:solidFill>
                   <a:schemeClr val="tx1"/>
@@ -3690,7 +3527,7 @@
                 <a:cs typeface="+mn-cs"/>
               </a:defRPr>
             </a:lvl3pPr>
-            <a:lvl4pPr marL="1371495" algn="l" defTabSz="914330" rtl="0" eaLnBrk="1" latinLnBrk="0" hangingPunct="1">
+            <a:lvl4pPr marL="1371600" algn="l" defTabSz="914400" rtl="0" eaLnBrk="1" latinLnBrk="0" hangingPunct="1">
               <a:defRPr sz="1800" kern="1200">
                 <a:solidFill>
                   <a:schemeClr val="tx1"/>
@@ -3700,7 +3537,7 @@
                 <a:cs typeface="+mn-cs"/>
               </a:defRPr>
             </a:lvl4pPr>
-            <a:lvl5pPr marL="1828660" algn="l" defTabSz="914330" rtl="0" eaLnBrk="1" latinLnBrk="0" hangingPunct="1">
+            <a:lvl5pPr marL="1828800" algn="l" defTabSz="914400" rtl="0" eaLnBrk="1" latinLnBrk="0" hangingPunct="1">
               <a:defRPr sz="1800" kern="1200">
                 <a:solidFill>
                   <a:schemeClr val="tx1"/>
@@ -3710,7 +3547,7 @@
                 <a:cs typeface="+mn-cs"/>
               </a:defRPr>
             </a:lvl5pPr>
-            <a:lvl6pPr marL="2285825" algn="l" defTabSz="914330" rtl="0" eaLnBrk="1" latinLnBrk="0" hangingPunct="1">
+            <a:lvl6pPr marL="2286000" algn="l" defTabSz="914400" rtl="0" eaLnBrk="1" latinLnBrk="0" hangingPunct="1">
               <a:defRPr sz="1800" kern="1200">
                 <a:solidFill>
                   <a:schemeClr val="tx1"/>
@@ -3720,7 +3557,7 @@
                 <a:cs typeface="+mn-cs"/>
               </a:defRPr>
             </a:lvl6pPr>
-            <a:lvl7pPr marL="2742990" algn="l" defTabSz="914330" rtl="0" eaLnBrk="1" latinLnBrk="0" hangingPunct="1">
+            <a:lvl7pPr marL="2743200" algn="l" defTabSz="914400" rtl="0" eaLnBrk="1" latinLnBrk="0" hangingPunct="1">
               <a:defRPr sz="1800" kern="1200">
                 <a:solidFill>
                   <a:schemeClr val="tx1"/>
@@ -3730,7 +3567,7 @@
                 <a:cs typeface="+mn-cs"/>
               </a:defRPr>
             </a:lvl7pPr>
-            <a:lvl8pPr marL="3200155" algn="l" defTabSz="914330" rtl="0" eaLnBrk="1" latinLnBrk="0" hangingPunct="1">
+            <a:lvl8pPr marL="3200400" algn="l" defTabSz="914400" rtl="0" eaLnBrk="1" latinLnBrk="0" hangingPunct="1">
               <a:defRPr sz="1800" kern="1200">
                 <a:solidFill>
                   <a:schemeClr val="tx1"/>
@@ -3740,7 +3577,7 @@
                 <a:cs typeface="+mn-cs"/>
               </a:defRPr>
             </a:lvl8pPr>
-            <a:lvl9pPr marL="3657320" algn="l" defTabSz="914330" rtl="0" eaLnBrk="1" latinLnBrk="0" hangingPunct="1">
+            <a:lvl9pPr marL="3657600" algn="l" defTabSz="914400" rtl="0" eaLnBrk="1" latinLnBrk="0" hangingPunct="1">
               <a:defRPr sz="1800" kern="1200">
                 <a:solidFill>
                   <a:schemeClr val="tx1"/>
@@ -3762,7 +3599,6 @@
                 <a:ea typeface="Open Sans SemiBold" charset="0"/>
                 <a:cs typeface="Open Sans SemiBold" charset="0"/>
               </a:rPr>
-              <a:pPr algn="ctr"/>
               <a:t>‹#›</a:t>
             </a:fld>
             <a:endParaRPr lang="en-US" sz="800" b="1" i="0" dirty="0">
@@ -3777,15 +3613,10 @@
         </p:txBody>
       </p:sp>
     </p:spTree>
-    <p:extLst>
-      <p:ext uri="{BB962C8B-B14F-4D97-AF65-F5344CB8AC3E}">
-        <p14:creationId xmlns:p14="http://schemas.microsoft.com/office/powerpoint/2010/main" val="1130058543"/>
-      </p:ext>
-    </p:extLst>
   </p:cSld>
   <p:clrMap bg1="lt1" tx1="dk1" bg2="lt2" tx2="dk2" accent1="accent1" accent2="accent2" accent3="accent3" accent4="accent4" accent5="accent5" accent6="accent6" hlink="hlink" folHlink="folHlink"/>
   <p:sldLayoutIdLst>
-    <p:sldLayoutId id="2147484036" r:id="rId1"/>
+    <p:sldLayoutId id="2147483660" r:id="rId1"/>
   </p:sldLayoutIdLst>
   <p:timing>
     <p:tnLst>
@@ -4063,7 +3894,7 @@
   <p:hf hdr="0" ftr="0" dt="0"/>
   <p:txStyles>
     <p:titleStyle>
-      <a:lvl1pPr algn="l" defTabSz="914318" rtl="0" eaLnBrk="1" latinLnBrk="0" hangingPunct="1">
+      <a:lvl1pPr algn="l" defTabSz="914400" rtl="0" eaLnBrk="1" latinLnBrk="0" hangingPunct="1">
         <a:lnSpc>
           <a:spcPct val="80000"/>
         </a:lnSpc>
@@ -4082,7 +3913,7 @@
       </a:lvl1pPr>
     </p:titleStyle>
     <p:bodyStyle>
-      <a:lvl1pPr marL="0" indent="0" algn="l" defTabSz="914318" rtl="0" eaLnBrk="1" latinLnBrk="0" hangingPunct="1">
+      <a:lvl1pPr marL="0" indent="0" algn="l" defTabSz="914400" rtl="0" eaLnBrk="1" latinLnBrk="0" hangingPunct="1">
         <a:lnSpc>
           <a:spcPct val="150000"/>
         </a:lnSpc>
@@ -4100,12 +3931,12 @@
           <a:cs typeface="+mn-cs"/>
         </a:defRPr>
       </a:lvl1pPr>
-      <a:lvl2pPr marL="0" indent="0" algn="l" defTabSz="914318" rtl="0" eaLnBrk="1" latinLnBrk="0" hangingPunct="1">
+      <a:lvl2pPr marL="0" indent="0" algn="l" defTabSz="914400" rtl="0" eaLnBrk="1" latinLnBrk="0" hangingPunct="1">
         <a:lnSpc>
           <a:spcPct val="150000"/>
         </a:lnSpc>
         <a:spcBef>
-          <a:spcPts val="499"/>
+          <a:spcPts val="500"/>
         </a:spcBef>
         <a:buFont typeface="Arial" panose="020B0604020202020204" pitchFamily="34" charset="0"/>
         <a:buNone/>
@@ -4118,12 +3949,12 @@
           <a:cs typeface="+mn-cs"/>
         </a:defRPr>
       </a:lvl2pPr>
-      <a:lvl3pPr marL="0" indent="0" algn="l" defTabSz="914318" rtl="0" eaLnBrk="1" latinLnBrk="0" hangingPunct="1">
+      <a:lvl3pPr marL="0" indent="0" algn="l" defTabSz="914400" rtl="0" eaLnBrk="1" latinLnBrk="0" hangingPunct="1">
         <a:lnSpc>
           <a:spcPct val="150000"/>
         </a:lnSpc>
         <a:spcBef>
-          <a:spcPts val="499"/>
+          <a:spcPts val="500"/>
         </a:spcBef>
         <a:buFont typeface="Arial" panose="020B0604020202020204" pitchFamily="34" charset="0"/>
         <a:buNone/>
@@ -4136,12 +3967,12 @@
           <a:cs typeface="+mn-cs"/>
         </a:defRPr>
       </a:lvl3pPr>
-      <a:lvl4pPr marL="0" indent="0" algn="l" defTabSz="914318" rtl="0" eaLnBrk="1" latinLnBrk="0" hangingPunct="1">
+      <a:lvl4pPr marL="0" indent="0" algn="l" defTabSz="914400" rtl="0" eaLnBrk="1" latinLnBrk="0" hangingPunct="1">
         <a:lnSpc>
           <a:spcPct val="150000"/>
         </a:lnSpc>
         <a:spcBef>
-          <a:spcPts val="499"/>
+          <a:spcPts val="500"/>
         </a:spcBef>
         <a:buFont typeface="Arial" panose="020B0604020202020204" pitchFamily="34" charset="0"/>
         <a:buNone/>
@@ -4156,12 +3987,12 @@
           <a:cs typeface="+mn-cs"/>
         </a:defRPr>
       </a:lvl4pPr>
-      <a:lvl5pPr marL="0" indent="0" algn="l" defTabSz="914318" rtl="0" eaLnBrk="1" latinLnBrk="0" hangingPunct="1">
+      <a:lvl5pPr marL="0" indent="0" algn="l" defTabSz="914400" rtl="0" eaLnBrk="1" latinLnBrk="0" hangingPunct="1">
         <a:lnSpc>
           <a:spcPct val="150000"/>
         </a:lnSpc>
         <a:spcBef>
-          <a:spcPts val="499"/>
+          <a:spcPts val="500"/>
         </a:spcBef>
         <a:buFont typeface="Arial" panose="020B0604020202020204" pitchFamily="34" charset="0"/>
         <a:buNone/>
@@ -4176,12 +4007,12 @@
           <a:cs typeface="+mn-cs"/>
         </a:defRPr>
       </a:lvl5pPr>
-      <a:lvl6pPr marL="2514374" indent="-228580" algn="l" defTabSz="914318" rtl="0" eaLnBrk="1" latinLnBrk="0" hangingPunct="1">
+      <a:lvl6pPr marL="2514600" indent="-228600" algn="l" defTabSz="914400" rtl="0" eaLnBrk="1" latinLnBrk="0" hangingPunct="1">
         <a:lnSpc>
           <a:spcPct val="90000"/>
         </a:lnSpc>
         <a:spcBef>
-          <a:spcPts val="499"/>
+          <a:spcPts val="500"/>
         </a:spcBef>
         <a:buFont typeface="Arial" panose="020B0604020202020204" pitchFamily="34" charset="0"/>
         <a:buChar char="•"/>
@@ -4194,12 +4025,12 @@
           <a:cs typeface="+mn-cs"/>
         </a:defRPr>
       </a:lvl6pPr>
-      <a:lvl7pPr marL="2971534" indent="-228580" algn="l" defTabSz="914318" rtl="0" eaLnBrk="1" latinLnBrk="0" hangingPunct="1">
+      <a:lvl7pPr marL="2971800" indent="-228600" algn="l" defTabSz="914400" rtl="0" eaLnBrk="1" latinLnBrk="0" hangingPunct="1">
         <a:lnSpc>
           <a:spcPct val="90000"/>
         </a:lnSpc>
         <a:spcBef>
-          <a:spcPts val="499"/>
+          <a:spcPts val="500"/>
         </a:spcBef>
         <a:buFont typeface="Arial" panose="020B0604020202020204" pitchFamily="34" charset="0"/>
         <a:buChar char="•"/>
@@ -4212,12 +4043,12 @@
           <a:cs typeface="+mn-cs"/>
         </a:defRPr>
       </a:lvl7pPr>
-      <a:lvl8pPr marL="3428692" indent="-228580" algn="l" defTabSz="914318" rtl="0" eaLnBrk="1" latinLnBrk="0" hangingPunct="1">
+      <a:lvl8pPr marL="3429000" indent="-228600" algn="l" defTabSz="914400" rtl="0" eaLnBrk="1" latinLnBrk="0" hangingPunct="1">
         <a:lnSpc>
           <a:spcPct val="90000"/>
         </a:lnSpc>
         <a:spcBef>
-          <a:spcPts val="499"/>
+          <a:spcPts val="500"/>
         </a:spcBef>
         <a:buFont typeface="Arial" panose="020B0604020202020204" pitchFamily="34" charset="0"/>
         <a:buChar char="•"/>
@@ -4230,12 +4061,12 @@
           <a:cs typeface="+mn-cs"/>
         </a:defRPr>
       </a:lvl8pPr>
-      <a:lvl9pPr marL="3885850" indent="-228580" algn="l" defTabSz="914318" rtl="0" eaLnBrk="1" latinLnBrk="0" hangingPunct="1">
+      <a:lvl9pPr marL="3885565" indent="-228600" algn="l" defTabSz="914400" rtl="0" eaLnBrk="1" latinLnBrk="0" hangingPunct="1">
         <a:lnSpc>
           <a:spcPct val="90000"/>
         </a:lnSpc>
         <a:spcBef>
-          <a:spcPts val="499"/>
+          <a:spcPts val="500"/>
         </a:spcBef>
         <a:buFont typeface="Arial" panose="020B0604020202020204" pitchFamily="34" charset="0"/>
         <a:buChar char="•"/>
@@ -4253,7 +4084,7 @@
       <a:defPPr>
         <a:defRPr lang="en-US"/>
       </a:defPPr>
-      <a:lvl1pPr marL="0" algn="l" defTabSz="914318" rtl="0" eaLnBrk="1" latinLnBrk="0" hangingPunct="1">
+      <a:lvl1pPr marL="0" algn="l" defTabSz="914400" rtl="0" eaLnBrk="1" latinLnBrk="0" hangingPunct="1">
         <a:defRPr sz="1800" kern="1200">
           <a:solidFill>
             <a:schemeClr val="tx1"/>
@@ -4263,7 +4094,7 @@
           <a:cs typeface="+mn-cs"/>
         </a:defRPr>
       </a:lvl1pPr>
-      <a:lvl2pPr marL="457159" algn="l" defTabSz="914318" rtl="0" eaLnBrk="1" latinLnBrk="0" hangingPunct="1">
+      <a:lvl2pPr marL="457200" algn="l" defTabSz="914400" rtl="0" eaLnBrk="1" latinLnBrk="0" hangingPunct="1">
         <a:defRPr sz="1800" kern="1200">
           <a:solidFill>
             <a:schemeClr val="tx1"/>
@@ -4273,7 +4104,7 @@
           <a:cs typeface="+mn-cs"/>
         </a:defRPr>
       </a:lvl2pPr>
-      <a:lvl3pPr marL="914318" algn="l" defTabSz="914318" rtl="0" eaLnBrk="1" latinLnBrk="0" hangingPunct="1">
+      <a:lvl3pPr marL="914400" algn="l" defTabSz="914400" rtl="0" eaLnBrk="1" latinLnBrk="0" hangingPunct="1">
         <a:defRPr sz="1800" kern="1200">
           <a:solidFill>
             <a:schemeClr val="tx1"/>
@@ -4283,7 +4114,7 @@
           <a:cs typeface="+mn-cs"/>
         </a:defRPr>
       </a:lvl3pPr>
-      <a:lvl4pPr marL="1371478" algn="l" defTabSz="914318" rtl="0" eaLnBrk="1" latinLnBrk="0" hangingPunct="1">
+      <a:lvl4pPr marL="1371600" algn="l" defTabSz="914400" rtl="0" eaLnBrk="1" latinLnBrk="0" hangingPunct="1">
         <a:defRPr sz="1800" kern="1200">
           <a:solidFill>
             <a:schemeClr val="tx1"/>
@@ -4293,7 +4124,7 @@
           <a:cs typeface="+mn-cs"/>
         </a:defRPr>
       </a:lvl4pPr>
-      <a:lvl5pPr marL="1828636" algn="l" defTabSz="914318" rtl="0" eaLnBrk="1" latinLnBrk="0" hangingPunct="1">
+      <a:lvl5pPr marL="1828800" algn="l" defTabSz="914400" rtl="0" eaLnBrk="1" latinLnBrk="0" hangingPunct="1">
         <a:defRPr sz="1800" kern="1200">
           <a:solidFill>
             <a:schemeClr val="tx1"/>
@@ -4303,7 +4134,7 @@
           <a:cs typeface="+mn-cs"/>
         </a:defRPr>
       </a:lvl5pPr>
-      <a:lvl6pPr marL="2285794" algn="l" defTabSz="914318" rtl="0" eaLnBrk="1" latinLnBrk="0" hangingPunct="1">
+      <a:lvl6pPr marL="2286000" algn="l" defTabSz="914400" rtl="0" eaLnBrk="1" latinLnBrk="0" hangingPunct="1">
         <a:defRPr sz="1800" kern="1200">
           <a:solidFill>
             <a:schemeClr val="tx1"/>
@@ -4313,7 +4144,7 @@
           <a:cs typeface="+mn-cs"/>
         </a:defRPr>
       </a:lvl6pPr>
-      <a:lvl7pPr marL="2742953" algn="l" defTabSz="914318" rtl="0" eaLnBrk="1" latinLnBrk="0" hangingPunct="1">
+      <a:lvl7pPr marL="2743200" algn="l" defTabSz="914400" rtl="0" eaLnBrk="1" latinLnBrk="0" hangingPunct="1">
         <a:defRPr sz="1800" kern="1200">
           <a:solidFill>
             <a:schemeClr val="tx1"/>
@@ -4323,7 +4154,7 @@
           <a:cs typeface="+mn-cs"/>
         </a:defRPr>
       </a:lvl7pPr>
-      <a:lvl8pPr marL="3200112" algn="l" defTabSz="914318" rtl="0" eaLnBrk="1" latinLnBrk="0" hangingPunct="1">
+      <a:lvl8pPr marL="3200400" algn="l" defTabSz="914400" rtl="0" eaLnBrk="1" latinLnBrk="0" hangingPunct="1">
         <a:defRPr sz="1800" kern="1200">
           <a:solidFill>
             <a:schemeClr val="tx1"/>
@@ -4333,7 +4164,7 @@
           <a:cs typeface="+mn-cs"/>
         </a:defRPr>
       </a:lvl8pPr>
-      <a:lvl9pPr marL="3657271" algn="l" defTabSz="914318" rtl="0" eaLnBrk="1" latinLnBrk="0" hangingPunct="1">
+      <a:lvl9pPr marL="3656965" algn="l" defTabSz="914400" rtl="0" eaLnBrk="1" latinLnBrk="0" hangingPunct="1">
         <a:defRPr sz="1800" kern="1200">
           <a:solidFill>
             <a:schemeClr val="tx1"/>
@@ -4345,77 +4176,6 @@
       </a:lvl9pPr>
     </p:otherStyle>
   </p:txStyles>
-  <p:extLst>
-    <p:ext uri="{27BBF7A9-308A-43DC-89C8-2F10F3537804}">
-      <p15:sldGuideLst xmlns:p15="http://schemas.microsoft.com/office/powerpoint/2012/main">
-        <p15:guide id="0" pos="3840">
-          <p15:clr>
-            <a:srgbClr val="F26B43"/>
-          </p15:clr>
-        </p15:guide>
-        <p15:guide id="1" orient="horz" pos="2160">
-          <p15:clr>
-            <a:srgbClr val="F26B43"/>
-          </p15:clr>
-        </p15:guide>
-        <p15:guide id="14" orient="horz" pos="346">
-          <p15:clr>
-            <a:srgbClr val="F26B43"/>
-          </p15:clr>
-        </p15:guide>
-        <p15:guide id="27" orient="horz" pos="3952">
-          <p15:clr>
-            <a:srgbClr val="F26B43"/>
-          </p15:clr>
-        </p15:guide>
-        <p15:guide id="28" pos="642">
-          <p15:clr>
-            <a:srgbClr val="F26B43"/>
-          </p15:clr>
-        </p15:guide>
-        <p15:guide id="29" pos="7038">
-          <p15:clr>
-            <a:srgbClr val="F26B43"/>
-          </p15:clr>
-        </p15:guide>
-        <p15:guide id="44">
-          <p15:clr>
-            <a:srgbClr val="F26B43"/>
-          </p15:clr>
-        </p15:guide>
-        <p15:guide id="45" pos="7680">
-          <p15:clr>
-            <a:srgbClr val="F26B43"/>
-          </p15:clr>
-        </p15:guide>
-        <p15:guide id="46" orient="horz">
-          <p15:clr>
-            <a:srgbClr val="F26B43"/>
-          </p15:clr>
-        </p15:guide>
-        <p15:guide id="47" orient="horz" pos="4320">
-          <p15:clr>
-            <a:srgbClr val="F26B43"/>
-          </p15:clr>
-        </p15:guide>
-        <p15:guide id="48" pos="1277">
-          <p15:clr>
-            <a:srgbClr val="F26B43"/>
-          </p15:clr>
-        </p15:guide>
-        <p15:guide id="51" orient="horz" pos="709">
-          <p15:clr>
-            <a:srgbClr val="F26B43"/>
-          </p15:clr>
-        </p15:guide>
-        <p15:guide id="52" pos="1912">
-          <p15:clr>
-            <a:srgbClr val="F26B43"/>
-          </p15:clr>
-        </p15:guide>
-      </p15:sldGuideLst>
-    </p:ext>
-  </p:extLst>
 </p:sldMaster>
 </file>
 
@@ -4438,13 +4198,7 @@
       </p:grpSpPr>
       <p:pic>
         <p:nvPicPr>
-          <p:cNvPr id="6" name="Picture 5">
-            <a:extLst>
-              <a:ext uri="{FF2B5EF4-FFF2-40B4-BE49-F238E27FC236}">
-                <a16:creationId xmlns:a16="http://schemas.microsoft.com/office/drawing/2014/main" id="{A315E1FD-66F0-3295-FABB-DFD36F3715CE}"/>
-              </a:ext>
-            </a:extLst>
-          </p:cNvPr>
+          <p:cNvPr id="6" name="Picture 5"/>
           <p:cNvPicPr>
             <a:picLocks noChangeAspect="1"/>
           </p:cNvPicPr>
@@ -4473,11 +4227,6 @@
         </p:spPr>
       </p:pic>
     </p:spTree>
-    <p:extLst>
-      <p:ext uri="{BB962C8B-B14F-4D97-AF65-F5344CB8AC3E}">
-        <p14:creationId xmlns:p14="http://schemas.microsoft.com/office/powerpoint/2010/main" val="1774976750"/>
-      </p:ext>
-    </p:extLst>
   </p:cSld>
   <p:clrMapOvr>
     <a:masterClrMapping/>
@@ -4645,13 +4394,7 @@
       </p:grpSpPr>
       <p:sp>
         <p:nvSpPr>
-          <p:cNvPr id="2" name="Rectangle 1">
-            <a:extLst>
-              <a:ext uri="{FF2B5EF4-FFF2-40B4-BE49-F238E27FC236}">
-                <a16:creationId xmlns:a16="http://schemas.microsoft.com/office/drawing/2014/main" id="{DD61AC3A-8E21-5682-BAC1-8D555F6F2345}"/>
-              </a:ext>
-            </a:extLst>
-          </p:cNvPr>
+          <p:cNvPr id="2" name="Rectangle 1"/>
           <p:cNvSpPr/>
           <p:nvPr/>
         </p:nvSpPr>
@@ -4719,20 +4462,14 @@
       </p:sp>
       <p:sp>
         <p:nvSpPr>
-          <p:cNvPr id="4" name="TextBox 3">
-            <a:extLst>
-              <a:ext uri="{FF2B5EF4-FFF2-40B4-BE49-F238E27FC236}">
-                <a16:creationId xmlns:a16="http://schemas.microsoft.com/office/drawing/2014/main" id="{04452F34-237C-8774-FD6A-6149563AD02F}"/>
-              </a:ext>
-            </a:extLst>
-          </p:cNvPr>
+          <p:cNvPr id="4" name="TextBox 3"/>
           <p:cNvSpPr txBox="1"/>
           <p:nvPr/>
         </p:nvSpPr>
         <p:spPr>
           <a:xfrm>
             <a:off x="2491530" y="351437"/>
-            <a:ext cx="7927597" cy="6109677"/>
+            <a:ext cx="7927597" cy="6118225"/>
           </a:xfrm>
           <a:prstGeom prst="rect">
             <a:avLst/>
@@ -4754,7 +4491,9 @@
               </a:spcBef>
             </a:pPr>
             <a:r>
-              <a:rPr lang="az-Latn-AZ" sz="1400" b="1" dirty="0"/>
+              <a:rPr lang="az-Latn-AZ" sz="1400" b="1" dirty="0">
+                <a:cs typeface="Constantia" panose="02030602050306030303" pitchFamily="18" charset="0"/>
+              </a:rPr>
               <a:t>Mən kiməm ?</a:t>
             </a:r>
           </a:p>
@@ -4767,7 +4506,9 @@
                 <a:spcPts val="1000"/>
               </a:spcBef>
             </a:pPr>
-            <a:endParaRPr lang="az-Latn-AZ" sz="1400" b="1" dirty="0"/>
+            <a:endParaRPr lang="az-Latn-AZ" sz="1400" b="1" dirty="0">
+              <a:cs typeface="Constantia" panose="02030602050306030303" pitchFamily="18" charset="0"/>
+            </a:endParaRPr>
           </a:p>
           <a:p>
             <a:pPr algn="just">
@@ -4779,18 +4520,26 @@
               </a:spcBef>
             </a:pPr>
             <a:r>
-              <a:rPr lang="az-Latn-AZ" sz="1400" dirty="0"/>
+              <a:rPr lang="az-Latn-AZ" sz="1400" dirty="0">
+                <a:cs typeface="Constantia" panose="02030602050306030303" pitchFamily="18" charset="0"/>
+              </a:rPr>
               <a:t>Mən Lətifli Mehrac İlham oğlu. İqtisadiyyat və İnformasiya Texnologiyaları üzrə təhsilə almışam. Hazırda da Step </a:t>
             </a:r>
             <a:r>
-              <a:rPr lang="en-US" sz="1400" dirty="0"/>
+              <a:rPr lang="en-US" sz="1400" dirty="0">
+                <a:cs typeface="Constantia" panose="02030602050306030303" pitchFamily="18" charset="0"/>
+              </a:rPr>
               <a:t>IT –d</a:t>
             </a:r>
             <a:r>
-              <a:rPr lang="az-Latn-AZ" sz="1400" dirty="0"/>
+              <a:rPr lang="az-Latn-AZ" sz="1400" dirty="0">
+                <a:cs typeface="Constantia" panose="02030602050306030303" pitchFamily="18" charset="0"/>
+              </a:rPr>
               <a:t>ə qarşınızda .NET üzrə kurs işimi təqdim edirəm. </a:t>
             </a:r>
-            <a:endParaRPr lang="en-US" sz="1400" dirty="0"/>
+            <a:endParaRPr lang="en-US" sz="1400" dirty="0">
+              <a:cs typeface="Constantia" panose="02030602050306030303" pitchFamily="18" charset="0"/>
+            </a:endParaRPr>
           </a:p>
           <a:p>
             <a:pPr algn="just">
@@ -4801,7 +4550,9 @@
                 <a:spcPts val="1000"/>
               </a:spcBef>
             </a:pPr>
-            <a:endParaRPr lang="az-Latn-AZ" sz="1400" dirty="0"/>
+            <a:endParaRPr lang="az-Latn-AZ" sz="1400" dirty="0">
+              <a:cs typeface="Constantia" panose="02030602050306030303" pitchFamily="18" charset="0"/>
+            </a:endParaRPr>
           </a:p>
           <a:p>
             <a:pPr algn="just">
@@ -4813,7 +4564,9 @@
               </a:spcBef>
             </a:pPr>
             <a:r>
-              <a:rPr lang="az-Latn-AZ" sz="1400" dirty="0"/>
+              <a:rPr lang="az-Latn-AZ" sz="1400" dirty="0">
+                <a:cs typeface="Constantia" panose="02030602050306030303" pitchFamily="18" charset="0"/>
+              </a:rPr>
               <a:t>Buna qədər də müxtəlif proyektlərim olub.</a:t>
             </a:r>
           </a:p>
@@ -4827,11 +4580,15 @@
               </a:spcBef>
             </a:pPr>
             <a:r>
-              <a:rPr lang="az-Latn-AZ" sz="1400" dirty="0"/>
+              <a:rPr lang="az-Latn-AZ" sz="1400" dirty="0">
+                <a:cs typeface="Constantia" panose="02030602050306030303" pitchFamily="18" charset="0"/>
+              </a:rPr>
               <a:t>Məsələn</a:t>
             </a:r>
             <a:r>
-              <a:rPr lang="en-US" sz="1400" dirty="0"/>
+              <a:rPr lang="en-US" sz="1400" dirty="0">
+                <a:cs typeface="Constantia" panose="02030602050306030303" pitchFamily="18" charset="0"/>
+              </a:rPr>
               <a:t>: </a:t>
             </a:r>
           </a:p>
@@ -4847,7 +4604,9 @@
               <a:buChar char="•"/>
             </a:pPr>
             <a:r>
-              <a:rPr lang="en-US" sz="1050" dirty="0"/>
+              <a:rPr lang="en-US" sz="1050" dirty="0">
+                <a:cs typeface="Constantia" panose="02030602050306030303" pitchFamily="18" charset="0"/>
+              </a:rPr>
               <a:t>Quiz</a:t>
             </a:r>
           </a:p>
@@ -4863,7 +4622,9 @@
               <a:buChar char="•"/>
             </a:pPr>
             <a:r>
-              <a:rPr lang="en-US" sz="1050" dirty="0"/>
+              <a:rPr lang="en-US" sz="1050" dirty="0">
+                <a:cs typeface="Constantia" panose="02030602050306030303" pitchFamily="18" charset="0"/>
+              </a:rPr>
               <a:t>Grumbler chat</a:t>
             </a:r>
           </a:p>
@@ -4879,7 +4640,9 @@
               <a:buChar char="•"/>
             </a:pPr>
             <a:r>
-              <a:rPr lang="en-US" sz="1050" dirty="0"/>
+              <a:rPr lang="en-US" sz="1050" dirty="0">
+                <a:cs typeface="Constantia" panose="02030602050306030303" pitchFamily="18" charset="0"/>
+              </a:rPr>
               <a:t>LM Lock</a:t>
             </a:r>
           </a:p>
@@ -4895,14 +4658,20 @@
               <a:buChar char="•"/>
             </a:pPr>
             <a:r>
-              <a:rPr lang="en-US" sz="1050" dirty="0"/>
+              <a:rPr lang="en-US" sz="1050" dirty="0">
+                <a:cs typeface="Constantia" panose="02030602050306030303" pitchFamily="18" charset="0"/>
+              </a:rPr>
               <a:t>Cinema </a:t>
             </a:r>
             <a:r>
-              <a:rPr lang="en-US" sz="1050" dirty="0" err="1"/>
+              <a:rPr lang="en-US" sz="1050" dirty="0" err="1">
+                <a:cs typeface="Constantia" panose="02030602050306030303" pitchFamily="18" charset="0"/>
+              </a:rPr>
               <a:t>ManagementSystem</a:t>
             </a:r>
-            <a:endParaRPr lang="en-US" sz="1050" dirty="0"/>
+            <a:endParaRPr lang="en-US" sz="1050" dirty="0">
+              <a:cs typeface="Constantia" panose="02030602050306030303" pitchFamily="18" charset="0"/>
+            </a:endParaRPr>
           </a:p>
           <a:p>
             <a:pPr marL="171450" indent="-171450" algn="just">
@@ -4916,10 +4685,14 @@
               <a:buChar char="•"/>
             </a:pPr>
             <a:r>
-              <a:rPr lang="en-US" sz="1050" dirty="0" err="1"/>
+              <a:rPr lang="en-US" sz="1050" dirty="0" err="1">
+                <a:cs typeface="Constantia" panose="02030602050306030303" pitchFamily="18" charset="0"/>
+              </a:rPr>
               <a:t>Sociala</a:t>
             </a:r>
-            <a:endParaRPr lang="en-US" sz="1050" dirty="0"/>
+            <a:endParaRPr lang="en-US" sz="1050" dirty="0">
+              <a:cs typeface="Constantia" panose="02030602050306030303" pitchFamily="18" charset="0"/>
+            </a:endParaRPr>
           </a:p>
           <a:p>
             <a:pPr marL="171450" indent="-171450" algn="just">
@@ -4933,10 +4706,14 @@
               <a:buChar char="•"/>
             </a:pPr>
             <a:r>
-              <a:rPr lang="en-US" sz="1050" dirty="0"/>
+              <a:rPr lang="en-US" sz="1050" dirty="0">
+                <a:cs typeface="Constantia" panose="02030602050306030303" pitchFamily="18" charset="0"/>
+              </a:rPr>
               <a:t>Dans </a:t>
             </a:r>
-            <a:endParaRPr lang="az-Latn-AZ" sz="1050" dirty="0"/>
+            <a:endParaRPr lang="az-Latn-AZ" sz="1050" dirty="0">
+              <a:cs typeface="Constantia" panose="02030602050306030303" pitchFamily="18" charset="0"/>
+            </a:endParaRPr>
           </a:p>
           <a:p>
             <a:pPr marL="171450" indent="-171450" algn="just">
@@ -4949,7 +4726,9 @@
               <a:buFont typeface="Arial" panose="020B0604020202020204" pitchFamily="34" charset="0"/>
               <a:buChar char="•"/>
             </a:pPr>
-            <a:endParaRPr lang="az-Latn-AZ" sz="1050" dirty="0"/>
+            <a:endParaRPr lang="az-Latn-AZ" sz="1050" dirty="0">
+              <a:cs typeface="Constantia" panose="02030602050306030303" pitchFamily="18" charset="0"/>
+            </a:endParaRPr>
           </a:p>
           <a:p>
             <a:pPr algn="just">
@@ -4961,11 +4740,15 @@
               </a:spcBef>
             </a:pPr>
             <a:r>
-              <a:rPr lang="az-Latn-AZ" sz="1400" dirty="0"/>
+              <a:rPr lang="az-Latn-AZ" sz="1400" dirty="0">
+                <a:cs typeface="Constantia" panose="02030602050306030303" pitchFamily="18" charset="0"/>
+              </a:rPr>
               <a:t>Mənim internet üzərindəki hesablarım</a:t>
             </a:r>
             <a:r>
-              <a:rPr lang="en-US" sz="1400" dirty="0"/>
+              <a:rPr lang="en-US" sz="1400" dirty="0">
+                <a:cs typeface="Constantia" panose="02030602050306030303" pitchFamily="18" charset="0"/>
+              </a:rPr>
               <a:t>:</a:t>
             </a:r>
           </a:p>
@@ -4981,10 +4764,14 @@
               <a:buChar char="•"/>
             </a:pPr>
             <a:r>
-              <a:rPr lang="az-Latn-AZ" sz="1050" dirty="0"/>
+              <a:rPr lang="az-Latn-AZ" sz="1050" dirty="0">
+                <a:cs typeface="Constantia" panose="02030602050306030303" pitchFamily="18" charset="0"/>
+              </a:rPr>
               <a:t>linkedin.com/in/mehrajlatifli</a:t>
             </a:r>
-            <a:endParaRPr lang="en-US" sz="1050" dirty="0"/>
+            <a:endParaRPr lang="en-US" sz="1050" dirty="0">
+              <a:cs typeface="Constantia" panose="02030602050306030303" pitchFamily="18" charset="0"/>
+            </a:endParaRPr>
           </a:p>
           <a:p>
             <a:pPr marL="171450" indent="-171450" algn="just">
@@ -4998,7 +4785,9 @@
               <a:buChar char="•"/>
             </a:pPr>
             <a:r>
-              <a:rPr lang="az-Latn-AZ" sz="1050" dirty="0"/>
+              <a:rPr lang="az-Latn-AZ" sz="1050" dirty="0">
+                <a:cs typeface="Constantia" panose="02030602050306030303" pitchFamily="18" charset="0"/>
+              </a:rPr>
               <a:t>github.com/MehrajLatifli</a:t>
             </a:r>
           </a:p>
@@ -5006,20 +4795,14 @@
       </p:sp>
       <p:pic>
         <p:nvPicPr>
-          <p:cNvPr id="6" name="Picture 5">
-            <a:extLst>
-              <a:ext uri="{FF2B5EF4-FFF2-40B4-BE49-F238E27FC236}">
-                <a16:creationId xmlns:a16="http://schemas.microsoft.com/office/drawing/2014/main" id="{167E3A8C-324D-42FD-CB0A-28380A6DF387}"/>
-              </a:ext>
-            </a:extLst>
-          </p:cNvPr>
+          <p:cNvPr id="6" name="Picture 5"/>
           <p:cNvPicPr>
             <a:picLocks noChangeAspect="1"/>
           </p:cNvPicPr>
           <p:nvPr/>
         </p:nvPicPr>
         <p:blipFill>
-          <a:blip r:embed="rId2">
+          <a:blip r:embed="rId2" cstate="print">
             <a:extLst>
               <a:ext uri="{28A0092B-C50C-407E-A947-70E740481C1C}">
                 <a14:useLocalDpi xmlns:a14="http://schemas.microsoft.com/office/drawing/2010/main" val="0"/>
@@ -5041,11 +4824,6 @@
         </p:spPr>
       </p:pic>
     </p:spTree>
-    <p:extLst>
-      <p:ext uri="{BB962C8B-B14F-4D97-AF65-F5344CB8AC3E}">
-        <p14:creationId xmlns:p14="http://schemas.microsoft.com/office/powerpoint/2010/main" val="873377914"/>
-      </p:ext>
-    </p:extLst>
   </p:cSld>
   <p:clrMapOvr>
     <a:masterClrMapping/>
@@ -5062,1724 +4840,6 @@
       </p:transition>
     </mc:Fallback>
   </mc:AlternateContent>
-  <p:timing>
-    <p:tnLst>
-      <p:par>
-        <p:cTn id="1" dur="indefinite" restart="never" nodeType="tmRoot">
-          <p:childTnLst>
-            <p:seq concurrent="1" nextAc="seek">
-              <p:cTn id="2" dur="indefinite" nodeType="mainSeq">
-                <p:childTnLst>
-                  <p:par>
-                    <p:cTn id="3" fill="hold">
-                      <p:stCondLst>
-                        <p:cond delay="indefinite"/>
-                      </p:stCondLst>
-                      <p:childTnLst>
-                        <p:par>
-                          <p:cTn id="4" fill="hold">
-                            <p:stCondLst>
-                              <p:cond delay="0"/>
-                            </p:stCondLst>
-                            <p:childTnLst>
-                              <p:par>
-                                <p:cTn id="5" presetID="2" presetClass="entr" presetSubtype="4" fill="hold" grpId="0" nodeType="clickEffect">
-                                  <p:stCondLst>
-                                    <p:cond delay="0"/>
-                                  </p:stCondLst>
-                                  <p:childTnLst>
-                                    <p:set>
-                                      <p:cBhvr>
-                                        <p:cTn id="6" dur="1" fill="hold">
-                                          <p:stCondLst>
-                                            <p:cond delay="0"/>
-                                          </p:stCondLst>
-                                        </p:cTn>
-                                        <p:tgtEl>
-                                          <p:spTgt spid="2"/>
-                                        </p:tgtEl>
-                                        <p:attrNameLst>
-                                          <p:attrName>style.visibility</p:attrName>
-                                        </p:attrNameLst>
-                                      </p:cBhvr>
-                                      <p:to>
-                                        <p:strVal val="visible"/>
-                                      </p:to>
-                                    </p:set>
-                                    <p:anim calcmode="lin" valueType="num">
-                                      <p:cBhvr additive="base">
-                                        <p:cTn id="7" dur="500" fill="hold"/>
-                                        <p:tgtEl>
-                                          <p:spTgt spid="2"/>
-                                        </p:tgtEl>
-                                        <p:attrNameLst>
-                                          <p:attrName>ppt_x</p:attrName>
-                                        </p:attrNameLst>
-                                      </p:cBhvr>
-                                      <p:tavLst>
-                                        <p:tav tm="0">
-                                          <p:val>
-                                            <p:strVal val="#ppt_x"/>
-                                          </p:val>
-                                        </p:tav>
-                                        <p:tav tm="100000">
-                                          <p:val>
-                                            <p:strVal val="#ppt_x"/>
-                                          </p:val>
-                                        </p:tav>
-                                      </p:tavLst>
-                                    </p:anim>
-                                    <p:anim calcmode="lin" valueType="num">
-                                      <p:cBhvr additive="base">
-                                        <p:cTn id="8" dur="500" fill="hold"/>
-                                        <p:tgtEl>
-                                          <p:spTgt spid="2"/>
-                                        </p:tgtEl>
-                                        <p:attrNameLst>
-                                          <p:attrName>ppt_y</p:attrName>
-                                        </p:attrNameLst>
-                                      </p:cBhvr>
-                                      <p:tavLst>
-                                        <p:tav tm="0">
-                                          <p:val>
-                                            <p:strVal val="1+#ppt_h/2"/>
-                                          </p:val>
-                                        </p:tav>
-                                        <p:tav tm="100000">
-                                          <p:val>
-                                            <p:strVal val="#ppt_y"/>
-                                          </p:val>
-                                        </p:tav>
-                                      </p:tavLst>
-                                    </p:anim>
-                                  </p:childTnLst>
-                                </p:cTn>
-                              </p:par>
-                            </p:childTnLst>
-                          </p:cTn>
-                        </p:par>
-                      </p:childTnLst>
-                    </p:cTn>
-                  </p:par>
-                  <p:par>
-                    <p:cTn id="9" fill="hold">
-                      <p:stCondLst>
-                        <p:cond delay="indefinite"/>
-                      </p:stCondLst>
-                      <p:childTnLst>
-                        <p:par>
-                          <p:cTn id="10" fill="hold">
-                            <p:stCondLst>
-                              <p:cond delay="0"/>
-                            </p:stCondLst>
-                            <p:childTnLst>
-                              <p:par>
-                                <p:cTn id="11" presetID="53" presetClass="entr" presetSubtype="16" fill="hold" nodeType="clickEffect">
-                                  <p:stCondLst>
-                                    <p:cond delay="0"/>
-                                  </p:stCondLst>
-                                  <p:childTnLst>
-                                    <p:set>
-                                      <p:cBhvr>
-                                        <p:cTn id="12" dur="1" fill="hold">
-                                          <p:stCondLst>
-                                            <p:cond delay="0"/>
-                                          </p:stCondLst>
-                                        </p:cTn>
-                                        <p:tgtEl>
-                                          <p:spTgt spid="6"/>
-                                        </p:tgtEl>
-                                        <p:attrNameLst>
-                                          <p:attrName>style.visibility</p:attrName>
-                                        </p:attrNameLst>
-                                      </p:cBhvr>
-                                      <p:to>
-                                        <p:strVal val="visible"/>
-                                      </p:to>
-                                    </p:set>
-                                    <p:anim calcmode="lin" valueType="num">
-                                      <p:cBhvr>
-                                        <p:cTn id="13" dur="500" fill="hold"/>
-                                        <p:tgtEl>
-                                          <p:spTgt spid="6"/>
-                                        </p:tgtEl>
-                                        <p:attrNameLst>
-                                          <p:attrName>ppt_w</p:attrName>
-                                        </p:attrNameLst>
-                                      </p:cBhvr>
-                                      <p:tavLst>
-                                        <p:tav tm="0">
-                                          <p:val>
-                                            <p:fltVal val="0"/>
-                                          </p:val>
-                                        </p:tav>
-                                        <p:tav tm="100000">
-                                          <p:val>
-                                            <p:strVal val="#ppt_w"/>
-                                          </p:val>
-                                        </p:tav>
-                                      </p:tavLst>
-                                    </p:anim>
-                                    <p:anim calcmode="lin" valueType="num">
-                                      <p:cBhvr>
-                                        <p:cTn id="14" dur="500" fill="hold"/>
-                                        <p:tgtEl>
-                                          <p:spTgt spid="6"/>
-                                        </p:tgtEl>
-                                        <p:attrNameLst>
-                                          <p:attrName>ppt_h</p:attrName>
-                                        </p:attrNameLst>
-                                      </p:cBhvr>
-                                      <p:tavLst>
-                                        <p:tav tm="0">
-                                          <p:val>
-                                            <p:fltVal val="0"/>
-                                          </p:val>
-                                        </p:tav>
-                                        <p:tav tm="100000">
-                                          <p:val>
-                                            <p:strVal val="#ppt_h"/>
-                                          </p:val>
-                                        </p:tav>
-                                      </p:tavLst>
-                                    </p:anim>
-                                    <p:animEffect transition="in" filter="fade">
-                                      <p:cBhvr>
-                                        <p:cTn id="15" dur="500"/>
-                                        <p:tgtEl>
-                                          <p:spTgt spid="6"/>
-                                        </p:tgtEl>
-                                      </p:cBhvr>
-                                    </p:animEffect>
-                                  </p:childTnLst>
-                                </p:cTn>
-                              </p:par>
-                            </p:childTnLst>
-                          </p:cTn>
-                        </p:par>
-                      </p:childTnLst>
-                    </p:cTn>
-                  </p:par>
-                  <p:par>
-                    <p:cTn id="16" fill="hold">
-                      <p:stCondLst>
-                        <p:cond delay="indefinite"/>
-                      </p:stCondLst>
-                      <p:childTnLst>
-                        <p:par>
-                          <p:cTn id="17" fill="hold">
-                            <p:stCondLst>
-                              <p:cond delay="0"/>
-                            </p:stCondLst>
-                            <p:childTnLst>
-                              <p:par>
-                                <p:cTn id="18" presetID="42" presetClass="entr" presetSubtype="0" fill="hold" nodeType="clickEffect">
-                                  <p:stCondLst>
-                                    <p:cond delay="0"/>
-                                  </p:stCondLst>
-                                  <p:childTnLst>
-                                    <p:set>
-                                      <p:cBhvr>
-                                        <p:cTn id="19" dur="1" fill="hold">
-                                          <p:stCondLst>
-                                            <p:cond delay="0"/>
-                                          </p:stCondLst>
-                                        </p:cTn>
-                                        <p:tgtEl>
-                                          <p:spTgt spid="4">
-                                            <p:txEl>
-                                              <p:pRg st="0" end="0"/>
-                                            </p:txEl>
-                                          </p:spTgt>
-                                        </p:tgtEl>
-                                        <p:attrNameLst>
-                                          <p:attrName>style.visibility</p:attrName>
-                                        </p:attrNameLst>
-                                      </p:cBhvr>
-                                      <p:to>
-                                        <p:strVal val="visible"/>
-                                      </p:to>
-                                    </p:set>
-                                    <p:animEffect transition="in" filter="fade">
-                                      <p:cBhvr>
-                                        <p:cTn id="20" dur="1000"/>
-                                        <p:tgtEl>
-                                          <p:spTgt spid="4">
-                                            <p:txEl>
-                                              <p:pRg st="0" end="0"/>
-                                            </p:txEl>
-                                          </p:spTgt>
-                                        </p:tgtEl>
-                                      </p:cBhvr>
-                                    </p:animEffect>
-                                    <p:anim calcmode="lin" valueType="num">
-                                      <p:cBhvr>
-                                        <p:cTn id="21" dur="1000" fill="hold"/>
-                                        <p:tgtEl>
-                                          <p:spTgt spid="4">
-                                            <p:txEl>
-                                              <p:pRg st="0" end="0"/>
-                                            </p:txEl>
-                                          </p:spTgt>
-                                        </p:tgtEl>
-                                        <p:attrNameLst>
-                                          <p:attrName>ppt_x</p:attrName>
-                                        </p:attrNameLst>
-                                      </p:cBhvr>
-                                      <p:tavLst>
-                                        <p:tav tm="0">
-                                          <p:val>
-                                            <p:strVal val="#ppt_x"/>
-                                          </p:val>
-                                        </p:tav>
-                                        <p:tav tm="100000">
-                                          <p:val>
-                                            <p:strVal val="#ppt_x"/>
-                                          </p:val>
-                                        </p:tav>
-                                      </p:tavLst>
-                                    </p:anim>
-                                    <p:anim calcmode="lin" valueType="num">
-                                      <p:cBhvr>
-                                        <p:cTn id="22" dur="1000" fill="hold"/>
-                                        <p:tgtEl>
-                                          <p:spTgt spid="4">
-                                            <p:txEl>
-                                              <p:pRg st="0" end="0"/>
-                                            </p:txEl>
-                                          </p:spTgt>
-                                        </p:tgtEl>
-                                        <p:attrNameLst>
-                                          <p:attrName>ppt_y</p:attrName>
-                                        </p:attrNameLst>
-                                      </p:cBhvr>
-                                      <p:tavLst>
-                                        <p:tav tm="0">
-                                          <p:val>
-                                            <p:strVal val="#ppt_y+.1"/>
-                                          </p:val>
-                                        </p:tav>
-                                        <p:tav tm="100000">
-                                          <p:val>
-                                            <p:strVal val="#ppt_y"/>
-                                          </p:val>
-                                        </p:tav>
-                                      </p:tavLst>
-                                    </p:anim>
-                                  </p:childTnLst>
-                                </p:cTn>
-                              </p:par>
-                            </p:childTnLst>
-                          </p:cTn>
-                        </p:par>
-                      </p:childTnLst>
-                    </p:cTn>
-                  </p:par>
-                  <p:par>
-                    <p:cTn id="23" fill="hold">
-                      <p:stCondLst>
-                        <p:cond delay="indefinite"/>
-                      </p:stCondLst>
-                      <p:childTnLst>
-                        <p:par>
-                          <p:cTn id="24" fill="hold">
-                            <p:stCondLst>
-                              <p:cond delay="0"/>
-                            </p:stCondLst>
-                            <p:childTnLst>
-                              <p:par>
-                                <p:cTn id="25" presetID="42" presetClass="entr" presetSubtype="0" fill="hold" nodeType="clickEffect">
-                                  <p:stCondLst>
-                                    <p:cond delay="0"/>
-                                  </p:stCondLst>
-                                  <p:childTnLst>
-                                    <p:set>
-                                      <p:cBhvr>
-                                        <p:cTn id="26" dur="1" fill="hold">
-                                          <p:stCondLst>
-                                            <p:cond delay="0"/>
-                                          </p:stCondLst>
-                                        </p:cTn>
-                                        <p:tgtEl>
-                                          <p:spTgt spid="4">
-                                            <p:txEl>
-                                              <p:pRg st="2" end="2"/>
-                                            </p:txEl>
-                                          </p:spTgt>
-                                        </p:tgtEl>
-                                        <p:attrNameLst>
-                                          <p:attrName>style.visibility</p:attrName>
-                                        </p:attrNameLst>
-                                      </p:cBhvr>
-                                      <p:to>
-                                        <p:strVal val="visible"/>
-                                      </p:to>
-                                    </p:set>
-                                    <p:animEffect transition="in" filter="fade">
-                                      <p:cBhvr>
-                                        <p:cTn id="27" dur="1000"/>
-                                        <p:tgtEl>
-                                          <p:spTgt spid="4">
-                                            <p:txEl>
-                                              <p:pRg st="2" end="2"/>
-                                            </p:txEl>
-                                          </p:spTgt>
-                                        </p:tgtEl>
-                                      </p:cBhvr>
-                                    </p:animEffect>
-                                    <p:anim calcmode="lin" valueType="num">
-                                      <p:cBhvr>
-                                        <p:cTn id="28" dur="1000" fill="hold"/>
-                                        <p:tgtEl>
-                                          <p:spTgt spid="4">
-                                            <p:txEl>
-                                              <p:pRg st="2" end="2"/>
-                                            </p:txEl>
-                                          </p:spTgt>
-                                        </p:tgtEl>
-                                        <p:attrNameLst>
-                                          <p:attrName>ppt_x</p:attrName>
-                                        </p:attrNameLst>
-                                      </p:cBhvr>
-                                      <p:tavLst>
-                                        <p:tav tm="0">
-                                          <p:val>
-                                            <p:strVal val="#ppt_x"/>
-                                          </p:val>
-                                        </p:tav>
-                                        <p:tav tm="100000">
-                                          <p:val>
-                                            <p:strVal val="#ppt_x"/>
-                                          </p:val>
-                                        </p:tav>
-                                      </p:tavLst>
-                                    </p:anim>
-                                    <p:anim calcmode="lin" valueType="num">
-                                      <p:cBhvr>
-                                        <p:cTn id="29" dur="1000" fill="hold"/>
-                                        <p:tgtEl>
-                                          <p:spTgt spid="4">
-                                            <p:txEl>
-                                              <p:pRg st="2" end="2"/>
-                                            </p:txEl>
-                                          </p:spTgt>
-                                        </p:tgtEl>
-                                        <p:attrNameLst>
-                                          <p:attrName>ppt_y</p:attrName>
-                                        </p:attrNameLst>
-                                      </p:cBhvr>
-                                      <p:tavLst>
-                                        <p:tav tm="0">
-                                          <p:val>
-                                            <p:strVal val="#ppt_y+.1"/>
-                                          </p:val>
-                                        </p:tav>
-                                        <p:tav tm="100000">
-                                          <p:val>
-                                            <p:strVal val="#ppt_y"/>
-                                          </p:val>
-                                        </p:tav>
-                                      </p:tavLst>
-                                    </p:anim>
-                                  </p:childTnLst>
-                                </p:cTn>
-                              </p:par>
-                            </p:childTnLst>
-                          </p:cTn>
-                        </p:par>
-                      </p:childTnLst>
-                    </p:cTn>
-                  </p:par>
-                  <p:par>
-                    <p:cTn id="30" fill="hold">
-                      <p:stCondLst>
-                        <p:cond delay="indefinite"/>
-                      </p:stCondLst>
-                      <p:childTnLst>
-                        <p:par>
-                          <p:cTn id="31" fill="hold">
-                            <p:stCondLst>
-                              <p:cond delay="0"/>
-                            </p:stCondLst>
-                            <p:childTnLst>
-                              <p:par>
-                                <p:cTn id="32" presetID="42" presetClass="entr" presetSubtype="0" fill="hold" nodeType="clickEffect">
-                                  <p:stCondLst>
-                                    <p:cond delay="0"/>
-                                  </p:stCondLst>
-                                  <p:childTnLst>
-                                    <p:set>
-                                      <p:cBhvr>
-                                        <p:cTn id="33" dur="1" fill="hold">
-                                          <p:stCondLst>
-                                            <p:cond delay="0"/>
-                                          </p:stCondLst>
-                                        </p:cTn>
-                                        <p:tgtEl>
-                                          <p:spTgt spid="4">
-                                            <p:txEl>
-                                              <p:pRg st="4" end="4"/>
-                                            </p:txEl>
-                                          </p:spTgt>
-                                        </p:tgtEl>
-                                        <p:attrNameLst>
-                                          <p:attrName>style.visibility</p:attrName>
-                                        </p:attrNameLst>
-                                      </p:cBhvr>
-                                      <p:to>
-                                        <p:strVal val="visible"/>
-                                      </p:to>
-                                    </p:set>
-                                    <p:animEffect transition="in" filter="fade">
-                                      <p:cBhvr>
-                                        <p:cTn id="34" dur="1000"/>
-                                        <p:tgtEl>
-                                          <p:spTgt spid="4">
-                                            <p:txEl>
-                                              <p:pRg st="4" end="4"/>
-                                            </p:txEl>
-                                          </p:spTgt>
-                                        </p:tgtEl>
-                                      </p:cBhvr>
-                                    </p:animEffect>
-                                    <p:anim calcmode="lin" valueType="num">
-                                      <p:cBhvr>
-                                        <p:cTn id="35" dur="1000" fill="hold"/>
-                                        <p:tgtEl>
-                                          <p:spTgt spid="4">
-                                            <p:txEl>
-                                              <p:pRg st="4" end="4"/>
-                                            </p:txEl>
-                                          </p:spTgt>
-                                        </p:tgtEl>
-                                        <p:attrNameLst>
-                                          <p:attrName>ppt_x</p:attrName>
-                                        </p:attrNameLst>
-                                      </p:cBhvr>
-                                      <p:tavLst>
-                                        <p:tav tm="0">
-                                          <p:val>
-                                            <p:strVal val="#ppt_x"/>
-                                          </p:val>
-                                        </p:tav>
-                                        <p:tav tm="100000">
-                                          <p:val>
-                                            <p:strVal val="#ppt_x"/>
-                                          </p:val>
-                                        </p:tav>
-                                      </p:tavLst>
-                                    </p:anim>
-                                    <p:anim calcmode="lin" valueType="num">
-                                      <p:cBhvr>
-                                        <p:cTn id="36" dur="1000" fill="hold"/>
-                                        <p:tgtEl>
-                                          <p:spTgt spid="4">
-                                            <p:txEl>
-                                              <p:pRg st="4" end="4"/>
-                                            </p:txEl>
-                                          </p:spTgt>
-                                        </p:tgtEl>
-                                        <p:attrNameLst>
-                                          <p:attrName>ppt_y</p:attrName>
-                                        </p:attrNameLst>
-                                      </p:cBhvr>
-                                      <p:tavLst>
-                                        <p:tav tm="0">
-                                          <p:val>
-                                            <p:strVal val="#ppt_y+.1"/>
-                                          </p:val>
-                                        </p:tav>
-                                        <p:tav tm="100000">
-                                          <p:val>
-                                            <p:strVal val="#ppt_y"/>
-                                          </p:val>
-                                        </p:tav>
-                                      </p:tavLst>
-                                    </p:anim>
-                                  </p:childTnLst>
-                                </p:cTn>
-                              </p:par>
-                            </p:childTnLst>
-                          </p:cTn>
-                        </p:par>
-                      </p:childTnLst>
-                    </p:cTn>
-                  </p:par>
-                  <p:par>
-                    <p:cTn id="37" fill="hold">
-                      <p:stCondLst>
-                        <p:cond delay="indefinite"/>
-                      </p:stCondLst>
-                      <p:childTnLst>
-                        <p:par>
-                          <p:cTn id="38" fill="hold">
-                            <p:stCondLst>
-                              <p:cond delay="0"/>
-                            </p:stCondLst>
-                            <p:childTnLst>
-                              <p:par>
-                                <p:cTn id="39" presetID="42" presetClass="entr" presetSubtype="0" fill="hold" nodeType="clickEffect">
-                                  <p:stCondLst>
-                                    <p:cond delay="0"/>
-                                  </p:stCondLst>
-                                  <p:childTnLst>
-                                    <p:set>
-                                      <p:cBhvr>
-                                        <p:cTn id="40" dur="1" fill="hold">
-                                          <p:stCondLst>
-                                            <p:cond delay="0"/>
-                                          </p:stCondLst>
-                                        </p:cTn>
-                                        <p:tgtEl>
-                                          <p:spTgt spid="4">
-                                            <p:txEl>
-                                              <p:pRg st="5" end="5"/>
-                                            </p:txEl>
-                                          </p:spTgt>
-                                        </p:tgtEl>
-                                        <p:attrNameLst>
-                                          <p:attrName>style.visibility</p:attrName>
-                                        </p:attrNameLst>
-                                      </p:cBhvr>
-                                      <p:to>
-                                        <p:strVal val="visible"/>
-                                      </p:to>
-                                    </p:set>
-                                    <p:animEffect transition="in" filter="fade">
-                                      <p:cBhvr>
-                                        <p:cTn id="41" dur="1000"/>
-                                        <p:tgtEl>
-                                          <p:spTgt spid="4">
-                                            <p:txEl>
-                                              <p:pRg st="5" end="5"/>
-                                            </p:txEl>
-                                          </p:spTgt>
-                                        </p:tgtEl>
-                                      </p:cBhvr>
-                                    </p:animEffect>
-                                    <p:anim calcmode="lin" valueType="num">
-                                      <p:cBhvr>
-                                        <p:cTn id="42" dur="1000" fill="hold"/>
-                                        <p:tgtEl>
-                                          <p:spTgt spid="4">
-                                            <p:txEl>
-                                              <p:pRg st="5" end="5"/>
-                                            </p:txEl>
-                                          </p:spTgt>
-                                        </p:tgtEl>
-                                        <p:attrNameLst>
-                                          <p:attrName>ppt_x</p:attrName>
-                                        </p:attrNameLst>
-                                      </p:cBhvr>
-                                      <p:tavLst>
-                                        <p:tav tm="0">
-                                          <p:val>
-                                            <p:strVal val="#ppt_x"/>
-                                          </p:val>
-                                        </p:tav>
-                                        <p:tav tm="100000">
-                                          <p:val>
-                                            <p:strVal val="#ppt_x"/>
-                                          </p:val>
-                                        </p:tav>
-                                      </p:tavLst>
-                                    </p:anim>
-                                    <p:anim calcmode="lin" valueType="num">
-                                      <p:cBhvr>
-                                        <p:cTn id="43" dur="1000" fill="hold"/>
-                                        <p:tgtEl>
-                                          <p:spTgt spid="4">
-                                            <p:txEl>
-                                              <p:pRg st="5" end="5"/>
-                                            </p:txEl>
-                                          </p:spTgt>
-                                        </p:tgtEl>
-                                        <p:attrNameLst>
-                                          <p:attrName>ppt_y</p:attrName>
-                                        </p:attrNameLst>
-                                      </p:cBhvr>
-                                      <p:tavLst>
-                                        <p:tav tm="0">
-                                          <p:val>
-                                            <p:strVal val="#ppt_y+.1"/>
-                                          </p:val>
-                                        </p:tav>
-                                        <p:tav tm="100000">
-                                          <p:val>
-                                            <p:strVal val="#ppt_y"/>
-                                          </p:val>
-                                        </p:tav>
-                                      </p:tavLst>
-                                    </p:anim>
-                                  </p:childTnLst>
-                                </p:cTn>
-                              </p:par>
-                            </p:childTnLst>
-                          </p:cTn>
-                        </p:par>
-                      </p:childTnLst>
-                    </p:cTn>
-                  </p:par>
-                  <p:par>
-                    <p:cTn id="44" fill="hold">
-                      <p:stCondLst>
-                        <p:cond delay="indefinite"/>
-                      </p:stCondLst>
-                      <p:childTnLst>
-                        <p:par>
-                          <p:cTn id="45" fill="hold">
-                            <p:stCondLst>
-                              <p:cond delay="0"/>
-                            </p:stCondLst>
-                            <p:childTnLst>
-                              <p:par>
-                                <p:cTn id="46" presetID="42" presetClass="entr" presetSubtype="0" fill="hold" nodeType="clickEffect">
-                                  <p:stCondLst>
-                                    <p:cond delay="0"/>
-                                  </p:stCondLst>
-                                  <p:childTnLst>
-                                    <p:set>
-                                      <p:cBhvr>
-                                        <p:cTn id="47" dur="1" fill="hold">
-                                          <p:stCondLst>
-                                            <p:cond delay="0"/>
-                                          </p:stCondLst>
-                                        </p:cTn>
-                                        <p:tgtEl>
-                                          <p:spTgt spid="4">
-                                            <p:txEl>
-                                              <p:pRg st="6" end="6"/>
-                                            </p:txEl>
-                                          </p:spTgt>
-                                        </p:tgtEl>
-                                        <p:attrNameLst>
-                                          <p:attrName>style.visibility</p:attrName>
-                                        </p:attrNameLst>
-                                      </p:cBhvr>
-                                      <p:to>
-                                        <p:strVal val="visible"/>
-                                      </p:to>
-                                    </p:set>
-                                    <p:animEffect transition="in" filter="fade">
-                                      <p:cBhvr>
-                                        <p:cTn id="48" dur="1000"/>
-                                        <p:tgtEl>
-                                          <p:spTgt spid="4">
-                                            <p:txEl>
-                                              <p:pRg st="6" end="6"/>
-                                            </p:txEl>
-                                          </p:spTgt>
-                                        </p:tgtEl>
-                                      </p:cBhvr>
-                                    </p:animEffect>
-                                    <p:anim calcmode="lin" valueType="num">
-                                      <p:cBhvr>
-                                        <p:cTn id="49" dur="1000" fill="hold"/>
-                                        <p:tgtEl>
-                                          <p:spTgt spid="4">
-                                            <p:txEl>
-                                              <p:pRg st="6" end="6"/>
-                                            </p:txEl>
-                                          </p:spTgt>
-                                        </p:tgtEl>
-                                        <p:attrNameLst>
-                                          <p:attrName>ppt_x</p:attrName>
-                                        </p:attrNameLst>
-                                      </p:cBhvr>
-                                      <p:tavLst>
-                                        <p:tav tm="0">
-                                          <p:val>
-                                            <p:strVal val="#ppt_x"/>
-                                          </p:val>
-                                        </p:tav>
-                                        <p:tav tm="100000">
-                                          <p:val>
-                                            <p:strVal val="#ppt_x"/>
-                                          </p:val>
-                                        </p:tav>
-                                      </p:tavLst>
-                                    </p:anim>
-                                    <p:anim calcmode="lin" valueType="num">
-                                      <p:cBhvr>
-                                        <p:cTn id="50" dur="1000" fill="hold"/>
-                                        <p:tgtEl>
-                                          <p:spTgt spid="4">
-                                            <p:txEl>
-                                              <p:pRg st="6" end="6"/>
-                                            </p:txEl>
-                                          </p:spTgt>
-                                        </p:tgtEl>
-                                        <p:attrNameLst>
-                                          <p:attrName>ppt_y</p:attrName>
-                                        </p:attrNameLst>
-                                      </p:cBhvr>
-                                      <p:tavLst>
-                                        <p:tav tm="0">
-                                          <p:val>
-                                            <p:strVal val="#ppt_y+.1"/>
-                                          </p:val>
-                                        </p:tav>
-                                        <p:tav tm="100000">
-                                          <p:val>
-                                            <p:strVal val="#ppt_y"/>
-                                          </p:val>
-                                        </p:tav>
-                                      </p:tavLst>
-                                    </p:anim>
-                                  </p:childTnLst>
-                                </p:cTn>
-                              </p:par>
-                            </p:childTnLst>
-                          </p:cTn>
-                        </p:par>
-                      </p:childTnLst>
-                    </p:cTn>
-                  </p:par>
-                  <p:par>
-                    <p:cTn id="51" fill="hold">
-                      <p:stCondLst>
-                        <p:cond delay="indefinite"/>
-                      </p:stCondLst>
-                      <p:childTnLst>
-                        <p:par>
-                          <p:cTn id="52" fill="hold">
-                            <p:stCondLst>
-                              <p:cond delay="0"/>
-                            </p:stCondLst>
-                            <p:childTnLst>
-                              <p:par>
-                                <p:cTn id="53" presetID="42" presetClass="entr" presetSubtype="0" fill="hold" nodeType="clickEffect">
-                                  <p:stCondLst>
-                                    <p:cond delay="0"/>
-                                  </p:stCondLst>
-                                  <p:childTnLst>
-                                    <p:set>
-                                      <p:cBhvr>
-                                        <p:cTn id="54" dur="1" fill="hold">
-                                          <p:stCondLst>
-                                            <p:cond delay="0"/>
-                                          </p:stCondLst>
-                                        </p:cTn>
-                                        <p:tgtEl>
-                                          <p:spTgt spid="4">
-                                            <p:txEl>
-                                              <p:pRg st="7" end="7"/>
-                                            </p:txEl>
-                                          </p:spTgt>
-                                        </p:tgtEl>
-                                        <p:attrNameLst>
-                                          <p:attrName>style.visibility</p:attrName>
-                                        </p:attrNameLst>
-                                      </p:cBhvr>
-                                      <p:to>
-                                        <p:strVal val="visible"/>
-                                      </p:to>
-                                    </p:set>
-                                    <p:animEffect transition="in" filter="fade">
-                                      <p:cBhvr>
-                                        <p:cTn id="55" dur="1000"/>
-                                        <p:tgtEl>
-                                          <p:spTgt spid="4">
-                                            <p:txEl>
-                                              <p:pRg st="7" end="7"/>
-                                            </p:txEl>
-                                          </p:spTgt>
-                                        </p:tgtEl>
-                                      </p:cBhvr>
-                                    </p:animEffect>
-                                    <p:anim calcmode="lin" valueType="num">
-                                      <p:cBhvr>
-                                        <p:cTn id="56" dur="1000" fill="hold"/>
-                                        <p:tgtEl>
-                                          <p:spTgt spid="4">
-                                            <p:txEl>
-                                              <p:pRg st="7" end="7"/>
-                                            </p:txEl>
-                                          </p:spTgt>
-                                        </p:tgtEl>
-                                        <p:attrNameLst>
-                                          <p:attrName>ppt_x</p:attrName>
-                                        </p:attrNameLst>
-                                      </p:cBhvr>
-                                      <p:tavLst>
-                                        <p:tav tm="0">
-                                          <p:val>
-                                            <p:strVal val="#ppt_x"/>
-                                          </p:val>
-                                        </p:tav>
-                                        <p:tav tm="100000">
-                                          <p:val>
-                                            <p:strVal val="#ppt_x"/>
-                                          </p:val>
-                                        </p:tav>
-                                      </p:tavLst>
-                                    </p:anim>
-                                    <p:anim calcmode="lin" valueType="num">
-                                      <p:cBhvr>
-                                        <p:cTn id="57" dur="1000" fill="hold"/>
-                                        <p:tgtEl>
-                                          <p:spTgt spid="4">
-                                            <p:txEl>
-                                              <p:pRg st="7" end="7"/>
-                                            </p:txEl>
-                                          </p:spTgt>
-                                        </p:tgtEl>
-                                        <p:attrNameLst>
-                                          <p:attrName>ppt_y</p:attrName>
-                                        </p:attrNameLst>
-                                      </p:cBhvr>
-                                      <p:tavLst>
-                                        <p:tav tm="0">
-                                          <p:val>
-                                            <p:strVal val="#ppt_y+.1"/>
-                                          </p:val>
-                                        </p:tav>
-                                        <p:tav tm="100000">
-                                          <p:val>
-                                            <p:strVal val="#ppt_y"/>
-                                          </p:val>
-                                        </p:tav>
-                                      </p:tavLst>
-                                    </p:anim>
-                                  </p:childTnLst>
-                                </p:cTn>
-                              </p:par>
-                            </p:childTnLst>
-                          </p:cTn>
-                        </p:par>
-                      </p:childTnLst>
-                    </p:cTn>
-                  </p:par>
-                  <p:par>
-                    <p:cTn id="58" fill="hold">
-                      <p:stCondLst>
-                        <p:cond delay="indefinite"/>
-                      </p:stCondLst>
-                      <p:childTnLst>
-                        <p:par>
-                          <p:cTn id="59" fill="hold">
-                            <p:stCondLst>
-                              <p:cond delay="0"/>
-                            </p:stCondLst>
-                            <p:childTnLst>
-                              <p:par>
-                                <p:cTn id="60" presetID="42" presetClass="entr" presetSubtype="0" fill="hold" nodeType="clickEffect">
-                                  <p:stCondLst>
-                                    <p:cond delay="0"/>
-                                  </p:stCondLst>
-                                  <p:childTnLst>
-                                    <p:set>
-                                      <p:cBhvr>
-                                        <p:cTn id="61" dur="1" fill="hold">
-                                          <p:stCondLst>
-                                            <p:cond delay="0"/>
-                                          </p:stCondLst>
-                                        </p:cTn>
-                                        <p:tgtEl>
-                                          <p:spTgt spid="4">
-                                            <p:txEl>
-                                              <p:pRg st="8" end="8"/>
-                                            </p:txEl>
-                                          </p:spTgt>
-                                        </p:tgtEl>
-                                        <p:attrNameLst>
-                                          <p:attrName>style.visibility</p:attrName>
-                                        </p:attrNameLst>
-                                      </p:cBhvr>
-                                      <p:to>
-                                        <p:strVal val="visible"/>
-                                      </p:to>
-                                    </p:set>
-                                    <p:animEffect transition="in" filter="fade">
-                                      <p:cBhvr>
-                                        <p:cTn id="62" dur="1000"/>
-                                        <p:tgtEl>
-                                          <p:spTgt spid="4">
-                                            <p:txEl>
-                                              <p:pRg st="8" end="8"/>
-                                            </p:txEl>
-                                          </p:spTgt>
-                                        </p:tgtEl>
-                                      </p:cBhvr>
-                                    </p:animEffect>
-                                    <p:anim calcmode="lin" valueType="num">
-                                      <p:cBhvr>
-                                        <p:cTn id="63" dur="1000" fill="hold"/>
-                                        <p:tgtEl>
-                                          <p:spTgt spid="4">
-                                            <p:txEl>
-                                              <p:pRg st="8" end="8"/>
-                                            </p:txEl>
-                                          </p:spTgt>
-                                        </p:tgtEl>
-                                        <p:attrNameLst>
-                                          <p:attrName>ppt_x</p:attrName>
-                                        </p:attrNameLst>
-                                      </p:cBhvr>
-                                      <p:tavLst>
-                                        <p:tav tm="0">
-                                          <p:val>
-                                            <p:strVal val="#ppt_x"/>
-                                          </p:val>
-                                        </p:tav>
-                                        <p:tav tm="100000">
-                                          <p:val>
-                                            <p:strVal val="#ppt_x"/>
-                                          </p:val>
-                                        </p:tav>
-                                      </p:tavLst>
-                                    </p:anim>
-                                    <p:anim calcmode="lin" valueType="num">
-                                      <p:cBhvr>
-                                        <p:cTn id="64" dur="1000" fill="hold"/>
-                                        <p:tgtEl>
-                                          <p:spTgt spid="4">
-                                            <p:txEl>
-                                              <p:pRg st="8" end="8"/>
-                                            </p:txEl>
-                                          </p:spTgt>
-                                        </p:tgtEl>
-                                        <p:attrNameLst>
-                                          <p:attrName>ppt_y</p:attrName>
-                                        </p:attrNameLst>
-                                      </p:cBhvr>
-                                      <p:tavLst>
-                                        <p:tav tm="0">
-                                          <p:val>
-                                            <p:strVal val="#ppt_y+.1"/>
-                                          </p:val>
-                                        </p:tav>
-                                        <p:tav tm="100000">
-                                          <p:val>
-                                            <p:strVal val="#ppt_y"/>
-                                          </p:val>
-                                        </p:tav>
-                                      </p:tavLst>
-                                    </p:anim>
-                                  </p:childTnLst>
-                                </p:cTn>
-                              </p:par>
-                            </p:childTnLst>
-                          </p:cTn>
-                        </p:par>
-                      </p:childTnLst>
-                    </p:cTn>
-                  </p:par>
-                  <p:par>
-                    <p:cTn id="65" fill="hold">
-                      <p:stCondLst>
-                        <p:cond delay="indefinite"/>
-                      </p:stCondLst>
-                      <p:childTnLst>
-                        <p:par>
-                          <p:cTn id="66" fill="hold">
-                            <p:stCondLst>
-                              <p:cond delay="0"/>
-                            </p:stCondLst>
-                            <p:childTnLst>
-                              <p:par>
-                                <p:cTn id="67" presetID="42" presetClass="entr" presetSubtype="0" fill="hold" nodeType="clickEffect">
-                                  <p:stCondLst>
-                                    <p:cond delay="0"/>
-                                  </p:stCondLst>
-                                  <p:childTnLst>
-                                    <p:set>
-                                      <p:cBhvr>
-                                        <p:cTn id="68" dur="1" fill="hold">
-                                          <p:stCondLst>
-                                            <p:cond delay="0"/>
-                                          </p:stCondLst>
-                                        </p:cTn>
-                                        <p:tgtEl>
-                                          <p:spTgt spid="4">
-                                            <p:txEl>
-                                              <p:pRg st="9" end="9"/>
-                                            </p:txEl>
-                                          </p:spTgt>
-                                        </p:tgtEl>
-                                        <p:attrNameLst>
-                                          <p:attrName>style.visibility</p:attrName>
-                                        </p:attrNameLst>
-                                      </p:cBhvr>
-                                      <p:to>
-                                        <p:strVal val="visible"/>
-                                      </p:to>
-                                    </p:set>
-                                    <p:animEffect transition="in" filter="fade">
-                                      <p:cBhvr>
-                                        <p:cTn id="69" dur="1000"/>
-                                        <p:tgtEl>
-                                          <p:spTgt spid="4">
-                                            <p:txEl>
-                                              <p:pRg st="9" end="9"/>
-                                            </p:txEl>
-                                          </p:spTgt>
-                                        </p:tgtEl>
-                                      </p:cBhvr>
-                                    </p:animEffect>
-                                    <p:anim calcmode="lin" valueType="num">
-                                      <p:cBhvr>
-                                        <p:cTn id="70" dur="1000" fill="hold"/>
-                                        <p:tgtEl>
-                                          <p:spTgt spid="4">
-                                            <p:txEl>
-                                              <p:pRg st="9" end="9"/>
-                                            </p:txEl>
-                                          </p:spTgt>
-                                        </p:tgtEl>
-                                        <p:attrNameLst>
-                                          <p:attrName>ppt_x</p:attrName>
-                                        </p:attrNameLst>
-                                      </p:cBhvr>
-                                      <p:tavLst>
-                                        <p:tav tm="0">
-                                          <p:val>
-                                            <p:strVal val="#ppt_x"/>
-                                          </p:val>
-                                        </p:tav>
-                                        <p:tav tm="100000">
-                                          <p:val>
-                                            <p:strVal val="#ppt_x"/>
-                                          </p:val>
-                                        </p:tav>
-                                      </p:tavLst>
-                                    </p:anim>
-                                    <p:anim calcmode="lin" valueType="num">
-                                      <p:cBhvr>
-                                        <p:cTn id="71" dur="1000" fill="hold"/>
-                                        <p:tgtEl>
-                                          <p:spTgt spid="4">
-                                            <p:txEl>
-                                              <p:pRg st="9" end="9"/>
-                                            </p:txEl>
-                                          </p:spTgt>
-                                        </p:tgtEl>
-                                        <p:attrNameLst>
-                                          <p:attrName>ppt_y</p:attrName>
-                                        </p:attrNameLst>
-                                      </p:cBhvr>
-                                      <p:tavLst>
-                                        <p:tav tm="0">
-                                          <p:val>
-                                            <p:strVal val="#ppt_y+.1"/>
-                                          </p:val>
-                                        </p:tav>
-                                        <p:tav tm="100000">
-                                          <p:val>
-                                            <p:strVal val="#ppt_y"/>
-                                          </p:val>
-                                        </p:tav>
-                                      </p:tavLst>
-                                    </p:anim>
-                                  </p:childTnLst>
-                                </p:cTn>
-                              </p:par>
-                            </p:childTnLst>
-                          </p:cTn>
-                        </p:par>
-                      </p:childTnLst>
-                    </p:cTn>
-                  </p:par>
-                  <p:par>
-                    <p:cTn id="72" fill="hold">
-                      <p:stCondLst>
-                        <p:cond delay="indefinite"/>
-                      </p:stCondLst>
-                      <p:childTnLst>
-                        <p:par>
-                          <p:cTn id="73" fill="hold">
-                            <p:stCondLst>
-                              <p:cond delay="0"/>
-                            </p:stCondLst>
-                            <p:childTnLst>
-                              <p:par>
-                                <p:cTn id="74" presetID="42" presetClass="entr" presetSubtype="0" fill="hold" nodeType="clickEffect">
-                                  <p:stCondLst>
-                                    <p:cond delay="0"/>
-                                  </p:stCondLst>
-                                  <p:childTnLst>
-                                    <p:set>
-                                      <p:cBhvr>
-                                        <p:cTn id="75" dur="1" fill="hold">
-                                          <p:stCondLst>
-                                            <p:cond delay="0"/>
-                                          </p:stCondLst>
-                                        </p:cTn>
-                                        <p:tgtEl>
-                                          <p:spTgt spid="4">
-                                            <p:txEl>
-                                              <p:pRg st="10" end="10"/>
-                                            </p:txEl>
-                                          </p:spTgt>
-                                        </p:tgtEl>
-                                        <p:attrNameLst>
-                                          <p:attrName>style.visibility</p:attrName>
-                                        </p:attrNameLst>
-                                      </p:cBhvr>
-                                      <p:to>
-                                        <p:strVal val="visible"/>
-                                      </p:to>
-                                    </p:set>
-                                    <p:animEffect transition="in" filter="fade">
-                                      <p:cBhvr>
-                                        <p:cTn id="76" dur="1000"/>
-                                        <p:tgtEl>
-                                          <p:spTgt spid="4">
-                                            <p:txEl>
-                                              <p:pRg st="10" end="10"/>
-                                            </p:txEl>
-                                          </p:spTgt>
-                                        </p:tgtEl>
-                                      </p:cBhvr>
-                                    </p:animEffect>
-                                    <p:anim calcmode="lin" valueType="num">
-                                      <p:cBhvr>
-                                        <p:cTn id="77" dur="1000" fill="hold"/>
-                                        <p:tgtEl>
-                                          <p:spTgt spid="4">
-                                            <p:txEl>
-                                              <p:pRg st="10" end="10"/>
-                                            </p:txEl>
-                                          </p:spTgt>
-                                        </p:tgtEl>
-                                        <p:attrNameLst>
-                                          <p:attrName>ppt_x</p:attrName>
-                                        </p:attrNameLst>
-                                      </p:cBhvr>
-                                      <p:tavLst>
-                                        <p:tav tm="0">
-                                          <p:val>
-                                            <p:strVal val="#ppt_x"/>
-                                          </p:val>
-                                        </p:tav>
-                                        <p:tav tm="100000">
-                                          <p:val>
-                                            <p:strVal val="#ppt_x"/>
-                                          </p:val>
-                                        </p:tav>
-                                      </p:tavLst>
-                                    </p:anim>
-                                    <p:anim calcmode="lin" valueType="num">
-                                      <p:cBhvr>
-                                        <p:cTn id="78" dur="1000" fill="hold"/>
-                                        <p:tgtEl>
-                                          <p:spTgt spid="4">
-                                            <p:txEl>
-                                              <p:pRg st="10" end="10"/>
-                                            </p:txEl>
-                                          </p:spTgt>
-                                        </p:tgtEl>
-                                        <p:attrNameLst>
-                                          <p:attrName>ppt_y</p:attrName>
-                                        </p:attrNameLst>
-                                      </p:cBhvr>
-                                      <p:tavLst>
-                                        <p:tav tm="0">
-                                          <p:val>
-                                            <p:strVal val="#ppt_y+.1"/>
-                                          </p:val>
-                                        </p:tav>
-                                        <p:tav tm="100000">
-                                          <p:val>
-                                            <p:strVal val="#ppt_y"/>
-                                          </p:val>
-                                        </p:tav>
-                                      </p:tavLst>
-                                    </p:anim>
-                                  </p:childTnLst>
-                                </p:cTn>
-                              </p:par>
-                            </p:childTnLst>
-                          </p:cTn>
-                        </p:par>
-                      </p:childTnLst>
-                    </p:cTn>
-                  </p:par>
-                  <p:par>
-                    <p:cTn id="79" fill="hold">
-                      <p:stCondLst>
-                        <p:cond delay="indefinite"/>
-                      </p:stCondLst>
-                      <p:childTnLst>
-                        <p:par>
-                          <p:cTn id="80" fill="hold">
-                            <p:stCondLst>
-                              <p:cond delay="0"/>
-                            </p:stCondLst>
-                            <p:childTnLst>
-                              <p:par>
-                                <p:cTn id="81" presetID="42" presetClass="entr" presetSubtype="0" fill="hold" nodeType="clickEffect">
-                                  <p:stCondLst>
-                                    <p:cond delay="0"/>
-                                  </p:stCondLst>
-                                  <p:childTnLst>
-                                    <p:set>
-                                      <p:cBhvr>
-                                        <p:cTn id="82" dur="1" fill="hold">
-                                          <p:stCondLst>
-                                            <p:cond delay="0"/>
-                                          </p:stCondLst>
-                                        </p:cTn>
-                                        <p:tgtEl>
-                                          <p:spTgt spid="4">
-                                            <p:txEl>
-                                              <p:pRg st="11" end="11"/>
-                                            </p:txEl>
-                                          </p:spTgt>
-                                        </p:tgtEl>
-                                        <p:attrNameLst>
-                                          <p:attrName>style.visibility</p:attrName>
-                                        </p:attrNameLst>
-                                      </p:cBhvr>
-                                      <p:to>
-                                        <p:strVal val="visible"/>
-                                      </p:to>
-                                    </p:set>
-                                    <p:animEffect transition="in" filter="fade">
-                                      <p:cBhvr>
-                                        <p:cTn id="83" dur="1000"/>
-                                        <p:tgtEl>
-                                          <p:spTgt spid="4">
-                                            <p:txEl>
-                                              <p:pRg st="11" end="11"/>
-                                            </p:txEl>
-                                          </p:spTgt>
-                                        </p:tgtEl>
-                                      </p:cBhvr>
-                                    </p:animEffect>
-                                    <p:anim calcmode="lin" valueType="num">
-                                      <p:cBhvr>
-                                        <p:cTn id="84" dur="1000" fill="hold"/>
-                                        <p:tgtEl>
-                                          <p:spTgt spid="4">
-                                            <p:txEl>
-                                              <p:pRg st="11" end="11"/>
-                                            </p:txEl>
-                                          </p:spTgt>
-                                        </p:tgtEl>
-                                        <p:attrNameLst>
-                                          <p:attrName>ppt_x</p:attrName>
-                                        </p:attrNameLst>
-                                      </p:cBhvr>
-                                      <p:tavLst>
-                                        <p:tav tm="0">
-                                          <p:val>
-                                            <p:strVal val="#ppt_x"/>
-                                          </p:val>
-                                        </p:tav>
-                                        <p:tav tm="100000">
-                                          <p:val>
-                                            <p:strVal val="#ppt_x"/>
-                                          </p:val>
-                                        </p:tav>
-                                      </p:tavLst>
-                                    </p:anim>
-                                    <p:anim calcmode="lin" valueType="num">
-                                      <p:cBhvr>
-                                        <p:cTn id="85" dur="1000" fill="hold"/>
-                                        <p:tgtEl>
-                                          <p:spTgt spid="4">
-                                            <p:txEl>
-                                              <p:pRg st="11" end="11"/>
-                                            </p:txEl>
-                                          </p:spTgt>
-                                        </p:tgtEl>
-                                        <p:attrNameLst>
-                                          <p:attrName>ppt_y</p:attrName>
-                                        </p:attrNameLst>
-                                      </p:cBhvr>
-                                      <p:tavLst>
-                                        <p:tav tm="0">
-                                          <p:val>
-                                            <p:strVal val="#ppt_y+.1"/>
-                                          </p:val>
-                                        </p:tav>
-                                        <p:tav tm="100000">
-                                          <p:val>
-                                            <p:strVal val="#ppt_y"/>
-                                          </p:val>
-                                        </p:tav>
-                                      </p:tavLst>
-                                    </p:anim>
-                                  </p:childTnLst>
-                                </p:cTn>
-                              </p:par>
-                            </p:childTnLst>
-                          </p:cTn>
-                        </p:par>
-                      </p:childTnLst>
-                    </p:cTn>
-                  </p:par>
-                  <p:par>
-                    <p:cTn id="86" fill="hold">
-                      <p:stCondLst>
-                        <p:cond delay="indefinite"/>
-                      </p:stCondLst>
-                      <p:childTnLst>
-                        <p:par>
-                          <p:cTn id="87" fill="hold">
-                            <p:stCondLst>
-                              <p:cond delay="0"/>
-                            </p:stCondLst>
-                            <p:childTnLst>
-                              <p:par>
-                                <p:cTn id="88" presetID="42" presetClass="entr" presetSubtype="0" fill="hold" nodeType="clickEffect">
-                                  <p:stCondLst>
-                                    <p:cond delay="0"/>
-                                  </p:stCondLst>
-                                  <p:childTnLst>
-                                    <p:set>
-                                      <p:cBhvr>
-                                        <p:cTn id="89" dur="1" fill="hold">
-                                          <p:stCondLst>
-                                            <p:cond delay="0"/>
-                                          </p:stCondLst>
-                                        </p:cTn>
-                                        <p:tgtEl>
-                                          <p:spTgt spid="4">
-                                            <p:txEl>
-                                              <p:pRg st="13" end="13"/>
-                                            </p:txEl>
-                                          </p:spTgt>
-                                        </p:tgtEl>
-                                        <p:attrNameLst>
-                                          <p:attrName>style.visibility</p:attrName>
-                                        </p:attrNameLst>
-                                      </p:cBhvr>
-                                      <p:to>
-                                        <p:strVal val="visible"/>
-                                      </p:to>
-                                    </p:set>
-                                    <p:animEffect transition="in" filter="fade">
-                                      <p:cBhvr>
-                                        <p:cTn id="90" dur="1000"/>
-                                        <p:tgtEl>
-                                          <p:spTgt spid="4">
-                                            <p:txEl>
-                                              <p:pRg st="13" end="13"/>
-                                            </p:txEl>
-                                          </p:spTgt>
-                                        </p:tgtEl>
-                                      </p:cBhvr>
-                                    </p:animEffect>
-                                    <p:anim calcmode="lin" valueType="num">
-                                      <p:cBhvr>
-                                        <p:cTn id="91" dur="1000" fill="hold"/>
-                                        <p:tgtEl>
-                                          <p:spTgt spid="4">
-                                            <p:txEl>
-                                              <p:pRg st="13" end="13"/>
-                                            </p:txEl>
-                                          </p:spTgt>
-                                        </p:tgtEl>
-                                        <p:attrNameLst>
-                                          <p:attrName>ppt_x</p:attrName>
-                                        </p:attrNameLst>
-                                      </p:cBhvr>
-                                      <p:tavLst>
-                                        <p:tav tm="0">
-                                          <p:val>
-                                            <p:strVal val="#ppt_x"/>
-                                          </p:val>
-                                        </p:tav>
-                                        <p:tav tm="100000">
-                                          <p:val>
-                                            <p:strVal val="#ppt_x"/>
-                                          </p:val>
-                                        </p:tav>
-                                      </p:tavLst>
-                                    </p:anim>
-                                    <p:anim calcmode="lin" valueType="num">
-                                      <p:cBhvr>
-                                        <p:cTn id="92" dur="1000" fill="hold"/>
-                                        <p:tgtEl>
-                                          <p:spTgt spid="4">
-                                            <p:txEl>
-                                              <p:pRg st="13" end="13"/>
-                                            </p:txEl>
-                                          </p:spTgt>
-                                        </p:tgtEl>
-                                        <p:attrNameLst>
-                                          <p:attrName>ppt_y</p:attrName>
-                                        </p:attrNameLst>
-                                      </p:cBhvr>
-                                      <p:tavLst>
-                                        <p:tav tm="0">
-                                          <p:val>
-                                            <p:strVal val="#ppt_y+.1"/>
-                                          </p:val>
-                                        </p:tav>
-                                        <p:tav tm="100000">
-                                          <p:val>
-                                            <p:strVal val="#ppt_y"/>
-                                          </p:val>
-                                        </p:tav>
-                                      </p:tavLst>
-                                    </p:anim>
-                                  </p:childTnLst>
-                                </p:cTn>
-                              </p:par>
-                            </p:childTnLst>
-                          </p:cTn>
-                        </p:par>
-                      </p:childTnLst>
-                    </p:cTn>
-                  </p:par>
-                  <p:par>
-                    <p:cTn id="93" fill="hold">
-                      <p:stCondLst>
-                        <p:cond delay="indefinite"/>
-                      </p:stCondLst>
-                      <p:childTnLst>
-                        <p:par>
-                          <p:cTn id="94" fill="hold">
-                            <p:stCondLst>
-                              <p:cond delay="0"/>
-                            </p:stCondLst>
-                            <p:childTnLst>
-                              <p:par>
-                                <p:cTn id="95" presetID="42" presetClass="entr" presetSubtype="0" fill="hold" nodeType="clickEffect">
-                                  <p:stCondLst>
-                                    <p:cond delay="0"/>
-                                  </p:stCondLst>
-                                  <p:childTnLst>
-                                    <p:set>
-                                      <p:cBhvr>
-                                        <p:cTn id="96" dur="1" fill="hold">
-                                          <p:stCondLst>
-                                            <p:cond delay="0"/>
-                                          </p:stCondLst>
-                                        </p:cTn>
-                                        <p:tgtEl>
-                                          <p:spTgt spid="4">
-                                            <p:txEl>
-                                              <p:pRg st="14" end="14"/>
-                                            </p:txEl>
-                                          </p:spTgt>
-                                        </p:tgtEl>
-                                        <p:attrNameLst>
-                                          <p:attrName>style.visibility</p:attrName>
-                                        </p:attrNameLst>
-                                      </p:cBhvr>
-                                      <p:to>
-                                        <p:strVal val="visible"/>
-                                      </p:to>
-                                    </p:set>
-                                    <p:animEffect transition="in" filter="fade">
-                                      <p:cBhvr>
-                                        <p:cTn id="97" dur="1000"/>
-                                        <p:tgtEl>
-                                          <p:spTgt spid="4">
-                                            <p:txEl>
-                                              <p:pRg st="14" end="14"/>
-                                            </p:txEl>
-                                          </p:spTgt>
-                                        </p:tgtEl>
-                                      </p:cBhvr>
-                                    </p:animEffect>
-                                    <p:anim calcmode="lin" valueType="num">
-                                      <p:cBhvr>
-                                        <p:cTn id="98" dur="1000" fill="hold"/>
-                                        <p:tgtEl>
-                                          <p:spTgt spid="4">
-                                            <p:txEl>
-                                              <p:pRg st="14" end="14"/>
-                                            </p:txEl>
-                                          </p:spTgt>
-                                        </p:tgtEl>
-                                        <p:attrNameLst>
-                                          <p:attrName>ppt_x</p:attrName>
-                                        </p:attrNameLst>
-                                      </p:cBhvr>
-                                      <p:tavLst>
-                                        <p:tav tm="0">
-                                          <p:val>
-                                            <p:strVal val="#ppt_x"/>
-                                          </p:val>
-                                        </p:tav>
-                                        <p:tav tm="100000">
-                                          <p:val>
-                                            <p:strVal val="#ppt_x"/>
-                                          </p:val>
-                                        </p:tav>
-                                      </p:tavLst>
-                                    </p:anim>
-                                    <p:anim calcmode="lin" valueType="num">
-                                      <p:cBhvr>
-                                        <p:cTn id="99" dur="1000" fill="hold"/>
-                                        <p:tgtEl>
-                                          <p:spTgt spid="4">
-                                            <p:txEl>
-                                              <p:pRg st="14" end="14"/>
-                                            </p:txEl>
-                                          </p:spTgt>
-                                        </p:tgtEl>
-                                        <p:attrNameLst>
-                                          <p:attrName>ppt_y</p:attrName>
-                                        </p:attrNameLst>
-                                      </p:cBhvr>
-                                      <p:tavLst>
-                                        <p:tav tm="0">
-                                          <p:val>
-                                            <p:strVal val="#ppt_y+.1"/>
-                                          </p:val>
-                                        </p:tav>
-                                        <p:tav tm="100000">
-                                          <p:val>
-                                            <p:strVal val="#ppt_y"/>
-                                          </p:val>
-                                        </p:tav>
-                                      </p:tavLst>
-                                    </p:anim>
-                                  </p:childTnLst>
-                                </p:cTn>
-                              </p:par>
-                            </p:childTnLst>
-                          </p:cTn>
-                        </p:par>
-                      </p:childTnLst>
-                    </p:cTn>
-                  </p:par>
-                  <p:par>
-                    <p:cTn id="100" fill="hold">
-                      <p:stCondLst>
-                        <p:cond delay="indefinite"/>
-                      </p:stCondLst>
-                      <p:childTnLst>
-                        <p:par>
-                          <p:cTn id="101" fill="hold">
-                            <p:stCondLst>
-                              <p:cond delay="0"/>
-                            </p:stCondLst>
-                            <p:childTnLst>
-                              <p:par>
-                                <p:cTn id="102" presetID="42" presetClass="entr" presetSubtype="0" fill="hold" nodeType="clickEffect">
-                                  <p:stCondLst>
-                                    <p:cond delay="0"/>
-                                  </p:stCondLst>
-                                  <p:childTnLst>
-                                    <p:set>
-                                      <p:cBhvr>
-                                        <p:cTn id="103" dur="1" fill="hold">
-                                          <p:stCondLst>
-                                            <p:cond delay="0"/>
-                                          </p:stCondLst>
-                                        </p:cTn>
-                                        <p:tgtEl>
-                                          <p:spTgt spid="4">
-                                            <p:txEl>
-                                              <p:pRg st="15" end="15"/>
-                                            </p:txEl>
-                                          </p:spTgt>
-                                        </p:tgtEl>
-                                        <p:attrNameLst>
-                                          <p:attrName>style.visibility</p:attrName>
-                                        </p:attrNameLst>
-                                      </p:cBhvr>
-                                      <p:to>
-                                        <p:strVal val="visible"/>
-                                      </p:to>
-                                    </p:set>
-                                    <p:animEffect transition="in" filter="fade">
-                                      <p:cBhvr>
-                                        <p:cTn id="104" dur="1000"/>
-                                        <p:tgtEl>
-                                          <p:spTgt spid="4">
-                                            <p:txEl>
-                                              <p:pRg st="15" end="15"/>
-                                            </p:txEl>
-                                          </p:spTgt>
-                                        </p:tgtEl>
-                                      </p:cBhvr>
-                                    </p:animEffect>
-                                    <p:anim calcmode="lin" valueType="num">
-                                      <p:cBhvr>
-                                        <p:cTn id="105" dur="1000" fill="hold"/>
-                                        <p:tgtEl>
-                                          <p:spTgt spid="4">
-                                            <p:txEl>
-                                              <p:pRg st="15" end="15"/>
-                                            </p:txEl>
-                                          </p:spTgt>
-                                        </p:tgtEl>
-                                        <p:attrNameLst>
-                                          <p:attrName>ppt_x</p:attrName>
-                                        </p:attrNameLst>
-                                      </p:cBhvr>
-                                      <p:tavLst>
-                                        <p:tav tm="0">
-                                          <p:val>
-                                            <p:strVal val="#ppt_x"/>
-                                          </p:val>
-                                        </p:tav>
-                                        <p:tav tm="100000">
-                                          <p:val>
-                                            <p:strVal val="#ppt_x"/>
-                                          </p:val>
-                                        </p:tav>
-                                      </p:tavLst>
-                                    </p:anim>
-                                    <p:anim calcmode="lin" valueType="num">
-                                      <p:cBhvr>
-                                        <p:cTn id="106" dur="1000" fill="hold"/>
-                                        <p:tgtEl>
-                                          <p:spTgt spid="4">
-                                            <p:txEl>
-                                              <p:pRg st="15" end="15"/>
-                                            </p:txEl>
-                                          </p:spTgt>
-                                        </p:tgtEl>
-                                        <p:attrNameLst>
-                                          <p:attrName>ppt_y</p:attrName>
-                                        </p:attrNameLst>
-                                      </p:cBhvr>
-                                      <p:tavLst>
-                                        <p:tav tm="0">
-                                          <p:val>
-                                            <p:strVal val="#ppt_y+.1"/>
-                                          </p:val>
-                                        </p:tav>
-                                        <p:tav tm="100000">
-                                          <p:val>
-                                            <p:strVal val="#ppt_y"/>
-                                          </p:val>
-                                        </p:tav>
-                                      </p:tavLst>
-                                    </p:anim>
-                                  </p:childTnLst>
-                                </p:cTn>
-                              </p:par>
-                            </p:childTnLst>
-                          </p:cTn>
-                        </p:par>
-                      </p:childTnLst>
-                    </p:cTn>
-                  </p:par>
-                </p:childTnLst>
-              </p:cTn>
-              <p:prevCondLst>
-                <p:cond evt="onPrev" delay="0">
-                  <p:tgtEl>
-                    <p:sldTgt/>
-                  </p:tgtEl>
-                </p:cond>
-              </p:prevCondLst>
-              <p:nextCondLst>
-                <p:cond evt="onNext" delay="0">
-                  <p:tgtEl>
-                    <p:sldTgt/>
-                  </p:tgtEl>
-                </p:cond>
-              </p:nextCondLst>
-            </p:seq>
-          </p:childTnLst>
-        </p:cTn>
-      </p:par>
-    </p:tnLst>
-    <p:bldLst>
-      <p:bldP spid="2" grpId="0" animBg="1"/>
-    </p:bldLst>
-  </p:timing>
 </p:sld>
 </file>
 
@@ -6802,20 +4862,14 @@
       </p:grpSpPr>
       <p:pic>
         <p:nvPicPr>
-          <p:cNvPr id="2" name="Picture 1">
-            <a:extLst>
-              <a:ext uri="{FF2B5EF4-FFF2-40B4-BE49-F238E27FC236}">
-                <a16:creationId xmlns:a16="http://schemas.microsoft.com/office/drawing/2014/main" id="{DC7D9F4F-0D37-71DE-B896-9AA4090DF93D}"/>
-              </a:ext>
-            </a:extLst>
-          </p:cNvPr>
+          <p:cNvPr id="2" name="Picture 1"/>
           <p:cNvPicPr>
             <a:picLocks noChangeAspect="1"/>
           </p:cNvPicPr>
           <p:nvPr/>
         </p:nvPicPr>
         <p:blipFill>
-          <a:blip r:embed="rId2">
+          <a:blip r:embed="rId2" cstate="print">
             <a:extLst>
               <a:ext uri="{28A0092B-C50C-407E-A947-70E740481C1C}">
                 <a14:useLocalDpi xmlns:a14="http://schemas.microsoft.com/office/drawing/2010/main" val="0"/>
@@ -6838,13 +4892,7 @@
       </p:pic>
       <p:sp>
         <p:nvSpPr>
-          <p:cNvPr id="4" name="TextBox 3">
-            <a:extLst>
-              <a:ext uri="{FF2B5EF4-FFF2-40B4-BE49-F238E27FC236}">
-                <a16:creationId xmlns:a16="http://schemas.microsoft.com/office/drawing/2014/main" id="{59CF5615-8790-4C99-CE8F-079AB3FA0555}"/>
-              </a:ext>
-            </a:extLst>
-          </p:cNvPr>
+          <p:cNvPr id="4" name="TextBox 3"/>
           <p:cNvSpPr txBox="1"/>
           <p:nvPr/>
         </p:nvSpPr>
@@ -6873,21 +4921,15 @@
               </a:spcBef>
             </a:pPr>
             <a:r>
-              <a:rPr lang="en-US" sz="1400" b="1" dirty="0">
-                <a:latin typeface="Constantia" panose="02030602050306030303" pitchFamily="18" charset="0"/>
-              </a:rPr>
+              <a:rPr lang="en-US" sz="1400" b="1" dirty="0"/>
               <a:t>Media </a:t>
             </a:r>
             <a:r>
-              <a:rPr lang="en-US" sz="1400" b="1" dirty="0" err="1">
-                <a:latin typeface="Constantia" panose="02030602050306030303" pitchFamily="18" charset="0"/>
-              </a:rPr>
+              <a:rPr lang="en-US" sz="1400" b="1" dirty="0" err="1"/>
               <a:t>vasit</a:t>
             </a:r>
             <a:r>
-              <a:rPr lang="az-Latn-AZ" sz="1400" b="1" dirty="0">
-                <a:latin typeface="Constantia" panose="02030602050306030303" pitchFamily="18" charset="0"/>
-              </a:rPr>
+              <a:rPr lang="az-Latn-AZ" sz="1400" b="1" dirty="0"/>
               <a:t>ələrinin günümüzdə rolu nələrdir ?</a:t>
             </a:r>
           </a:p>
@@ -6912,63 +4954,43 @@
               </a:spcBef>
             </a:pPr>
             <a:r>
-              <a:rPr lang="az-Latn-AZ" sz="1050" dirty="0">
-                <a:latin typeface="Constantia" panose="02030602050306030303" pitchFamily="18" charset="0"/>
-              </a:rPr>
+              <a:rPr lang="az-Latn-AZ" sz="1050" dirty="0"/>
               <a:t>İstər qəzet, istər radio, istər televiziya, istərsə də internet yarandığı gündən əsas təyinatları gərəyi insanları xəbərlər şəklində informasiya ilə təmin etmək olub. Ancaq xəbər dinləmək toplumu sıxdığı üçün bunlarla yanaşı adlarını sadaladığım media vasitələri insanlara</a:t>
             </a:r>
             <a:r>
-              <a:rPr lang="en-US" sz="1050" dirty="0">
-                <a:latin typeface="Constantia" panose="02030602050306030303" pitchFamily="18" charset="0"/>
-              </a:rPr>
+              <a:rPr lang="en-US" sz="1050" dirty="0"/>
               <a:t> </a:t>
             </a:r>
             <a:r>
-              <a:rPr lang="az-Latn-AZ" sz="1050" dirty="0">
-                <a:latin typeface="Constantia" panose="02030602050306030303" pitchFamily="18" charset="0"/>
-              </a:rPr>
+              <a:rPr lang="az-Latn-AZ" sz="1050" dirty="0"/>
               <a:t>gərəkli</a:t>
             </a:r>
             <a:r>
-              <a:rPr lang="en-US" sz="1050" dirty="0">
-                <a:latin typeface="Constantia" panose="02030602050306030303" pitchFamily="18" charset="0"/>
-              </a:rPr>
+              <a:rPr lang="en-US" sz="1050" dirty="0"/>
               <a:t> v</a:t>
             </a:r>
             <a:r>
-              <a:rPr lang="az-Latn-AZ" sz="1050" dirty="0">
-                <a:latin typeface="Constantia" panose="02030602050306030303" pitchFamily="18" charset="0"/>
-              </a:rPr>
+              <a:rPr lang="az-Latn-AZ" sz="1050" dirty="0"/>
               <a:t>ə</a:t>
             </a:r>
             <a:r>
-              <a:rPr lang="en-US" sz="1050" dirty="0">
-                <a:latin typeface="Constantia" panose="02030602050306030303" pitchFamily="18" charset="0"/>
-              </a:rPr>
+              <a:rPr lang="en-US" sz="1050" dirty="0"/>
               <a:t> </a:t>
             </a:r>
             <a:r>
-              <a:rPr lang="en-US" sz="1050" dirty="0" err="1">
-                <a:latin typeface="Constantia" panose="02030602050306030303" pitchFamily="18" charset="0"/>
-              </a:rPr>
+              <a:rPr lang="en-US" sz="1050" dirty="0" err="1"/>
               <a:t>ya</a:t>
             </a:r>
             <a:r>
-              <a:rPr lang="en-US" sz="1050" dirty="0">
-                <a:latin typeface="Constantia" panose="02030602050306030303" pitchFamily="18" charset="0"/>
-              </a:rPr>
+              <a:rPr lang="en-US" sz="1050" dirty="0"/>
               <a:t> g</a:t>
             </a:r>
             <a:r>
-              <a:rPr lang="az-Latn-AZ" sz="1050" dirty="0">
-                <a:latin typeface="Constantia" panose="02030602050306030303" pitchFamily="18" charset="0"/>
-              </a:rPr>
+              <a:rPr lang="az-Latn-AZ" sz="1050" dirty="0"/>
               <a:t>ərəksiz digər informasiyaların çatdırılmasında rol oynayır</a:t>
             </a:r>
             <a:r>
-              <a:rPr lang="en-US" sz="1050" dirty="0">
-                <a:latin typeface="Constantia" panose="02030602050306030303" pitchFamily="18" charset="0"/>
-              </a:rPr>
+              <a:rPr lang="en-US" sz="1050" dirty="0"/>
               <a:t>.</a:t>
             </a:r>
           </a:p>
@@ -6981,9 +5003,7 @@
                 <a:spcPts val="1000"/>
               </a:spcBef>
             </a:pPr>
-            <a:endParaRPr lang="en-US" sz="1050" dirty="0">
-              <a:latin typeface="Constantia" panose="02030602050306030303" pitchFamily="18" charset="0"/>
-            </a:endParaRPr>
+            <a:endParaRPr lang="en-US" sz="1050" dirty="0"/>
           </a:p>
           <a:p>
             <a:pPr algn="just">
@@ -6995,21 +5015,15 @@
               </a:spcBef>
             </a:pPr>
             <a:r>
-              <a:rPr lang="en-US" sz="1050" dirty="0">
-                <a:latin typeface="Constantia" panose="02030602050306030303" pitchFamily="18" charset="0"/>
-              </a:rPr>
+              <a:rPr lang="en-US" sz="1050" dirty="0"/>
               <a:t>M</a:t>
             </a:r>
             <a:r>
-              <a:rPr lang="az-Latn-AZ" sz="1050" dirty="0">
-                <a:latin typeface="Constantia" panose="02030602050306030303" pitchFamily="18" charset="0"/>
-              </a:rPr>
+              <a:rPr lang="az-Latn-AZ" sz="1050" dirty="0"/>
               <a:t>əsələn</a:t>
             </a:r>
             <a:r>
-              <a:rPr lang="en-US" sz="1050" dirty="0">
-                <a:latin typeface="Constantia" panose="02030602050306030303" pitchFamily="18" charset="0"/>
-              </a:rPr>
+              <a:rPr lang="en-US" sz="1050" dirty="0"/>
               <a:t>:</a:t>
             </a:r>
           </a:p>
@@ -7025,21 +5039,15 @@
               <a:buChar char="•"/>
             </a:pPr>
             <a:r>
-              <a:rPr lang="en-US" sz="1050" dirty="0">
-                <a:latin typeface="Constantia" panose="02030602050306030303" pitchFamily="18" charset="0"/>
-              </a:rPr>
+              <a:rPr lang="en-US" sz="1050" dirty="0"/>
               <a:t>Radio </a:t>
             </a:r>
             <a:r>
-              <a:rPr lang="en-US" sz="1050" dirty="0" err="1">
-                <a:latin typeface="Constantia" panose="02030602050306030303" pitchFamily="18" charset="0"/>
-              </a:rPr>
+              <a:rPr lang="en-US" sz="1050" dirty="0" err="1"/>
               <a:t>tama</a:t>
             </a:r>
             <a:r>
-              <a:rPr lang="az-Latn-AZ" sz="1050" dirty="0">
-                <a:latin typeface="Constantia" panose="02030602050306030303" pitchFamily="18" charset="0"/>
-              </a:rPr>
+              <a:rPr lang="az-Latn-AZ" sz="1050" dirty="0"/>
               <a:t>şaları.</a:t>
             </a:r>
           </a:p>
@@ -7055,9 +5063,7 @@
               <a:buChar char="•"/>
             </a:pPr>
             <a:r>
-              <a:rPr lang="az-Latn-AZ" sz="1050" dirty="0">
-                <a:latin typeface="Constantia" panose="02030602050306030303" pitchFamily="18" charset="0"/>
-              </a:rPr>
+              <a:rPr lang="az-Latn-AZ" sz="1050" dirty="0"/>
               <a:t>Səsli kitablar</a:t>
             </a:r>
           </a:p>
@@ -7073,27 +5079,19 @@
               <a:buChar char="•"/>
             </a:pPr>
             <a:r>
-              <a:rPr lang="az-Latn-AZ" sz="1050" dirty="0">
-                <a:latin typeface="Constantia" panose="02030602050306030303" pitchFamily="18" charset="0"/>
-              </a:rPr>
+              <a:rPr lang="az-Latn-AZ" sz="1050" dirty="0"/>
               <a:t>Reality sho</a:t>
             </a:r>
             <a:r>
-              <a:rPr lang="en-US" sz="1050" dirty="0">
-                <a:latin typeface="Constantia" panose="02030602050306030303" pitchFamily="18" charset="0"/>
-              </a:rPr>
+              <a:rPr lang="en-US" sz="1050" dirty="0"/>
               <a:t>w</a:t>
             </a:r>
             <a:r>
-              <a:rPr lang="az-Latn-AZ" sz="1050" dirty="0">
-                <a:latin typeface="Constantia" panose="02030602050306030303" pitchFamily="18" charset="0"/>
-              </a:rPr>
+              <a:rPr lang="az-Latn-AZ" sz="1050" dirty="0"/>
               <a:t> -</a:t>
             </a:r>
             <a:r>
-              <a:rPr lang="en-US" sz="1050" dirty="0">
-                <a:latin typeface="Constantia" panose="02030602050306030303" pitchFamily="18" charset="0"/>
-              </a:rPr>
+              <a:rPr lang="en-US" sz="1050" dirty="0"/>
               <a:t>lar</a:t>
             </a:r>
           </a:p>
@@ -7109,9 +5107,7 @@
               <a:buChar char="•"/>
             </a:pPr>
             <a:r>
-              <a:rPr lang="az-Latn-AZ" sz="1050" dirty="0">
-                <a:latin typeface="Constantia" panose="02030602050306030303" pitchFamily="18" charset="0"/>
-              </a:rPr>
+              <a:rPr lang="az-Latn-AZ" sz="1050" dirty="0"/>
               <a:t>Magazin –lər</a:t>
             </a:r>
           </a:p>
@@ -7127,9 +5123,7 @@
               <a:buChar char="•"/>
             </a:pPr>
             <a:r>
-              <a:rPr lang="az-Latn-AZ" sz="1050" dirty="0">
-                <a:latin typeface="Constantia" panose="02030602050306030303" pitchFamily="18" charset="0"/>
-              </a:rPr>
+              <a:rPr lang="az-Latn-AZ" sz="1050" dirty="0"/>
               <a:t>Çox nadirən görülən elm, təhsil, incəsənət və mədəniyyət sahəsi üzrə verlişlər.</a:t>
             </a:r>
           </a:p>
@@ -7184,11 +5178,6 @@
         </p:txBody>
       </p:sp>
     </p:spTree>
-    <p:extLst>
-      <p:ext uri="{BB962C8B-B14F-4D97-AF65-F5344CB8AC3E}">
-        <p14:creationId xmlns:p14="http://schemas.microsoft.com/office/powerpoint/2010/main" val="142661440"/>
-      </p:ext>
-    </p:extLst>
   </p:cSld>
   <p:clrMapOvr>
     <a:masterClrMapping/>
@@ -7312,926 +5301,6 @@
                       </p:childTnLst>
                     </p:cTn>
                   </p:par>
-                  <p:par>
-                    <p:cTn id="10" fill="hold">
-                      <p:stCondLst>
-                        <p:cond delay="indefinite"/>
-                      </p:stCondLst>
-                      <p:childTnLst>
-                        <p:par>
-                          <p:cTn id="11" fill="hold">
-                            <p:stCondLst>
-                              <p:cond delay="0"/>
-                            </p:stCondLst>
-                            <p:childTnLst>
-                              <p:par>
-                                <p:cTn id="12" presetID="42" presetClass="entr" presetSubtype="0" fill="hold" nodeType="clickEffect">
-                                  <p:stCondLst>
-                                    <p:cond delay="0"/>
-                                  </p:stCondLst>
-                                  <p:childTnLst>
-                                    <p:set>
-                                      <p:cBhvr>
-                                        <p:cTn id="13" dur="1" fill="hold">
-                                          <p:stCondLst>
-                                            <p:cond delay="0"/>
-                                          </p:stCondLst>
-                                        </p:cTn>
-                                        <p:tgtEl>
-                                          <p:spTgt spid="4">
-                                            <p:txEl>
-                                              <p:pRg st="0" end="0"/>
-                                            </p:txEl>
-                                          </p:spTgt>
-                                        </p:tgtEl>
-                                        <p:attrNameLst>
-                                          <p:attrName>style.visibility</p:attrName>
-                                        </p:attrNameLst>
-                                      </p:cBhvr>
-                                      <p:to>
-                                        <p:strVal val="visible"/>
-                                      </p:to>
-                                    </p:set>
-                                    <p:animEffect transition="in" filter="fade">
-                                      <p:cBhvr>
-                                        <p:cTn id="14" dur="1000"/>
-                                        <p:tgtEl>
-                                          <p:spTgt spid="4">
-                                            <p:txEl>
-                                              <p:pRg st="0" end="0"/>
-                                            </p:txEl>
-                                          </p:spTgt>
-                                        </p:tgtEl>
-                                      </p:cBhvr>
-                                    </p:animEffect>
-                                    <p:anim calcmode="lin" valueType="num">
-                                      <p:cBhvr>
-                                        <p:cTn id="15" dur="1000" fill="hold"/>
-                                        <p:tgtEl>
-                                          <p:spTgt spid="4">
-                                            <p:txEl>
-                                              <p:pRg st="0" end="0"/>
-                                            </p:txEl>
-                                          </p:spTgt>
-                                        </p:tgtEl>
-                                        <p:attrNameLst>
-                                          <p:attrName>ppt_x</p:attrName>
-                                        </p:attrNameLst>
-                                      </p:cBhvr>
-                                      <p:tavLst>
-                                        <p:tav tm="0">
-                                          <p:val>
-                                            <p:strVal val="#ppt_x"/>
-                                          </p:val>
-                                        </p:tav>
-                                        <p:tav tm="100000">
-                                          <p:val>
-                                            <p:strVal val="#ppt_x"/>
-                                          </p:val>
-                                        </p:tav>
-                                      </p:tavLst>
-                                    </p:anim>
-                                    <p:anim calcmode="lin" valueType="num">
-                                      <p:cBhvr>
-                                        <p:cTn id="16" dur="1000" fill="hold"/>
-                                        <p:tgtEl>
-                                          <p:spTgt spid="4">
-                                            <p:txEl>
-                                              <p:pRg st="0" end="0"/>
-                                            </p:txEl>
-                                          </p:spTgt>
-                                        </p:tgtEl>
-                                        <p:attrNameLst>
-                                          <p:attrName>ppt_y</p:attrName>
-                                        </p:attrNameLst>
-                                      </p:cBhvr>
-                                      <p:tavLst>
-                                        <p:tav tm="0">
-                                          <p:val>
-                                            <p:strVal val="#ppt_y+.1"/>
-                                          </p:val>
-                                        </p:tav>
-                                        <p:tav tm="100000">
-                                          <p:val>
-                                            <p:strVal val="#ppt_y"/>
-                                          </p:val>
-                                        </p:tav>
-                                      </p:tavLst>
-                                    </p:anim>
-                                  </p:childTnLst>
-                                </p:cTn>
-                              </p:par>
-                            </p:childTnLst>
-                          </p:cTn>
-                        </p:par>
-                      </p:childTnLst>
-                    </p:cTn>
-                  </p:par>
-                  <p:par>
-                    <p:cTn id="17" fill="hold">
-                      <p:stCondLst>
-                        <p:cond delay="indefinite"/>
-                      </p:stCondLst>
-                      <p:childTnLst>
-                        <p:par>
-                          <p:cTn id="18" fill="hold">
-                            <p:stCondLst>
-                              <p:cond delay="0"/>
-                            </p:stCondLst>
-                            <p:childTnLst>
-                              <p:par>
-                                <p:cTn id="19" presetID="42" presetClass="entr" presetSubtype="0" fill="hold" nodeType="clickEffect">
-                                  <p:stCondLst>
-                                    <p:cond delay="0"/>
-                                  </p:stCondLst>
-                                  <p:childTnLst>
-                                    <p:set>
-                                      <p:cBhvr>
-                                        <p:cTn id="20" dur="1" fill="hold">
-                                          <p:stCondLst>
-                                            <p:cond delay="0"/>
-                                          </p:stCondLst>
-                                        </p:cTn>
-                                        <p:tgtEl>
-                                          <p:spTgt spid="4">
-                                            <p:txEl>
-                                              <p:pRg st="2" end="2"/>
-                                            </p:txEl>
-                                          </p:spTgt>
-                                        </p:tgtEl>
-                                        <p:attrNameLst>
-                                          <p:attrName>style.visibility</p:attrName>
-                                        </p:attrNameLst>
-                                      </p:cBhvr>
-                                      <p:to>
-                                        <p:strVal val="visible"/>
-                                      </p:to>
-                                    </p:set>
-                                    <p:animEffect transition="in" filter="fade">
-                                      <p:cBhvr>
-                                        <p:cTn id="21" dur="1000"/>
-                                        <p:tgtEl>
-                                          <p:spTgt spid="4">
-                                            <p:txEl>
-                                              <p:pRg st="2" end="2"/>
-                                            </p:txEl>
-                                          </p:spTgt>
-                                        </p:tgtEl>
-                                      </p:cBhvr>
-                                    </p:animEffect>
-                                    <p:anim calcmode="lin" valueType="num">
-                                      <p:cBhvr>
-                                        <p:cTn id="22" dur="1000" fill="hold"/>
-                                        <p:tgtEl>
-                                          <p:spTgt spid="4">
-                                            <p:txEl>
-                                              <p:pRg st="2" end="2"/>
-                                            </p:txEl>
-                                          </p:spTgt>
-                                        </p:tgtEl>
-                                        <p:attrNameLst>
-                                          <p:attrName>ppt_x</p:attrName>
-                                        </p:attrNameLst>
-                                      </p:cBhvr>
-                                      <p:tavLst>
-                                        <p:tav tm="0">
-                                          <p:val>
-                                            <p:strVal val="#ppt_x"/>
-                                          </p:val>
-                                        </p:tav>
-                                        <p:tav tm="100000">
-                                          <p:val>
-                                            <p:strVal val="#ppt_x"/>
-                                          </p:val>
-                                        </p:tav>
-                                      </p:tavLst>
-                                    </p:anim>
-                                    <p:anim calcmode="lin" valueType="num">
-                                      <p:cBhvr>
-                                        <p:cTn id="23" dur="1000" fill="hold"/>
-                                        <p:tgtEl>
-                                          <p:spTgt spid="4">
-                                            <p:txEl>
-                                              <p:pRg st="2" end="2"/>
-                                            </p:txEl>
-                                          </p:spTgt>
-                                        </p:tgtEl>
-                                        <p:attrNameLst>
-                                          <p:attrName>ppt_y</p:attrName>
-                                        </p:attrNameLst>
-                                      </p:cBhvr>
-                                      <p:tavLst>
-                                        <p:tav tm="0">
-                                          <p:val>
-                                            <p:strVal val="#ppt_y+.1"/>
-                                          </p:val>
-                                        </p:tav>
-                                        <p:tav tm="100000">
-                                          <p:val>
-                                            <p:strVal val="#ppt_y"/>
-                                          </p:val>
-                                        </p:tav>
-                                      </p:tavLst>
-                                    </p:anim>
-                                  </p:childTnLst>
-                                </p:cTn>
-                              </p:par>
-                            </p:childTnLst>
-                          </p:cTn>
-                        </p:par>
-                      </p:childTnLst>
-                    </p:cTn>
-                  </p:par>
-                  <p:par>
-                    <p:cTn id="24" fill="hold">
-                      <p:stCondLst>
-                        <p:cond delay="indefinite"/>
-                      </p:stCondLst>
-                      <p:childTnLst>
-                        <p:par>
-                          <p:cTn id="25" fill="hold">
-                            <p:stCondLst>
-                              <p:cond delay="0"/>
-                            </p:stCondLst>
-                            <p:childTnLst>
-                              <p:par>
-                                <p:cTn id="26" presetID="42" presetClass="entr" presetSubtype="0" fill="hold" nodeType="clickEffect">
-                                  <p:stCondLst>
-                                    <p:cond delay="0"/>
-                                  </p:stCondLst>
-                                  <p:childTnLst>
-                                    <p:set>
-                                      <p:cBhvr>
-                                        <p:cTn id="27" dur="1" fill="hold">
-                                          <p:stCondLst>
-                                            <p:cond delay="0"/>
-                                          </p:stCondLst>
-                                        </p:cTn>
-                                        <p:tgtEl>
-                                          <p:spTgt spid="4">
-                                            <p:txEl>
-                                              <p:pRg st="4" end="4"/>
-                                            </p:txEl>
-                                          </p:spTgt>
-                                        </p:tgtEl>
-                                        <p:attrNameLst>
-                                          <p:attrName>style.visibility</p:attrName>
-                                        </p:attrNameLst>
-                                      </p:cBhvr>
-                                      <p:to>
-                                        <p:strVal val="visible"/>
-                                      </p:to>
-                                    </p:set>
-                                    <p:animEffect transition="in" filter="fade">
-                                      <p:cBhvr>
-                                        <p:cTn id="28" dur="1000"/>
-                                        <p:tgtEl>
-                                          <p:spTgt spid="4">
-                                            <p:txEl>
-                                              <p:pRg st="4" end="4"/>
-                                            </p:txEl>
-                                          </p:spTgt>
-                                        </p:tgtEl>
-                                      </p:cBhvr>
-                                    </p:animEffect>
-                                    <p:anim calcmode="lin" valueType="num">
-                                      <p:cBhvr>
-                                        <p:cTn id="29" dur="1000" fill="hold"/>
-                                        <p:tgtEl>
-                                          <p:spTgt spid="4">
-                                            <p:txEl>
-                                              <p:pRg st="4" end="4"/>
-                                            </p:txEl>
-                                          </p:spTgt>
-                                        </p:tgtEl>
-                                        <p:attrNameLst>
-                                          <p:attrName>ppt_x</p:attrName>
-                                        </p:attrNameLst>
-                                      </p:cBhvr>
-                                      <p:tavLst>
-                                        <p:tav tm="0">
-                                          <p:val>
-                                            <p:strVal val="#ppt_x"/>
-                                          </p:val>
-                                        </p:tav>
-                                        <p:tav tm="100000">
-                                          <p:val>
-                                            <p:strVal val="#ppt_x"/>
-                                          </p:val>
-                                        </p:tav>
-                                      </p:tavLst>
-                                    </p:anim>
-                                    <p:anim calcmode="lin" valueType="num">
-                                      <p:cBhvr>
-                                        <p:cTn id="30" dur="1000" fill="hold"/>
-                                        <p:tgtEl>
-                                          <p:spTgt spid="4">
-                                            <p:txEl>
-                                              <p:pRg st="4" end="4"/>
-                                            </p:txEl>
-                                          </p:spTgt>
-                                        </p:tgtEl>
-                                        <p:attrNameLst>
-                                          <p:attrName>ppt_y</p:attrName>
-                                        </p:attrNameLst>
-                                      </p:cBhvr>
-                                      <p:tavLst>
-                                        <p:tav tm="0">
-                                          <p:val>
-                                            <p:strVal val="#ppt_y+.1"/>
-                                          </p:val>
-                                        </p:tav>
-                                        <p:tav tm="100000">
-                                          <p:val>
-                                            <p:strVal val="#ppt_y"/>
-                                          </p:val>
-                                        </p:tav>
-                                      </p:tavLst>
-                                    </p:anim>
-                                  </p:childTnLst>
-                                </p:cTn>
-                              </p:par>
-                            </p:childTnLst>
-                          </p:cTn>
-                        </p:par>
-                      </p:childTnLst>
-                    </p:cTn>
-                  </p:par>
-                  <p:par>
-                    <p:cTn id="31" fill="hold">
-                      <p:stCondLst>
-                        <p:cond delay="indefinite"/>
-                      </p:stCondLst>
-                      <p:childTnLst>
-                        <p:par>
-                          <p:cTn id="32" fill="hold">
-                            <p:stCondLst>
-                              <p:cond delay="0"/>
-                            </p:stCondLst>
-                            <p:childTnLst>
-                              <p:par>
-                                <p:cTn id="33" presetID="42" presetClass="entr" presetSubtype="0" fill="hold" nodeType="clickEffect">
-                                  <p:stCondLst>
-                                    <p:cond delay="0"/>
-                                  </p:stCondLst>
-                                  <p:childTnLst>
-                                    <p:set>
-                                      <p:cBhvr>
-                                        <p:cTn id="34" dur="1" fill="hold">
-                                          <p:stCondLst>
-                                            <p:cond delay="0"/>
-                                          </p:stCondLst>
-                                        </p:cTn>
-                                        <p:tgtEl>
-                                          <p:spTgt spid="4">
-                                            <p:txEl>
-                                              <p:pRg st="5" end="5"/>
-                                            </p:txEl>
-                                          </p:spTgt>
-                                        </p:tgtEl>
-                                        <p:attrNameLst>
-                                          <p:attrName>style.visibility</p:attrName>
-                                        </p:attrNameLst>
-                                      </p:cBhvr>
-                                      <p:to>
-                                        <p:strVal val="visible"/>
-                                      </p:to>
-                                    </p:set>
-                                    <p:animEffect transition="in" filter="fade">
-                                      <p:cBhvr>
-                                        <p:cTn id="35" dur="1000"/>
-                                        <p:tgtEl>
-                                          <p:spTgt spid="4">
-                                            <p:txEl>
-                                              <p:pRg st="5" end="5"/>
-                                            </p:txEl>
-                                          </p:spTgt>
-                                        </p:tgtEl>
-                                      </p:cBhvr>
-                                    </p:animEffect>
-                                    <p:anim calcmode="lin" valueType="num">
-                                      <p:cBhvr>
-                                        <p:cTn id="36" dur="1000" fill="hold"/>
-                                        <p:tgtEl>
-                                          <p:spTgt spid="4">
-                                            <p:txEl>
-                                              <p:pRg st="5" end="5"/>
-                                            </p:txEl>
-                                          </p:spTgt>
-                                        </p:tgtEl>
-                                        <p:attrNameLst>
-                                          <p:attrName>ppt_x</p:attrName>
-                                        </p:attrNameLst>
-                                      </p:cBhvr>
-                                      <p:tavLst>
-                                        <p:tav tm="0">
-                                          <p:val>
-                                            <p:strVal val="#ppt_x"/>
-                                          </p:val>
-                                        </p:tav>
-                                        <p:tav tm="100000">
-                                          <p:val>
-                                            <p:strVal val="#ppt_x"/>
-                                          </p:val>
-                                        </p:tav>
-                                      </p:tavLst>
-                                    </p:anim>
-                                    <p:anim calcmode="lin" valueType="num">
-                                      <p:cBhvr>
-                                        <p:cTn id="37" dur="1000" fill="hold"/>
-                                        <p:tgtEl>
-                                          <p:spTgt spid="4">
-                                            <p:txEl>
-                                              <p:pRg st="5" end="5"/>
-                                            </p:txEl>
-                                          </p:spTgt>
-                                        </p:tgtEl>
-                                        <p:attrNameLst>
-                                          <p:attrName>ppt_y</p:attrName>
-                                        </p:attrNameLst>
-                                      </p:cBhvr>
-                                      <p:tavLst>
-                                        <p:tav tm="0">
-                                          <p:val>
-                                            <p:strVal val="#ppt_y+.1"/>
-                                          </p:val>
-                                        </p:tav>
-                                        <p:tav tm="100000">
-                                          <p:val>
-                                            <p:strVal val="#ppt_y"/>
-                                          </p:val>
-                                        </p:tav>
-                                      </p:tavLst>
-                                    </p:anim>
-                                  </p:childTnLst>
-                                </p:cTn>
-                              </p:par>
-                            </p:childTnLst>
-                          </p:cTn>
-                        </p:par>
-                      </p:childTnLst>
-                    </p:cTn>
-                  </p:par>
-                  <p:par>
-                    <p:cTn id="38" fill="hold">
-                      <p:stCondLst>
-                        <p:cond delay="indefinite"/>
-                      </p:stCondLst>
-                      <p:childTnLst>
-                        <p:par>
-                          <p:cTn id="39" fill="hold">
-                            <p:stCondLst>
-                              <p:cond delay="0"/>
-                            </p:stCondLst>
-                            <p:childTnLst>
-                              <p:par>
-                                <p:cTn id="40" presetID="42" presetClass="entr" presetSubtype="0" fill="hold" nodeType="clickEffect">
-                                  <p:stCondLst>
-                                    <p:cond delay="0"/>
-                                  </p:stCondLst>
-                                  <p:childTnLst>
-                                    <p:set>
-                                      <p:cBhvr>
-                                        <p:cTn id="41" dur="1" fill="hold">
-                                          <p:stCondLst>
-                                            <p:cond delay="0"/>
-                                          </p:stCondLst>
-                                        </p:cTn>
-                                        <p:tgtEl>
-                                          <p:spTgt spid="4">
-                                            <p:txEl>
-                                              <p:pRg st="6" end="6"/>
-                                            </p:txEl>
-                                          </p:spTgt>
-                                        </p:tgtEl>
-                                        <p:attrNameLst>
-                                          <p:attrName>style.visibility</p:attrName>
-                                        </p:attrNameLst>
-                                      </p:cBhvr>
-                                      <p:to>
-                                        <p:strVal val="visible"/>
-                                      </p:to>
-                                    </p:set>
-                                    <p:animEffect transition="in" filter="fade">
-                                      <p:cBhvr>
-                                        <p:cTn id="42" dur="1000"/>
-                                        <p:tgtEl>
-                                          <p:spTgt spid="4">
-                                            <p:txEl>
-                                              <p:pRg st="6" end="6"/>
-                                            </p:txEl>
-                                          </p:spTgt>
-                                        </p:tgtEl>
-                                      </p:cBhvr>
-                                    </p:animEffect>
-                                    <p:anim calcmode="lin" valueType="num">
-                                      <p:cBhvr>
-                                        <p:cTn id="43" dur="1000" fill="hold"/>
-                                        <p:tgtEl>
-                                          <p:spTgt spid="4">
-                                            <p:txEl>
-                                              <p:pRg st="6" end="6"/>
-                                            </p:txEl>
-                                          </p:spTgt>
-                                        </p:tgtEl>
-                                        <p:attrNameLst>
-                                          <p:attrName>ppt_x</p:attrName>
-                                        </p:attrNameLst>
-                                      </p:cBhvr>
-                                      <p:tavLst>
-                                        <p:tav tm="0">
-                                          <p:val>
-                                            <p:strVal val="#ppt_x"/>
-                                          </p:val>
-                                        </p:tav>
-                                        <p:tav tm="100000">
-                                          <p:val>
-                                            <p:strVal val="#ppt_x"/>
-                                          </p:val>
-                                        </p:tav>
-                                      </p:tavLst>
-                                    </p:anim>
-                                    <p:anim calcmode="lin" valueType="num">
-                                      <p:cBhvr>
-                                        <p:cTn id="44" dur="1000" fill="hold"/>
-                                        <p:tgtEl>
-                                          <p:spTgt spid="4">
-                                            <p:txEl>
-                                              <p:pRg st="6" end="6"/>
-                                            </p:txEl>
-                                          </p:spTgt>
-                                        </p:tgtEl>
-                                        <p:attrNameLst>
-                                          <p:attrName>ppt_y</p:attrName>
-                                        </p:attrNameLst>
-                                      </p:cBhvr>
-                                      <p:tavLst>
-                                        <p:tav tm="0">
-                                          <p:val>
-                                            <p:strVal val="#ppt_y+.1"/>
-                                          </p:val>
-                                        </p:tav>
-                                        <p:tav tm="100000">
-                                          <p:val>
-                                            <p:strVal val="#ppt_y"/>
-                                          </p:val>
-                                        </p:tav>
-                                      </p:tavLst>
-                                    </p:anim>
-                                  </p:childTnLst>
-                                </p:cTn>
-                              </p:par>
-                            </p:childTnLst>
-                          </p:cTn>
-                        </p:par>
-                      </p:childTnLst>
-                    </p:cTn>
-                  </p:par>
-                  <p:par>
-                    <p:cTn id="45" fill="hold">
-                      <p:stCondLst>
-                        <p:cond delay="indefinite"/>
-                      </p:stCondLst>
-                      <p:childTnLst>
-                        <p:par>
-                          <p:cTn id="46" fill="hold">
-                            <p:stCondLst>
-                              <p:cond delay="0"/>
-                            </p:stCondLst>
-                            <p:childTnLst>
-                              <p:par>
-                                <p:cTn id="47" presetID="42" presetClass="entr" presetSubtype="0" fill="hold" nodeType="clickEffect">
-                                  <p:stCondLst>
-                                    <p:cond delay="0"/>
-                                  </p:stCondLst>
-                                  <p:childTnLst>
-                                    <p:set>
-                                      <p:cBhvr>
-                                        <p:cTn id="48" dur="1" fill="hold">
-                                          <p:stCondLst>
-                                            <p:cond delay="0"/>
-                                          </p:stCondLst>
-                                        </p:cTn>
-                                        <p:tgtEl>
-                                          <p:spTgt spid="4">
-                                            <p:txEl>
-                                              <p:pRg st="7" end="7"/>
-                                            </p:txEl>
-                                          </p:spTgt>
-                                        </p:tgtEl>
-                                        <p:attrNameLst>
-                                          <p:attrName>style.visibility</p:attrName>
-                                        </p:attrNameLst>
-                                      </p:cBhvr>
-                                      <p:to>
-                                        <p:strVal val="visible"/>
-                                      </p:to>
-                                    </p:set>
-                                    <p:animEffect transition="in" filter="fade">
-                                      <p:cBhvr>
-                                        <p:cTn id="49" dur="1000"/>
-                                        <p:tgtEl>
-                                          <p:spTgt spid="4">
-                                            <p:txEl>
-                                              <p:pRg st="7" end="7"/>
-                                            </p:txEl>
-                                          </p:spTgt>
-                                        </p:tgtEl>
-                                      </p:cBhvr>
-                                    </p:animEffect>
-                                    <p:anim calcmode="lin" valueType="num">
-                                      <p:cBhvr>
-                                        <p:cTn id="50" dur="1000" fill="hold"/>
-                                        <p:tgtEl>
-                                          <p:spTgt spid="4">
-                                            <p:txEl>
-                                              <p:pRg st="7" end="7"/>
-                                            </p:txEl>
-                                          </p:spTgt>
-                                        </p:tgtEl>
-                                        <p:attrNameLst>
-                                          <p:attrName>ppt_x</p:attrName>
-                                        </p:attrNameLst>
-                                      </p:cBhvr>
-                                      <p:tavLst>
-                                        <p:tav tm="0">
-                                          <p:val>
-                                            <p:strVal val="#ppt_x"/>
-                                          </p:val>
-                                        </p:tav>
-                                        <p:tav tm="100000">
-                                          <p:val>
-                                            <p:strVal val="#ppt_x"/>
-                                          </p:val>
-                                        </p:tav>
-                                      </p:tavLst>
-                                    </p:anim>
-                                    <p:anim calcmode="lin" valueType="num">
-                                      <p:cBhvr>
-                                        <p:cTn id="51" dur="1000" fill="hold"/>
-                                        <p:tgtEl>
-                                          <p:spTgt spid="4">
-                                            <p:txEl>
-                                              <p:pRg st="7" end="7"/>
-                                            </p:txEl>
-                                          </p:spTgt>
-                                        </p:tgtEl>
-                                        <p:attrNameLst>
-                                          <p:attrName>ppt_y</p:attrName>
-                                        </p:attrNameLst>
-                                      </p:cBhvr>
-                                      <p:tavLst>
-                                        <p:tav tm="0">
-                                          <p:val>
-                                            <p:strVal val="#ppt_y+.1"/>
-                                          </p:val>
-                                        </p:tav>
-                                        <p:tav tm="100000">
-                                          <p:val>
-                                            <p:strVal val="#ppt_y"/>
-                                          </p:val>
-                                        </p:tav>
-                                      </p:tavLst>
-                                    </p:anim>
-                                  </p:childTnLst>
-                                </p:cTn>
-                              </p:par>
-                            </p:childTnLst>
-                          </p:cTn>
-                        </p:par>
-                      </p:childTnLst>
-                    </p:cTn>
-                  </p:par>
-                  <p:par>
-                    <p:cTn id="52" fill="hold">
-                      <p:stCondLst>
-                        <p:cond delay="indefinite"/>
-                      </p:stCondLst>
-                      <p:childTnLst>
-                        <p:par>
-                          <p:cTn id="53" fill="hold">
-                            <p:stCondLst>
-                              <p:cond delay="0"/>
-                            </p:stCondLst>
-                            <p:childTnLst>
-                              <p:par>
-                                <p:cTn id="54" presetID="42" presetClass="entr" presetSubtype="0" fill="hold" nodeType="clickEffect">
-                                  <p:stCondLst>
-                                    <p:cond delay="0"/>
-                                  </p:stCondLst>
-                                  <p:childTnLst>
-                                    <p:set>
-                                      <p:cBhvr>
-                                        <p:cTn id="55" dur="1" fill="hold">
-                                          <p:stCondLst>
-                                            <p:cond delay="0"/>
-                                          </p:stCondLst>
-                                        </p:cTn>
-                                        <p:tgtEl>
-                                          <p:spTgt spid="4">
-                                            <p:txEl>
-                                              <p:pRg st="8" end="8"/>
-                                            </p:txEl>
-                                          </p:spTgt>
-                                        </p:tgtEl>
-                                        <p:attrNameLst>
-                                          <p:attrName>style.visibility</p:attrName>
-                                        </p:attrNameLst>
-                                      </p:cBhvr>
-                                      <p:to>
-                                        <p:strVal val="visible"/>
-                                      </p:to>
-                                    </p:set>
-                                    <p:animEffect transition="in" filter="fade">
-                                      <p:cBhvr>
-                                        <p:cTn id="56" dur="1000"/>
-                                        <p:tgtEl>
-                                          <p:spTgt spid="4">
-                                            <p:txEl>
-                                              <p:pRg st="8" end="8"/>
-                                            </p:txEl>
-                                          </p:spTgt>
-                                        </p:tgtEl>
-                                      </p:cBhvr>
-                                    </p:animEffect>
-                                    <p:anim calcmode="lin" valueType="num">
-                                      <p:cBhvr>
-                                        <p:cTn id="57" dur="1000" fill="hold"/>
-                                        <p:tgtEl>
-                                          <p:spTgt spid="4">
-                                            <p:txEl>
-                                              <p:pRg st="8" end="8"/>
-                                            </p:txEl>
-                                          </p:spTgt>
-                                        </p:tgtEl>
-                                        <p:attrNameLst>
-                                          <p:attrName>ppt_x</p:attrName>
-                                        </p:attrNameLst>
-                                      </p:cBhvr>
-                                      <p:tavLst>
-                                        <p:tav tm="0">
-                                          <p:val>
-                                            <p:strVal val="#ppt_x"/>
-                                          </p:val>
-                                        </p:tav>
-                                        <p:tav tm="100000">
-                                          <p:val>
-                                            <p:strVal val="#ppt_x"/>
-                                          </p:val>
-                                        </p:tav>
-                                      </p:tavLst>
-                                    </p:anim>
-                                    <p:anim calcmode="lin" valueType="num">
-                                      <p:cBhvr>
-                                        <p:cTn id="58" dur="1000" fill="hold"/>
-                                        <p:tgtEl>
-                                          <p:spTgt spid="4">
-                                            <p:txEl>
-                                              <p:pRg st="8" end="8"/>
-                                            </p:txEl>
-                                          </p:spTgt>
-                                        </p:tgtEl>
-                                        <p:attrNameLst>
-                                          <p:attrName>ppt_y</p:attrName>
-                                        </p:attrNameLst>
-                                      </p:cBhvr>
-                                      <p:tavLst>
-                                        <p:tav tm="0">
-                                          <p:val>
-                                            <p:strVal val="#ppt_y+.1"/>
-                                          </p:val>
-                                        </p:tav>
-                                        <p:tav tm="100000">
-                                          <p:val>
-                                            <p:strVal val="#ppt_y"/>
-                                          </p:val>
-                                        </p:tav>
-                                      </p:tavLst>
-                                    </p:anim>
-                                  </p:childTnLst>
-                                </p:cTn>
-                              </p:par>
-                            </p:childTnLst>
-                          </p:cTn>
-                        </p:par>
-                      </p:childTnLst>
-                    </p:cTn>
-                  </p:par>
-                  <p:par>
-                    <p:cTn id="59" fill="hold">
-                      <p:stCondLst>
-                        <p:cond delay="indefinite"/>
-                      </p:stCondLst>
-                      <p:childTnLst>
-                        <p:par>
-                          <p:cTn id="60" fill="hold">
-                            <p:stCondLst>
-                              <p:cond delay="0"/>
-                            </p:stCondLst>
-                            <p:childTnLst>
-                              <p:par>
-                                <p:cTn id="61" presetID="42" presetClass="entr" presetSubtype="0" fill="hold" nodeType="clickEffect">
-                                  <p:stCondLst>
-                                    <p:cond delay="0"/>
-                                  </p:stCondLst>
-                                  <p:childTnLst>
-                                    <p:set>
-                                      <p:cBhvr>
-                                        <p:cTn id="62" dur="1" fill="hold">
-                                          <p:stCondLst>
-                                            <p:cond delay="0"/>
-                                          </p:stCondLst>
-                                        </p:cTn>
-                                        <p:tgtEl>
-                                          <p:spTgt spid="4">
-                                            <p:txEl>
-                                              <p:pRg st="9" end="9"/>
-                                            </p:txEl>
-                                          </p:spTgt>
-                                        </p:tgtEl>
-                                        <p:attrNameLst>
-                                          <p:attrName>style.visibility</p:attrName>
-                                        </p:attrNameLst>
-                                      </p:cBhvr>
-                                      <p:to>
-                                        <p:strVal val="visible"/>
-                                      </p:to>
-                                    </p:set>
-                                    <p:animEffect transition="in" filter="fade">
-                                      <p:cBhvr>
-                                        <p:cTn id="63" dur="1000"/>
-                                        <p:tgtEl>
-                                          <p:spTgt spid="4">
-                                            <p:txEl>
-                                              <p:pRg st="9" end="9"/>
-                                            </p:txEl>
-                                          </p:spTgt>
-                                        </p:tgtEl>
-                                      </p:cBhvr>
-                                    </p:animEffect>
-                                    <p:anim calcmode="lin" valueType="num">
-                                      <p:cBhvr>
-                                        <p:cTn id="64" dur="1000" fill="hold"/>
-                                        <p:tgtEl>
-                                          <p:spTgt spid="4">
-                                            <p:txEl>
-                                              <p:pRg st="9" end="9"/>
-                                            </p:txEl>
-                                          </p:spTgt>
-                                        </p:tgtEl>
-                                        <p:attrNameLst>
-                                          <p:attrName>ppt_x</p:attrName>
-                                        </p:attrNameLst>
-                                      </p:cBhvr>
-                                      <p:tavLst>
-                                        <p:tav tm="0">
-                                          <p:val>
-                                            <p:strVal val="#ppt_x"/>
-                                          </p:val>
-                                        </p:tav>
-                                        <p:tav tm="100000">
-                                          <p:val>
-                                            <p:strVal val="#ppt_x"/>
-                                          </p:val>
-                                        </p:tav>
-                                      </p:tavLst>
-                                    </p:anim>
-                                    <p:anim calcmode="lin" valueType="num">
-                                      <p:cBhvr>
-                                        <p:cTn id="65" dur="1000" fill="hold"/>
-                                        <p:tgtEl>
-                                          <p:spTgt spid="4">
-                                            <p:txEl>
-                                              <p:pRg st="9" end="9"/>
-                                            </p:txEl>
-                                          </p:spTgt>
-                                        </p:tgtEl>
-                                        <p:attrNameLst>
-                                          <p:attrName>ppt_y</p:attrName>
-                                        </p:attrNameLst>
-                                      </p:cBhvr>
-                                      <p:tavLst>
-                                        <p:tav tm="0">
-                                          <p:val>
-                                            <p:strVal val="#ppt_y+.1"/>
-                                          </p:val>
-                                        </p:tav>
-                                        <p:tav tm="100000">
-                                          <p:val>
-                                            <p:strVal val="#ppt_y"/>
-                                          </p:val>
-                                        </p:tav>
-                                      </p:tavLst>
-                                    </p:anim>
-                                  </p:childTnLst>
-                                </p:cTn>
-                              </p:par>
-                            </p:childTnLst>
-                          </p:cTn>
-                        </p:par>
-                      </p:childTnLst>
-                    </p:cTn>
-                  </p:par>
                 </p:childTnLst>
               </p:cTn>
               <p:prevCondLst>
@@ -8276,20 +5345,14 @@
       </p:grpSpPr>
       <p:sp>
         <p:nvSpPr>
-          <p:cNvPr id="16" name="TextBox 15">
-            <a:extLst>
-              <a:ext uri="{FF2B5EF4-FFF2-40B4-BE49-F238E27FC236}">
-                <a16:creationId xmlns:a16="http://schemas.microsoft.com/office/drawing/2014/main" id="{F3C361BF-56FA-49B6-8AC9-D82FCF7EE719}"/>
-              </a:ext>
-            </a:extLst>
-          </p:cNvPr>
+          <p:cNvPr id="16" name="TextBox 15"/>
           <p:cNvSpPr txBox="1"/>
           <p:nvPr/>
         </p:nvSpPr>
         <p:spPr>
           <a:xfrm>
             <a:off x="5604431" y="1763869"/>
-            <a:ext cx="6074345" cy="2225728"/>
+            <a:ext cx="6074345" cy="2240280"/>
           </a:xfrm>
           <a:prstGeom prst="rect">
             <a:avLst/>
@@ -8312,24 +5375,24 @@
             </a:pPr>
             <a:r>
               <a:rPr lang="az-Latn-AZ" sz="1400" b="1" dirty="0">
-                <a:latin typeface="Constantia" panose="02030602050306030303" pitchFamily="18" charset="0"/>
+                <a:cs typeface="Constantia" panose="02030602050306030303" pitchFamily="18" charset="0"/>
               </a:rPr>
               <a:t>Sparro</a:t>
             </a:r>
             <a:r>
               <a:rPr lang="en-US" sz="1400" b="1" dirty="0">
-                <a:latin typeface="Constantia" panose="02030602050306030303" pitchFamily="18" charset="0"/>
+                <a:cs typeface="Constantia" panose="02030602050306030303" pitchFamily="18" charset="0"/>
               </a:rPr>
               <a:t>w n</a:t>
             </a:r>
             <a:r>
               <a:rPr lang="az-Latn-AZ" sz="1400" b="1" dirty="0">
-                <a:latin typeface="Constantia" panose="02030602050306030303" pitchFamily="18" charset="0"/>
+                <a:cs typeface="Constantia" panose="02030602050306030303" pitchFamily="18" charset="0"/>
               </a:rPr>
               <a:t>ədir ?</a:t>
             </a:r>
             <a:endParaRPr lang="en-US" sz="1400" b="1" dirty="0">
-              <a:latin typeface="Constantia" panose="02030602050306030303" pitchFamily="18" charset="0"/>
+              <a:cs typeface="Constantia" panose="02030602050306030303" pitchFamily="18" charset="0"/>
             </a:endParaRPr>
           </a:p>
           <a:p>
@@ -8342,7 +5405,7 @@
               </a:spcBef>
             </a:pPr>
             <a:endParaRPr lang="en-US" sz="1000" b="1" dirty="0">
-              <a:latin typeface="Constantia" panose="02030602050306030303" pitchFamily="18" charset="0"/>
+              <a:cs typeface="Constantia" panose="02030602050306030303" pitchFamily="18" charset="0"/>
             </a:endParaRPr>
           </a:p>
           <a:p>
@@ -8361,6 +5424,7 @@
                     <a:alpha val="70000"/>
                   </a:schemeClr>
                 </a:solidFill>
+                <a:cs typeface="Constantia" panose="02030602050306030303" pitchFamily="18" charset="0"/>
               </a:rPr>
               <a:t>Sparro</a:t>
             </a:r>
@@ -8371,6 +5435,7 @@
                     <a:alpha val="70000"/>
                   </a:schemeClr>
                 </a:solidFill>
+                <a:cs typeface="Constantia" panose="02030602050306030303" pitchFamily="18" charset="0"/>
               </a:rPr>
               <a:t>w</a:t>
             </a:r>
@@ -8381,6 +5446,7 @@
                     <a:alpha val="70000"/>
                   </a:schemeClr>
                 </a:solidFill>
+                <a:cs typeface="Constantia" panose="02030602050306030303" pitchFamily="18" charset="0"/>
               </a:rPr>
               <a:t>  </a:t>
             </a:r>
@@ -8391,6 +5457,7 @@
                     <a:alpha val="70000"/>
                   </a:schemeClr>
                 </a:solidFill>
+                <a:cs typeface="Constantia" panose="02030602050306030303" pitchFamily="18" charset="0"/>
               </a:rPr>
               <a:t>ingilis</a:t>
             </a:r>
@@ -8401,6 +5468,7 @@
                     <a:alpha val="70000"/>
                   </a:schemeClr>
                 </a:solidFill>
+                <a:cs typeface="Constantia" panose="02030602050306030303" pitchFamily="18" charset="0"/>
               </a:rPr>
               <a:t> </a:t>
             </a:r>
@@ -8411,6 +5479,7 @@
                     <a:alpha val="70000"/>
                   </a:schemeClr>
                 </a:solidFill>
+                <a:cs typeface="Constantia" panose="02030602050306030303" pitchFamily="18" charset="0"/>
               </a:rPr>
               <a:t>dilind</a:t>
             </a:r>
@@ -8421,6 +5490,7 @@
                     <a:alpha val="70000"/>
                   </a:schemeClr>
                 </a:solidFill>
+                <a:cs typeface="Constantia" panose="02030602050306030303" pitchFamily="18" charset="0"/>
               </a:rPr>
               <a:t>ən tərcümədə </a:t>
             </a:r>
@@ -8431,6 +5501,7 @@
                     <a:alpha val="70000"/>
                   </a:schemeClr>
                 </a:solidFill>
+                <a:cs typeface="Constantia" panose="02030602050306030303" pitchFamily="18" charset="0"/>
               </a:rPr>
               <a:t>sərçə</a:t>
             </a:r>
@@ -8441,6 +5512,7 @@
                     <a:alpha val="70000"/>
                   </a:schemeClr>
                 </a:solidFill>
+                <a:cs typeface="Constantia" panose="02030602050306030303" pitchFamily="18" charset="0"/>
               </a:rPr>
               <a:t> deməkdir.</a:t>
             </a:r>
@@ -8461,6 +5533,7 @@
                     <a:alpha val="70000"/>
                   </a:schemeClr>
                 </a:solidFill>
+                <a:cs typeface="Constantia" panose="02030602050306030303" pitchFamily="18" charset="0"/>
               </a:rPr>
               <a:t>Marka yaradılarkən sərçədən ilhamlanıb. </a:t>
             </a:r>
@@ -8481,6 +5554,7 @@
                     <a:alpha val="70000"/>
                   </a:schemeClr>
                 </a:solidFill>
+                <a:cs typeface="Constantia" panose="02030602050306030303" pitchFamily="18" charset="0"/>
               </a:rPr>
               <a:t>Sərçə köçəri quş olmayan nəğməkar quşdur.</a:t>
             </a:r>
@@ -8501,6 +5575,7 @@
                     <a:alpha val="70000"/>
                   </a:schemeClr>
                 </a:solidFill>
+                <a:cs typeface="Constantia" panose="02030602050306030303" pitchFamily="18" charset="0"/>
               </a:rPr>
               <a:t>Sparro</a:t>
             </a:r>
@@ -8511,6 +5586,7 @@
                     <a:alpha val="70000"/>
                   </a:schemeClr>
                 </a:solidFill>
+                <a:cs typeface="Constantia" panose="02030602050306030303" pitchFamily="18" charset="0"/>
               </a:rPr>
               <a:t>w </a:t>
             </a:r>
@@ -8521,6 +5597,7 @@
                     <a:alpha val="70000"/>
                   </a:schemeClr>
                 </a:solidFill>
+                <a:cs typeface="Constantia" panose="02030602050306030303" pitchFamily="18" charset="0"/>
               </a:rPr>
               <a:t>istifad</a:t>
             </a:r>
@@ -8531,6 +5608,7 @@
                     <a:alpha val="70000"/>
                   </a:schemeClr>
                 </a:solidFill>
+                <a:cs typeface="Constantia" panose="02030602050306030303" pitchFamily="18" charset="0"/>
               </a:rPr>
               <a:t>əçilər üçün hal-hazırda Komputer proqramı şəklində əl çatandır. Hansı ki həmin proqram ASP.NET Core üzərində yaradılmış </a:t>
             </a:r>
@@ -8541,6 +5619,7 @@
                     <a:alpha val="70000"/>
                   </a:schemeClr>
                 </a:solidFill>
+                <a:cs typeface="Constantia" panose="02030602050306030303" pitchFamily="18" charset="0"/>
               </a:rPr>
               <a:t>Web API –a </a:t>
             </a:r>
@@ -8551,6 +5630,7 @@
                     <a:alpha val="70000"/>
                   </a:schemeClr>
                 </a:solidFill>
+                <a:cs typeface="Constantia" panose="02030602050306030303" pitchFamily="18" charset="0"/>
               </a:rPr>
               <a:t>sor</a:t>
             </a:r>
@@ -8561,6 +5641,7 @@
                     <a:alpha val="70000"/>
                   </a:schemeClr>
                 </a:solidFill>
+                <a:cs typeface="Constantia" panose="02030602050306030303" pitchFamily="18" charset="0"/>
               </a:rPr>
               <a:t>ğu göndərir.</a:t>
             </a:r>
@@ -8569,13 +5650,7 @@
       </p:sp>
       <p:pic>
         <p:nvPicPr>
-          <p:cNvPr id="20" name="Picture 19">
-            <a:extLst>
-              <a:ext uri="{FF2B5EF4-FFF2-40B4-BE49-F238E27FC236}">
-                <a16:creationId xmlns:a16="http://schemas.microsoft.com/office/drawing/2014/main" id="{19C8360B-14BC-35FE-C9E0-FE5362ED9BA9}"/>
-              </a:ext>
-            </a:extLst>
-          </p:cNvPr>
+          <p:cNvPr id="20" name="Picture 19"/>
           <p:cNvPicPr>
             <a:picLocks noChangeAspect="1"/>
           </p:cNvPicPr>
@@ -8604,11 +5679,6 @@
         </p:spPr>
       </p:pic>
     </p:spTree>
-    <p:extLst>
-      <p:ext uri="{BB962C8B-B14F-4D97-AF65-F5344CB8AC3E}">
-        <p14:creationId xmlns:p14="http://schemas.microsoft.com/office/powerpoint/2010/main" val="137403960"/>
-      </p:ext>
-    </p:extLst>
   </p:cSld>
   <p:clrMapOvr>
     <a:masterClrMapping/>
@@ -8625,710 +5695,6 @@
       </p:transition>
     </mc:Fallback>
   </mc:AlternateContent>
-  <p:timing>
-    <p:tnLst>
-      <p:par>
-        <p:cTn id="1" dur="indefinite" restart="never" nodeType="tmRoot">
-          <p:childTnLst>
-            <p:seq concurrent="1" nextAc="seek">
-              <p:cTn id="2" dur="indefinite" nodeType="mainSeq">
-                <p:childTnLst>
-                  <p:par>
-                    <p:cTn id="3" fill="hold">
-                      <p:stCondLst>
-                        <p:cond delay="indefinite"/>
-                      </p:stCondLst>
-                      <p:childTnLst>
-                        <p:par>
-                          <p:cTn id="4" fill="hold">
-                            <p:stCondLst>
-                              <p:cond delay="0"/>
-                            </p:stCondLst>
-                            <p:childTnLst>
-                              <p:par>
-                                <p:cTn id="5" presetID="53" presetClass="entr" presetSubtype="16" fill="hold" nodeType="clickEffect">
-                                  <p:stCondLst>
-                                    <p:cond delay="0"/>
-                                  </p:stCondLst>
-                                  <p:childTnLst>
-                                    <p:set>
-                                      <p:cBhvr>
-                                        <p:cTn id="6" dur="1" fill="hold">
-                                          <p:stCondLst>
-                                            <p:cond delay="0"/>
-                                          </p:stCondLst>
-                                        </p:cTn>
-                                        <p:tgtEl>
-                                          <p:spTgt spid="20"/>
-                                        </p:tgtEl>
-                                        <p:attrNameLst>
-                                          <p:attrName>style.visibility</p:attrName>
-                                        </p:attrNameLst>
-                                      </p:cBhvr>
-                                      <p:to>
-                                        <p:strVal val="visible"/>
-                                      </p:to>
-                                    </p:set>
-                                    <p:anim calcmode="lin" valueType="num">
-                                      <p:cBhvr>
-                                        <p:cTn id="7" dur="500" fill="hold"/>
-                                        <p:tgtEl>
-                                          <p:spTgt spid="20"/>
-                                        </p:tgtEl>
-                                        <p:attrNameLst>
-                                          <p:attrName>ppt_w</p:attrName>
-                                        </p:attrNameLst>
-                                      </p:cBhvr>
-                                      <p:tavLst>
-                                        <p:tav tm="0">
-                                          <p:val>
-                                            <p:fltVal val="0"/>
-                                          </p:val>
-                                        </p:tav>
-                                        <p:tav tm="100000">
-                                          <p:val>
-                                            <p:strVal val="#ppt_w"/>
-                                          </p:val>
-                                        </p:tav>
-                                      </p:tavLst>
-                                    </p:anim>
-                                    <p:anim calcmode="lin" valueType="num">
-                                      <p:cBhvr>
-                                        <p:cTn id="8" dur="500" fill="hold"/>
-                                        <p:tgtEl>
-                                          <p:spTgt spid="20"/>
-                                        </p:tgtEl>
-                                        <p:attrNameLst>
-                                          <p:attrName>ppt_h</p:attrName>
-                                        </p:attrNameLst>
-                                      </p:cBhvr>
-                                      <p:tavLst>
-                                        <p:tav tm="0">
-                                          <p:val>
-                                            <p:fltVal val="0"/>
-                                          </p:val>
-                                        </p:tav>
-                                        <p:tav tm="100000">
-                                          <p:val>
-                                            <p:strVal val="#ppt_h"/>
-                                          </p:val>
-                                        </p:tav>
-                                      </p:tavLst>
-                                    </p:anim>
-                                    <p:animEffect transition="in" filter="fade">
-                                      <p:cBhvr>
-                                        <p:cTn id="9" dur="500"/>
-                                        <p:tgtEl>
-                                          <p:spTgt spid="20"/>
-                                        </p:tgtEl>
-                                      </p:cBhvr>
-                                    </p:animEffect>
-                                  </p:childTnLst>
-                                </p:cTn>
-                              </p:par>
-                            </p:childTnLst>
-                          </p:cTn>
-                        </p:par>
-                      </p:childTnLst>
-                    </p:cTn>
-                  </p:par>
-                  <p:par>
-                    <p:cTn id="10" fill="hold">
-                      <p:stCondLst>
-                        <p:cond delay="indefinite"/>
-                      </p:stCondLst>
-                      <p:childTnLst>
-                        <p:par>
-                          <p:cTn id="11" fill="hold">
-                            <p:stCondLst>
-                              <p:cond delay="0"/>
-                            </p:stCondLst>
-                            <p:childTnLst>
-                              <p:par>
-                                <p:cTn id="12" presetID="42" presetClass="entr" presetSubtype="0" fill="hold" nodeType="clickEffect">
-                                  <p:stCondLst>
-                                    <p:cond delay="0"/>
-                                  </p:stCondLst>
-                                  <p:childTnLst>
-                                    <p:set>
-                                      <p:cBhvr>
-                                        <p:cTn id="13" dur="1" fill="hold">
-                                          <p:stCondLst>
-                                            <p:cond delay="0"/>
-                                          </p:stCondLst>
-                                        </p:cTn>
-                                        <p:tgtEl>
-                                          <p:spTgt spid="16">
-                                            <p:txEl>
-                                              <p:pRg st="0" end="0"/>
-                                            </p:txEl>
-                                          </p:spTgt>
-                                        </p:tgtEl>
-                                        <p:attrNameLst>
-                                          <p:attrName>style.visibility</p:attrName>
-                                        </p:attrNameLst>
-                                      </p:cBhvr>
-                                      <p:to>
-                                        <p:strVal val="visible"/>
-                                      </p:to>
-                                    </p:set>
-                                    <p:animEffect transition="in" filter="fade">
-                                      <p:cBhvr>
-                                        <p:cTn id="14" dur="1000"/>
-                                        <p:tgtEl>
-                                          <p:spTgt spid="16">
-                                            <p:txEl>
-                                              <p:pRg st="0" end="0"/>
-                                            </p:txEl>
-                                          </p:spTgt>
-                                        </p:tgtEl>
-                                      </p:cBhvr>
-                                    </p:animEffect>
-                                    <p:anim calcmode="lin" valueType="num">
-                                      <p:cBhvr>
-                                        <p:cTn id="15" dur="1000" fill="hold"/>
-                                        <p:tgtEl>
-                                          <p:spTgt spid="16">
-                                            <p:txEl>
-                                              <p:pRg st="0" end="0"/>
-                                            </p:txEl>
-                                          </p:spTgt>
-                                        </p:tgtEl>
-                                        <p:attrNameLst>
-                                          <p:attrName>ppt_x</p:attrName>
-                                        </p:attrNameLst>
-                                      </p:cBhvr>
-                                      <p:tavLst>
-                                        <p:tav tm="0">
-                                          <p:val>
-                                            <p:strVal val="#ppt_x"/>
-                                          </p:val>
-                                        </p:tav>
-                                        <p:tav tm="100000">
-                                          <p:val>
-                                            <p:strVal val="#ppt_x"/>
-                                          </p:val>
-                                        </p:tav>
-                                      </p:tavLst>
-                                    </p:anim>
-                                    <p:anim calcmode="lin" valueType="num">
-                                      <p:cBhvr>
-                                        <p:cTn id="16" dur="1000" fill="hold"/>
-                                        <p:tgtEl>
-                                          <p:spTgt spid="16">
-                                            <p:txEl>
-                                              <p:pRg st="0" end="0"/>
-                                            </p:txEl>
-                                          </p:spTgt>
-                                        </p:tgtEl>
-                                        <p:attrNameLst>
-                                          <p:attrName>ppt_y</p:attrName>
-                                        </p:attrNameLst>
-                                      </p:cBhvr>
-                                      <p:tavLst>
-                                        <p:tav tm="0">
-                                          <p:val>
-                                            <p:strVal val="#ppt_y+.1"/>
-                                          </p:val>
-                                        </p:tav>
-                                        <p:tav tm="100000">
-                                          <p:val>
-                                            <p:strVal val="#ppt_y"/>
-                                          </p:val>
-                                        </p:tav>
-                                      </p:tavLst>
-                                    </p:anim>
-                                  </p:childTnLst>
-                                </p:cTn>
-                              </p:par>
-                            </p:childTnLst>
-                          </p:cTn>
-                        </p:par>
-                      </p:childTnLst>
-                    </p:cTn>
-                  </p:par>
-                  <p:par>
-                    <p:cTn id="17" fill="hold">
-                      <p:stCondLst>
-                        <p:cond delay="indefinite"/>
-                      </p:stCondLst>
-                      <p:childTnLst>
-                        <p:par>
-                          <p:cTn id="18" fill="hold">
-                            <p:stCondLst>
-                              <p:cond delay="0"/>
-                            </p:stCondLst>
-                            <p:childTnLst>
-                              <p:par>
-                                <p:cTn id="19" presetID="42" presetClass="entr" presetSubtype="0" fill="hold" nodeType="clickEffect">
-                                  <p:stCondLst>
-                                    <p:cond delay="0"/>
-                                  </p:stCondLst>
-                                  <p:childTnLst>
-                                    <p:set>
-                                      <p:cBhvr>
-                                        <p:cTn id="20" dur="1" fill="hold">
-                                          <p:stCondLst>
-                                            <p:cond delay="0"/>
-                                          </p:stCondLst>
-                                        </p:cTn>
-                                        <p:tgtEl>
-                                          <p:spTgt spid="16">
-                                            <p:txEl>
-                                              <p:pRg st="2" end="2"/>
-                                            </p:txEl>
-                                          </p:spTgt>
-                                        </p:tgtEl>
-                                        <p:attrNameLst>
-                                          <p:attrName>style.visibility</p:attrName>
-                                        </p:attrNameLst>
-                                      </p:cBhvr>
-                                      <p:to>
-                                        <p:strVal val="visible"/>
-                                      </p:to>
-                                    </p:set>
-                                    <p:animEffect transition="in" filter="fade">
-                                      <p:cBhvr>
-                                        <p:cTn id="21" dur="1000"/>
-                                        <p:tgtEl>
-                                          <p:spTgt spid="16">
-                                            <p:txEl>
-                                              <p:pRg st="2" end="2"/>
-                                            </p:txEl>
-                                          </p:spTgt>
-                                        </p:tgtEl>
-                                      </p:cBhvr>
-                                    </p:animEffect>
-                                    <p:anim calcmode="lin" valueType="num">
-                                      <p:cBhvr>
-                                        <p:cTn id="22" dur="1000" fill="hold"/>
-                                        <p:tgtEl>
-                                          <p:spTgt spid="16">
-                                            <p:txEl>
-                                              <p:pRg st="2" end="2"/>
-                                            </p:txEl>
-                                          </p:spTgt>
-                                        </p:tgtEl>
-                                        <p:attrNameLst>
-                                          <p:attrName>ppt_x</p:attrName>
-                                        </p:attrNameLst>
-                                      </p:cBhvr>
-                                      <p:tavLst>
-                                        <p:tav tm="0">
-                                          <p:val>
-                                            <p:strVal val="#ppt_x"/>
-                                          </p:val>
-                                        </p:tav>
-                                        <p:tav tm="100000">
-                                          <p:val>
-                                            <p:strVal val="#ppt_x"/>
-                                          </p:val>
-                                        </p:tav>
-                                      </p:tavLst>
-                                    </p:anim>
-                                    <p:anim calcmode="lin" valueType="num">
-                                      <p:cBhvr>
-                                        <p:cTn id="23" dur="1000" fill="hold"/>
-                                        <p:tgtEl>
-                                          <p:spTgt spid="16">
-                                            <p:txEl>
-                                              <p:pRg st="2" end="2"/>
-                                            </p:txEl>
-                                          </p:spTgt>
-                                        </p:tgtEl>
-                                        <p:attrNameLst>
-                                          <p:attrName>ppt_y</p:attrName>
-                                        </p:attrNameLst>
-                                      </p:cBhvr>
-                                      <p:tavLst>
-                                        <p:tav tm="0">
-                                          <p:val>
-                                            <p:strVal val="#ppt_y+.1"/>
-                                          </p:val>
-                                        </p:tav>
-                                        <p:tav tm="100000">
-                                          <p:val>
-                                            <p:strVal val="#ppt_y"/>
-                                          </p:val>
-                                        </p:tav>
-                                      </p:tavLst>
-                                    </p:anim>
-                                  </p:childTnLst>
-                                </p:cTn>
-                              </p:par>
-                            </p:childTnLst>
-                          </p:cTn>
-                        </p:par>
-                      </p:childTnLst>
-                    </p:cTn>
-                  </p:par>
-                  <p:par>
-                    <p:cTn id="24" fill="hold">
-                      <p:stCondLst>
-                        <p:cond delay="indefinite"/>
-                      </p:stCondLst>
-                      <p:childTnLst>
-                        <p:par>
-                          <p:cTn id="25" fill="hold">
-                            <p:stCondLst>
-                              <p:cond delay="0"/>
-                            </p:stCondLst>
-                            <p:childTnLst>
-                              <p:par>
-                                <p:cTn id="26" presetID="42" presetClass="entr" presetSubtype="0" fill="hold" nodeType="clickEffect">
-                                  <p:stCondLst>
-                                    <p:cond delay="0"/>
-                                  </p:stCondLst>
-                                  <p:childTnLst>
-                                    <p:set>
-                                      <p:cBhvr>
-                                        <p:cTn id="27" dur="1" fill="hold">
-                                          <p:stCondLst>
-                                            <p:cond delay="0"/>
-                                          </p:stCondLst>
-                                        </p:cTn>
-                                        <p:tgtEl>
-                                          <p:spTgt spid="16">
-                                            <p:txEl>
-                                              <p:pRg st="3" end="3"/>
-                                            </p:txEl>
-                                          </p:spTgt>
-                                        </p:tgtEl>
-                                        <p:attrNameLst>
-                                          <p:attrName>style.visibility</p:attrName>
-                                        </p:attrNameLst>
-                                      </p:cBhvr>
-                                      <p:to>
-                                        <p:strVal val="visible"/>
-                                      </p:to>
-                                    </p:set>
-                                    <p:animEffect transition="in" filter="fade">
-                                      <p:cBhvr>
-                                        <p:cTn id="28" dur="1000"/>
-                                        <p:tgtEl>
-                                          <p:spTgt spid="16">
-                                            <p:txEl>
-                                              <p:pRg st="3" end="3"/>
-                                            </p:txEl>
-                                          </p:spTgt>
-                                        </p:tgtEl>
-                                      </p:cBhvr>
-                                    </p:animEffect>
-                                    <p:anim calcmode="lin" valueType="num">
-                                      <p:cBhvr>
-                                        <p:cTn id="29" dur="1000" fill="hold"/>
-                                        <p:tgtEl>
-                                          <p:spTgt spid="16">
-                                            <p:txEl>
-                                              <p:pRg st="3" end="3"/>
-                                            </p:txEl>
-                                          </p:spTgt>
-                                        </p:tgtEl>
-                                        <p:attrNameLst>
-                                          <p:attrName>ppt_x</p:attrName>
-                                        </p:attrNameLst>
-                                      </p:cBhvr>
-                                      <p:tavLst>
-                                        <p:tav tm="0">
-                                          <p:val>
-                                            <p:strVal val="#ppt_x"/>
-                                          </p:val>
-                                        </p:tav>
-                                        <p:tav tm="100000">
-                                          <p:val>
-                                            <p:strVal val="#ppt_x"/>
-                                          </p:val>
-                                        </p:tav>
-                                      </p:tavLst>
-                                    </p:anim>
-                                    <p:anim calcmode="lin" valueType="num">
-                                      <p:cBhvr>
-                                        <p:cTn id="30" dur="1000" fill="hold"/>
-                                        <p:tgtEl>
-                                          <p:spTgt spid="16">
-                                            <p:txEl>
-                                              <p:pRg st="3" end="3"/>
-                                            </p:txEl>
-                                          </p:spTgt>
-                                        </p:tgtEl>
-                                        <p:attrNameLst>
-                                          <p:attrName>ppt_y</p:attrName>
-                                        </p:attrNameLst>
-                                      </p:cBhvr>
-                                      <p:tavLst>
-                                        <p:tav tm="0">
-                                          <p:val>
-                                            <p:strVal val="#ppt_y+.1"/>
-                                          </p:val>
-                                        </p:tav>
-                                        <p:tav tm="100000">
-                                          <p:val>
-                                            <p:strVal val="#ppt_y"/>
-                                          </p:val>
-                                        </p:tav>
-                                      </p:tavLst>
-                                    </p:anim>
-                                  </p:childTnLst>
-                                </p:cTn>
-                              </p:par>
-                            </p:childTnLst>
-                          </p:cTn>
-                        </p:par>
-                      </p:childTnLst>
-                    </p:cTn>
-                  </p:par>
-                  <p:par>
-                    <p:cTn id="31" fill="hold">
-                      <p:stCondLst>
-                        <p:cond delay="indefinite"/>
-                      </p:stCondLst>
-                      <p:childTnLst>
-                        <p:par>
-                          <p:cTn id="32" fill="hold">
-                            <p:stCondLst>
-                              <p:cond delay="0"/>
-                            </p:stCondLst>
-                            <p:childTnLst>
-                              <p:par>
-                                <p:cTn id="33" presetID="42" presetClass="entr" presetSubtype="0" fill="hold" nodeType="clickEffect">
-                                  <p:stCondLst>
-                                    <p:cond delay="0"/>
-                                  </p:stCondLst>
-                                  <p:childTnLst>
-                                    <p:set>
-                                      <p:cBhvr>
-                                        <p:cTn id="34" dur="1" fill="hold">
-                                          <p:stCondLst>
-                                            <p:cond delay="0"/>
-                                          </p:stCondLst>
-                                        </p:cTn>
-                                        <p:tgtEl>
-                                          <p:spTgt spid="16">
-                                            <p:txEl>
-                                              <p:pRg st="4" end="4"/>
-                                            </p:txEl>
-                                          </p:spTgt>
-                                        </p:tgtEl>
-                                        <p:attrNameLst>
-                                          <p:attrName>style.visibility</p:attrName>
-                                        </p:attrNameLst>
-                                      </p:cBhvr>
-                                      <p:to>
-                                        <p:strVal val="visible"/>
-                                      </p:to>
-                                    </p:set>
-                                    <p:animEffect transition="in" filter="fade">
-                                      <p:cBhvr>
-                                        <p:cTn id="35" dur="1000"/>
-                                        <p:tgtEl>
-                                          <p:spTgt spid="16">
-                                            <p:txEl>
-                                              <p:pRg st="4" end="4"/>
-                                            </p:txEl>
-                                          </p:spTgt>
-                                        </p:tgtEl>
-                                      </p:cBhvr>
-                                    </p:animEffect>
-                                    <p:anim calcmode="lin" valueType="num">
-                                      <p:cBhvr>
-                                        <p:cTn id="36" dur="1000" fill="hold"/>
-                                        <p:tgtEl>
-                                          <p:spTgt spid="16">
-                                            <p:txEl>
-                                              <p:pRg st="4" end="4"/>
-                                            </p:txEl>
-                                          </p:spTgt>
-                                        </p:tgtEl>
-                                        <p:attrNameLst>
-                                          <p:attrName>ppt_x</p:attrName>
-                                        </p:attrNameLst>
-                                      </p:cBhvr>
-                                      <p:tavLst>
-                                        <p:tav tm="0">
-                                          <p:val>
-                                            <p:strVal val="#ppt_x"/>
-                                          </p:val>
-                                        </p:tav>
-                                        <p:tav tm="100000">
-                                          <p:val>
-                                            <p:strVal val="#ppt_x"/>
-                                          </p:val>
-                                        </p:tav>
-                                      </p:tavLst>
-                                    </p:anim>
-                                    <p:anim calcmode="lin" valueType="num">
-                                      <p:cBhvr>
-                                        <p:cTn id="37" dur="1000" fill="hold"/>
-                                        <p:tgtEl>
-                                          <p:spTgt spid="16">
-                                            <p:txEl>
-                                              <p:pRg st="4" end="4"/>
-                                            </p:txEl>
-                                          </p:spTgt>
-                                        </p:tgtEl>
-                                        <p:attrNameLst>
-                                          <p:attrName>ppt_y</p:attrName>
-                                        </p:attrNameLst>
-                                      </p:cBhvr>
-                                      <p:tavLst>
-                                        <p:tav tm="0">
-                                          <p:val>
-                                            <p:strVal val="#ppt_y+.1"/>
-                                          </p:val>
-                                        </p:tav>
-                                        <p:tav tm="100000">
-                                          <p:val>
-                                            <p:strVal val="#ppt_y"/>
-                                          </p:val>
-                                        </p:tav>
-                                      </p:tavLst>
-                                    </p:anim>
-                                  </p:childTnLst>
-                                </p:cTn>
-                              </p:par>
-                            </p:childTnLst>
-                          </p:cTn>
-                        </p:par>
-                      </p:childTnLst>
-                    </p:cTn>
-                  </p:par>
-                  <p:par>
-                    <p:cTn id="38" fill="hold">
-                      <p:stCondLst>
-                        <p:cond delay="indefinite"/>
-                      </p:stCondLst>
-                      <p:childTnLst>
-                        <p:par>
-                          <p:cTn id="39" fill="hold">
-                            <p:stCondLst>
-                              <p:cond delay="0"/>
-                            </p:stCondLst>
-                            <p:childTnLst>
-                              <p:par>
-                                <p:cTn id="40" presetID="42" presetClass="entr" presetSubtype="0" fill="hold" nodeType="clickEffect">
-                                  <p:stCondLst>
-                                    <p:cond delay="0"/>
-                                  </p:stCondLst>
-                                  <p:childTnLst>
-                                    <p:set>
-                                      <p:cBhvr>
-                                        <p:cTn id="41" dur="1" fill="hold">
-                                          <p:stCondLst>
-                                            <p:cond delay="0"/>
-                                          </p:stCondLst>
-                                        </p:cTn>
-                                        <p:tgtEl>
-                                          <p:spTgt spid="16">
-                                            <p:txEl>
-                                              <p:pRg st="5" end="5"/>
-                                            </p:txEl>
-                                          </p:spTgt>
-                                        </p:tgtEl>
-                                        <p:attrNameLst>
-                                          <p:attrName>style.visibility</p:attrName>
-                                        </p:attrNameLst>
-                                      </p:cBhvr>
-                                      <p:to>
-                                        <p:strVal val="visible"/>
-                                      </p:to>
-                                    </p:set>
-                                    <p:animEffect transition="in" filter="fade">
-                                      <p:cBhvr>
-                                        <p:cTn id="42" dur="1000"/>
-                                        <p:tgtEl>
-                                          <p:spTgt spid="16">
-                                            <p:txEl>
-                                              <p:pRg st="5" end="5"/>
-                                            </p:txEl>
-                                          </p:spTgt>
-                                        </p:tgtEl>
-                                      </p:cBhvr>
-                                    </p:animEffect>
-                                    <p:anim calcmode="lin" valueType="num">
-                                      <p:cBhvr>
-                                        <p:cTn id="43" dur="1000" fill="hold"/>
-                                        <p:tgtEl>
-                                          <p:spTgt spid="16">
-                                            <p:txEl>
-                                              <p:pRg st="5" end="5"/>
-                                            </p:txEl>
-                                          </p:spTgt>
-                                        </p:tgtEl>
-                                        <p:attrNameLst>
-                                          <p:attrName>ppt_x</p:attrName>
-                                        </p:attrNameLst>
-                                      </p:cBhvr>
-                                      <p:tavLst>
-                                        <p:tav tm="0">
-                                          <p:val>
-                                            <p:strVal val="#ppt_x"/>
-                                          </p:val>
-                                        </p:tav>
-                                        <p:tav tm="100000">
-                                          <p:val>
-                                            <p:strVal val="#ppt_x"/>
-                                          </p:val>
-                                        </p:tav>
-                                      </p:tavLst>
-                                    </p:anim>
-                                    <p:anim calcmode="lin" valueType="num">
-                                      <p:cBhvr>
-                                        <p:cTn id="44" dur="1000" fill="hold"/>
-                                        <p:tgtEl>
-                                          <p:spTgt spid="16">
-                                            <p:txEl>
-                                              <p:pRg st="5" end="5"/>
-                                            </p:txEl>
-                                          </p:spTgt>
-                                        </p:tgtEl>
-                                        <p:attrNameLst>
-                                          <p:attrName>ppt_y</p:attrName>
-                                        </p:attrNameLst>
-                                      </p:cBhvr>
-                                      <p:tavLst>
-                                        <p:tav tm="0">
-                                          <p:val>
-                                            <p:strVal val="#ppt_y+.1"/>
-                                          </p:val>
-                                        </p:tav>
-                                        <p:tav tm="100000">
-                                          <p:val>
-                                            <p:strVal val="#ppt_y"/>
-                                          </p:val>
-                                        </p:tav>
-                                      </p:tavLst>
-                                    </p:anim>
-                                  </p:childTnLst>
-                                </p:cTn>
-                              </p:par>
-                            </p:childTnLst>
-                          </p:cTn>
-                        </p:par>
-                      </p:childTnLst>
-                    </p:cTn>
-                  </p:par>
-                </p:childTnLst>
-              </p:cTn>
-              <p:prevCondLst>
-                <p:cond evt="onPrev" delay="0">
-                  <p:tgtEl>
-                    <p:sldTgt/>
-                  </p:tgtEl>
-                </p:cond>
-              </p:prevCondLst>
-              <p:nextCondLst>
-                <p:cond evt="onNext" delay="0">
-                  <p:tgtEl>
-                    <p:sldTgt/>
-                  </p:tgtEl>
-                </p:cond>
-              </p:nextCondLst>
-            </p:seq>
-          </p:childTnLst>
-        </p:cTn>
-      </p:par>
-    </p:tnLst>
-  </p:timing>
 </p:sld>
 </file>
 
@@ -9351,20 +5717,14 @@
       </p:grpSpPr>
       <p:sp>
         <p:nvSpPr>
-          <p:cNvPr id="16" name="TextBox 15">
-            <a:extLst>
-              <a:ext uri="{FF2B5EF4-FFF2-40B4-BE49-F238E27FC236}">
-                <a16:creationId xmlns:a16="http://schemas.microsoft.com/office/drawing/2014/main" id="{F3C361BF-56FA-49B6-8AC9-D82FCF7EE719}"/>
-              </a:ext>
-            </a:extLst>
-          </p:cNvPr>
+          <p:cNvPr id="16" name="TextBox 15"/>
           <p:cNvSpPr txBox="1"/>
           <p:nvPr/>
         </p:nvSpPr>
         <p:spPr>
           <a:xfrm>
             <a:off x="4379638" y="2516607"/>
-            <a:ext cx="7289448" cy="1210835"/>
+            <a:ext cx="7289448" cy="1226185"/>
           </a:xfrm>
           <a:prstGeom prst="rect">
             <a:avLst/>
@@ -9387,24 +5747,24 @@
             </a:pPr>
             <a:r>
               <a:rPr lang="az-Latn-AZ" sz="1400" b="1" dirty="0">
-                <a:latin typeface="Constantia" panose="02030602050306030303" pitchFamily="18" charset="0"/>
+                <a:cs typeface="Constantia" panose="02030602050306030303" pitchFamily="18" charset="0"/>
               </a:rPr>
               <a:t>Sparro</a:t>
             </a:r>
             <a:r>
               <a:rPr lang="en-US" sz="1400" b="1" dirty="0">
-                <a:latin typeface="Constantia" panose="02030602050306030303" pitchFamily="18" charset="0"/>
+                <a:cs typeface="Constantia" panose="02030602050306030303" pitchFamily="18" charset="0"/>
               </a:rPr>
               <a:t>w </a:t>
             </a:r>
             <a:r>
               <a:rPr lang="az-Latn-AZ" sz="1400" b="1" dirty="0">
-                <a:latin typeface="Constantia" panose="02030602050306030303" pitchFamily="18" charset="0"/>
+                <a:cs typeface="Constantia" panose="02030602050306030303" pitchFamily="18" charset="0"/>
               </a:rPr>
               <a:t>hansı problem və ya problemləri həll edir ?</a:t>
             </a:r>
             <a:endParaRPr lang="en-US" sz="1400" b="1" dirty="0">
-              <a:latin typeface="Constantia" panose="02030602050306030303" pitchFamily="18" charset="0"/>
+              <a:cs typeface="Constantia" panose="02030602050306030303" pitchFamily="18" charset="0"/>
             </a:endParaRPr>
           </a:p>
           <a:p>
@@ -9417,7 +5777,7 @@
               </a:spcBef>
             </a:pPr>
             <a:endParaRPr lang="en-US" sz="1000" b="1" dirty="0">
-              <a:latin typeface="Constantia" panose="02030602050306030303" pitchFamily="18" charset="0"/>
+              <a:cs typeface="Constantia" panose="02030602050306030303" pitchFamily="18" charset="0"/>
             </a:endParaRPr>
           </a:p>
           <a:p>
@@ -9436,6 +5796,7 @@
                     <a:alpha val="70000"/>
                   </a:schemeClr>
                 </a:solidFill>
+                <a:cs typeface="Constantia" panose="02030602050306030303" pitchFamily="18" charset="0"/>
               </a:rPr>
               <a:t>Sparro</a:t>
             </a:r>
@@ -9446,6 +5807,7 @@
                     <a:alpha val="70000"/>
                   </a:schemeClr>
                 </a:solidFill>
+                <a:cs typeface="Constantia" panose="02030602050306030303" pitchFamily="18" charset="0"/>
               </a:rPr>
               <a:t>w</a:t>
             </a:r>
@@ -9456,6 +5818,7 @@
                     <a:alpha val="70000"/>
                   </a:schemeClr>
                 </a:solidFill>
+                <a:cs typeface="Constantia" panose="02030602050306030303" pitchFamily="18" charset="0"/>
               </a:rPr>
               <a:t>  </a:t>
             </a:r>
@@ -9466,6 +5829,7 @@
                     <a:alpha val="70000"/>
                   </a:schemeClr>
                 </a:solidFill>
+                <a:cs typeface="Constantia" panose="02030602050306030303" pitchFamily="18" charset="0"/>
               </a:rPr>
               <a:t>-da istifadəçilər gərəksiz informasiyalardan qorunaraq seçilib sayılan dəyərli səsli informasiyaları həftədə 7 gün 24 saat ərzində online şəkildə təqdim edilir. Hazırda online şəkildə musiqlər və radio kanalları əl çatandır.</a:t>
             </a:r>
@@ -9474,20 +5838,14 @@
       </p:sp>
       <p:pic>
         <p:nvPicPr>
-          <p:cNvPr id="20" name="Picture 19">
-            <a:extLst>
-              <a:ext uri="{FF2B5EF4-FFF2-40B4-BE49-F238E27FC236}">
-                <a16:creationId xmlns:a16="http://schemas.microsoft.com/office/drawing/2014/main" id="{19C8360B-14BC-35FE-C9E0-FE5362ED9BA9}"/>
-              </a:ext>
-            </a:extLst>
-          </p:cNvPr>
+          <p:cNvPr id="20" name="Picture 19"/>
           <p:cNvPicPr>
             <a:picLocks noChangeAspect="1"/>
           </p:cNvPicPr>
           <p:nvPr/>
         </p:nvPicPr>
         <p:blipFill>
-          <a:blip r:embed="rId2">
+          <a:blip r:embed="rId2" cstate="print">
             <a:extLst>
               <a:ext uri="{28A0092B-C50C-407E-A947-70E740481C1C}">
                 <a14:useLocalDpi xmlns:a14="http://schemas.microsoft.com/office/drawing/2010/main" val="0"/>
@@ -9509,11 +5867,6 @@
         </p:spPr>
       </p:pic>
     </p:spTree>
-    <p:extLst>
-      <p:ext uri="{BB962C8B-B14F-4D97-AF65-F5344CB8AC3E}">
-        <p14:creationId xmlns:p14="http://schemas.microsoft.com/office/powerpoint/2010/main" val="4052145519"/>
-      </p:ext>
-    </p:extLst>
   </p:cSld>
   <p:clrMapOvr>
     <a:masterClrMapping/>
@@ -9530,365 +5883,6 @@
       </p:transition>
     </mc:Fallback>
   </mc:AlternateContent>
-  <p:timing>
-    <p:tnLst>
-      <p:par>
-        <p:cTn id="1" dur="indefinite" restart="never" nodeType="tmRoot">
-          <p:childTnLst>
-            <p:seq concurrent="1" nextAc="seek">
-              <p:cTn id="2" dur="indefinite" nodeType="mainSeq">
-                <p:childTnLst>
-                  <p:par>
-                    <p:cTn id="3" fill="hold">
-                      <p:stCondLst>
-                        <p:cond delay="indefinite"/>
-                      </p:stCondLst>
-                      <p:childTnLst>
-                        <p:par>
-                          <p:cTn id="4" fill="hold">
-                            <p:stCondLst>
-                              <p:cond delay="0"/>
-                            </p:stCondLst>
-                            <p:childTnLst>
-                              <p:par>
-                                <p:cTn id="5" presetID="53" presetClass="entr" presetSubtype="16" fill="hold" nodeType="clickEffect">
-                                  <p:stCondLst>
-                                    <p:cond delay="0"/>
-                                  </p:stCondLst>
-                                  <p:childTnLst>
-                                    <p:set>
-                                      <p:cBhvr>
-                                        <p:cTn id="6" dur="1" fill="hold">
-                                          <p:stCondLst>
-                                            <p:cond delay="0"/>
-                                          </p:stCondLst>
-                                        </p:cTn>
-                                        <p:tgtEl>
-                                          <p:spTgt spid="20"/>
-                                        </p:tgtEl>
-                                        <p:attrNameLst>
-                                          <p:attrName>style.visibility</p:attrName>
-                                        </p:attrNameLst>
-                                      </p:cBhvr>
-                                      <p:to>
-                                        <p:strVal val="visible"/>
-                                      </p:to>
-                                    </p:set>
-                                    <p:anim calcmode="lin" valueType="num">
-                                      <p:cBhvr>
-                                        <p:cTn id="7" dur="500" fill="hold"/>
-                                        <p:tgtEl>
-                                          <p:spTgt spid="20"/>
-                                        </p:tgtEl>
-                                        <p:attrNameLst>
-                                          <p:attrName>ppt_w</p:attrName>
-                                        </p:attrNameLst>
-                                      </p:cBhvr>
-                                      <p:tavLst>
-                                        <p:tav tm="0">
-                                          <p:val>
-                                            <p:fltVal val="0"/>
-                                          </p:val>
-                                        </p:tav>
-                                        <p:tav tm="100000">
-                                          <p:val>
-                                            <p:strVal val="#ppt_w"/>
-                                          </p:val>
-                                        </p:tav>
-                                      </p:tavLst>
-                                    </p:anim>
-                                    <p:anim calcmode="lin" valueType="num">
-                                      <p:cBhvr>
-                                        <p:cTn id="8" dur="500" fill="hold"/>
-                                        <p:tgtEl>
-                                          <p:spTgt spid="20"/>
-                                        </p:tgtEl>
-                                        <p:attrNameLst>
-                                          <p:attrName>ppt_h</p:attrName>
-                                        </p:attrNameLst>
-                                      </p:cBhvr>
-                                      <p:tavLst>
-                                        <p:tav tm="0">
-                                          <p:val>
-                                            <p:fltVal val="0"/>
-                                          </p:val>
-                                        </p:tav>
-                                        <p:tav tm="100000">
-                                          <p:val>
-                                            <p:strVal val="#ppt_h"/>
-                                          </p:val>
-                                        </p:tav>
-                                      </p:tavLst>
-                                    </p:anim>
-                                    <p:animEffect transition="in" filter="fade">
-                                      <p:cBhvr>
-                                        <p:cTn id="9" dur="500"/>
-                                        <p:tgtEl>
-                                          <p:spTgt spid="20"/>
-                                        </p:tgtEl>
-                                      </p:cBhvr>
-                                    </p:animEffect>
-                                  </p:childTnLst>
-                                </p:cTn>
-                              </p:par>
-                            </p:childTnLst>
-                          </p:cTn>
-                        </p:par>
-                      </p:childTnLst>
-                    </p:cTn>
-                  </p:par>
-                  <p:par>
-                    <p:cTn id="10" fill="hold">
-                      <p:stCondLst>
-                        <p:cond delay="indefinite"/>
-                      </p:stCondLst>
-                      <p:childTnLst>
-                        <p:par>
-                          <p:cTn id="11" fill="hold">
-                            <p:stCondLst>
-                              <p:cond delay="0"/>
-                            </p:stCondLst>
-                            <p:childTnLst>
-                              <p:par>
-                                <p:cTn id="12" presetID="42" presetClass="entr" presetSubtype="0" fill="hold" nodeType="clickEffect">
-                                  <p:stCondLst>
-                                    <p:cond delay="0"/>
-                                  </p:stCondLst>
-                                  <p:childTnLst>
-                                    <p:set>
-                                      <p:cBhvr>
-                                        <p:cTn id="13" dur="1" fill="hold">
-                                          <p:stCondLst>
-                                            <p:cond delay="0"/>
-                                          </p:stCondLst>
-                                        </p:cTn>
-                                        <p:tgtEl>
-                                          <p:spTgt spid="16">
-                                            <p:txEl>
-                                              <p:pRg st="0" end="0"/>
-                                            </p:txEl>
-                                          </p:spTgt>
-                                        </p:tgtEl>
-                                        <p:attrNameLst>
-                                          <p:attrName>style.visibility</p:attrName>
-                                        </p:attrNameLst>
-                                      </p:cBhvr>
-                                      <p:to>
-                                        <p:strVal val="visible"/>
-                                      </p:to>
-                                    </p:set>
-                                    <p:animEffect transition="in" filter="fade">
-                                      <p:cBhvr>
-                                        <p:cTn id="14" dur="1000"/>
-                                        <p:tgtEl>
-                                          <p:spTgt spid="16">
-                                            <p:txEl>
-                                              <p:pRg st="0" end="0"/>
-                                            </p:txEl>
-                                          </p:spTgt>
-                                        </p:tgtEl>
-                                      </p:cBhvr>
-                                    </p:animEffect>
-                                    <p:anim calcmode="lin" valueType="num">
-                                      <p:cBhvr>
-                                        <p:cTn id="15" dur="1000" fill="hold"/>
-                                        <p:tgtEl>
-                                          <p:spTgt spid="16">
-                                            <p:txEl>
-                                              <p:pRg st="0" end="0"/>
-                                            </p:txEl>
-                                          </p:spTgt>
-                                        </p:tgtEl>
-                                        <p:attrNameLst>
-                                          <p:attrName>ppt_x</p:attrName>
-                                        </p:attrNameLst>
-                                      </p:cBhvr>
-                                      <p:tavLst>
-                                        <p:tav tm="0">
-                                          <p:val>
-                                            <p:strVal val="#ppt_x"/>
-                                          </p:val>
-                                        </p:tav>
-                                        <p:tav tm="100000">
-                                          <p:val>
-                                            <p:strVal val="#ppt_x"/>
-                                          </p:val>
-                                        </p:tav>
-                                      </p:tavLst>
-                                    </p:anim>
-                                    <p:anim calcmode="lin" valueType="num">
-                                      <p:cBhvr>
-                                        <p:cTn id="16" dur="1000" fill="hold"/>
-                                        <p:tgtEl>
-                                          <p:spTgt spid="16">
-                                            <p:txEl>
-                                              <p:pRg st="0" end="0"/>
-                                            </p:txEl>
-                                          </p:spTgt>
-                                        </p:tgtEl>
-                                        <p:attrNameLst>
-                                          <p:attrName>ppt_y</p:attrName>
-                                        </p:attrNameLst>
-                                      </p:cBhvr>
-                                      <p:tavLst>
-                                        <p:tav tm="0">
-                                          <p:val>
-                                            <p:strVal val="#ppt_y+.1"/>
-                                          </p:val>
-                                        </p:tav>
-                                        <p:tav tm="100000">
-                                          <p:val>
-                                            <p:strVal val="#ppt_y"/>
-                                          </p:val>
-                                        </p:tav>
-                                      </p:tavLst>
-                                    </p:anim>
-                                  </p:childTnLst>
-                                </p:cTn>
-                              </p:par>
-                            </p:childTnLst>
-                          </p:cTn>
-                        </p:par>
-                      </p:childTnLst>
-                    </p:cTn>
-                  </p:par>
-                  <p:par>
-                    <p:cTn id="17" fill="hold">
-                      <p:stCondLst>
-                        <p:cond delay="indefinite"/>
-                      </p:stCondLst>
-                      <p:childTnLst>
-                        <p:par>
-                          <p:cTn id="18" fill="hold">
-                            <p:stCondLst>
-                              <p:cond delay="0"/>
-                            </p:stCondLst>
-                            <p:childTnLst>
-                              <p:par>
-                                <p:cTn id="19" presetID="42" presetClass="entr" presetSubtype="0" fill="hold" nodeType="clickEffect">
-                                  <p:stCondLst>
-                                    <p:cond delay="0"/>
-                                  </p:stCondLst>
-                                  <p:childTnLst>
-                                    <p:set>
-                                      <p:cBhvr>
-                                        <p:cTn id="20" dur="1" fill="hold">
-                                          <p:stCondLst>
-                                            <p:cond delay="0"/>
-                                          </p:stCondLst>
-                                        </p:cTn>
-                                        <p:tgtEl>
-                                          <p:spTgt spid="16">
-                                            <p:txEl>
-                                              <p:pRg st="2" end="2"/>
-                                            </p:txEl>
-                                          </p:spTgt>
-                                        </p:tgtEl>
-                                        <p:attrNameLst>
-                                          <p:attrName>style.visibility</p:attrName>
-                                        </p:attrNameLst>
-                                      </p:cBhvr>
-                                      <p:to>
-                                        <p:strVal val="visible"/>
-                                      </p:to>
-                                    </p:set>
-                                    <p:animEffect transition="in" filter="fade">
-                                      <p:cBhvr>
-                                        <p:cTn id="21" dur="1000"/>
-                                        <p:tgtEl>
-                                          <p:spTgt spid="16">
-                                            <p:txEl>
-                                              <p:pRg st="2" end="2"/>
-                                            </p:txEl>
-                                          </p:spTgt>
-                                        </p:tgtEl>
-                                      </p:cBhvr>
-                                    </p:animEffect>
-                                    <p:anim calcmode="lin" valueType="num">
-                                      <p:cBhvr>
-                                        <p:cTn id="22" dur="1000" fill="hold"/>
-                                        <p:tgtEl>
-                                          <p:spTgt spid="16">
-                                            <p:txEl>
-                                              <p:pRg st="2" end="2"/>
-                                            </p:txEl>
-                                          </p:spTgt>
-                                        </p:tgtEl>
-                                        <p:attrNameLst>
-                                          <p:attrName>ppt_x</p:attrName>
-                                        </p:attrNameLst>
-                                      </p:cBhvr>
-                                      <p:tavLst>
-                                        <p:tav tm="0">
-                                          <p:val>
-                                            <p:strVal val="#ppt_x"/>
-                                          </p:val>
-                                        </p:tav>
-                                        <p:tav tm="100000">
-                                          <p:val>
-                                            <p:strVal val="#ppt_x"/>
-                                          </p:val>
-                                        </p:tav>
-                                      </p:tavLst>
-                                    </p:anim>
-                                    <p:anim calcmode="lin" valueType="num">
-                                      <p:cBhvr>
-                                        <p:cTn id="23" dur="1000" fill="hold"/>
-                                        <p:tgtEl>
-                                          <p:spTgt spid="16">
-                                            <p:txEl>
-                                              <p:pRg st="2" end="2"/>
-                                            </p:txEl>
-                                          </p:spTgt>
-                                        </p:tgtEl>
-                                        <p:attrNameLst>
-                                          <p:attrName>ppt_y</p:attrName>
-                                        </p:attrNameLst>
-                                      </p:cBhvr>
-                                      <p:tavLst>
-                                        <p:tav tm="0">
-                                          <p:val>
-                                            <p:strVal val="#ppt_y+.1"/>
-                                          </p:val>
-                                        </p:tav>
-                                        <p:tav tm="100000">
-                                          <p:val>
-                                            <p:strVal val="#ppt_y"/>
-                                          </p:val>
-                                        </p:tav>
-                                      </p:tavLst>
-                                    </p:anim>
-                                  </p:childTnLst>
-                                </p:cTn>
-                              </p:par>
-                            </p:childTnLst>
-                          </p:cTn>
-                        </p:par>
-                      </p:childTnLst>
-                    </p:cTn>
-                  </p:par>
-                </p:childTnLst>
-              </p:cTn>
-              <p:prevCondLst>
-                <p:cond evt="onPrev" delay="0">
-                  <p:tgtEl>
-                    <p:sldTgt/>
-                  </p:tgtEl>
-                </p:cond>
-              </p:prevCondLst>
-              <p:nextCondLst>
-                <p:cond evt="onNext" delay="0">
-                  <p:tgtEl>
-                    <p:sldTgt/>
-                  </p:tgtEl>
-                </p:cond>
-              </p:nextCondLst>
-            </p:seq>
-          </p:childTnLst>
-        </p:cTn>
-      </p:par>
-    </p:tnLst>
-  </p:timing>
 </p:sld>
 </file>
 
@@ -9911,20 +5905,14 @@
       </p:grpSpPr>
       <p:sp>
         <p:nvSpPr>
-          <p:cNvPr id="16" name="TextBox 15">
-            <a:extLst>
-              <a:ext uri="{FF2B5EF4-FFF2-40B4-BE49-F238E27FC236}">
-                <a16:creationId xmlns:a16="http://schemas.microsoft.com/office/drawing/2014/main" id="{F3C361BF-56FA-49B6-8AC9-D82FCF7EE719}"/>
-              </a:ext>
-            </a:extLst>
-          </p:cNvPr>
+          <p:cNvPr id="16" name="TextBox 15"/>
           <p:cNvSpPr txBox="1"/>
           <p:nvPr/>
         </p:nvSpPr>
         <p:spPr>
           <a:xfrm>
             <a:off x="3691739" y="1974034"/>
-            <a:ext cx="7728471" cy="2727661"/>
+            <a:ext cx="7728471" cy="2728495"/>
           </a:xfrm>
           <a:prstGeom prst="rect">
             <a:avLst/>
@@ -9947,24 +5935,24 @@
             </a:pPr>
             <a:r>
               <a:rPr lang="az-Latn-AZ" sz="1400" b="1" dirty="0">
-                <a:latin typeface="Constantia" panose="02030602050306030303" pitchFamily="18" charset="0"/>
+                <a:cs typeface="Constantia" panose="02030602050306030303" pitchFamily="18" charset="0"/>
               </a:rPr>
               <a:t>Sparro</a:t>
             </a:r>
             <a:r>
               <a:rPr lang="en-US" sz="1400" b="1" dirty="0">
-                <a:latin typeface="Constantia" panose="02030602050306030303" pitchFamily="18" charset="0"/>
+                <a:cs typeface="Constantia" panose="02030602050306030303" pitchFamily="18" charset="0"/>
               </a:rPr>
               <a:t>w </a:t>
             </a:r>
             <a:r>
               <a:rPr lang="az-Latn-AZ" sz="1400" b="1" dirty="0">
-                <a:latin typeface="Constantia" panose="02030602050306030303" pitchFamily="18" charset="0"/>
+                <a:cs typeface="Constantia" panose="02030602050306030303" pitchFamily="18" charset="0"/>
               </a:rPr>
               <a:t>hansı potensialları özündə cəmləyir?</a:t>
             </a:r>
             <a:endParaRPr lang="en-US" sz="1400" b="1" dirty="0">
-              <a:latin typeface="Constantia" panose="02030602050306030303" pitchFamily="18" charset="0"/>
+              <a:cs typeface="Constantia" panose="02030602050306030303" pitchFamily="18" charset="0"/>
             </a:endParaRPr>
           </a:p>
           <a:p>
@@ -9977,7 +5965,7 @@
               </a:spcBef>
             </a:pPr>
             <a:endParaRPr lang="en-US" sz="1000" b="1" dirty="0">
-              <a:latin typeface="Constantia" panose="02030602050306030303" pitchFamily="18" charset="0"/>
+              <a:cs typeface="Constantia" panose="02030602050306030303" pitchFamily="18" charset="0"/>
             </a:endParaRPr>
           </a:p>
           <a:p>
@@ -9996,6 +5984,7 @@
                     <a:alpha val="70000"/>
                   </a:schemeClr>
                 </a:solidFill>
+                <a:cs typeface="Constantia" panose="02030602050306030303" pitchFamily="18" charset="0"/>
               </a:rPr>
               <a:t>Sparro</a:t>
             </a:r>
@@ -10006,6 +5995,7 @@
                     <a:alpha val="70000"/>
                   </a:schemeClr>
                 </a:solidFill>
+                <a:cs typeface="Constantia" panose="02030602050306030303" pitchFamily="18" charset="0"/>
               </a:rPr>
               <a:t>w</a:t>
             </a:r>
@@ -10016,6 +6006,7 @@
                     <a:alpha val="70000"/>
                   </a:schemeClr>
                 </a:solidFill>
+                <a:cs typeface="Constantia" panose="02030602050306030303" pitchFamily="18" charset="0"/>
               </a:rPr>
               <a:t> istifadəçilərdən illik abunə şəklində ödəniş əldə etməklə gəlir və xərclərini qarşılaya bilər. Bu da </a:t>
             </a:r>
@@ -10026,6 +6017,7 @@
                     <a:alpha val="70000"/>
                   </a:schemeClr>
                 </a:solidFill>
+                <a:cs typeface="Constantia" panose="02030602050306030303" pitchFamily="18" charset="0"/>
               </a:rPr>
               <a:t>Sparro</a:t>
             </a:r>
@@ -10036,6 +6028,7 @@
                     <a:alpha val="70000"/>
                   </a:schemeClr>
                 </a:solidFill>
+                <a:cs typeface="Constantia" panose="02030602050306030303" pitchFamily="18" charset="0"/>
               </a:rPr>
               <a:t>w</a:t>
             </a:r>
@@ -10046,6 +6039,7 @@
                     <a:alpha val="70000"/>
                   </a:schemeClr>
                 </a:solidFill>
+                <a:cs typeface="Constantia" panose="02030602050306030303" pitchFamily="18" charset="0"/>
               </a:rPr>
               <a:t>  proqramını Türk Dünyasında kök ataraq bütün dünyaya yayılma imkanına şərait yarada bilər. Bununla Türk Dünyasından milli və ümumbəşər dəyərlərə xidmət edən layihə işıq üzü görməklə Dünya Tarixində əvəzsiz yer edə bilər.</a:t>
             </a:r>
@@ -10065,6 +6059,7 @@
                   <a:alpha val="70000"/>
                 </a:schemeClr>
               </a:solidFill>
+              <a:cs typeface="Constantia" panose="02030602050306030303" pitchFamily="18" charset="0"/>
             </a:endParaRPr>
           </a:p>
           <a:p>
@@ -10083,6 +6078,7 @@
                     <a:alpha val="70000"/>
                   </a:schemeClr>
                 </a:solidFill>
+                <a:cs typeface="Constantia" panose="02030602050306030303" pitchFamily="18" charset="0"/>
               </a:rPr>
               <a:t>İnformasiya sahəsində əsl ziyallı insanların itirilmiş mövqelərində möhkəmlənməsində ümid və təkan verici rol oynaya bilər. Bununla daha aydın və sorğulayan toplumun yetişməsi ilə əsl sabit və dinamik inkişafda pay sahibi ola bilər. Dini və ya dünyəvi xurafatçıların təsir dairəsini olduqca ciddi şəkildə sarsmaqla toplumun xurafatçılardan təmizlənməsində  çox ciddi rol oynaya bilər.</a:t>
             </a:r>
@@ -10091,20 +6087,14 @@
       </p:sp>
       <p:pic>
         <p:nvPicPr>
-          <p:cNvPr id="20" name="Picture 19">
-            <a:extLst>
-              <a:ext uri="{FF2B5EF4-FFF2-40B4-BE49-F238E27FC236}">
-                <a16:creationId xmlns:a16="http://schemas.microsoft.com/office/drawing/2014/main" id="{19C8360B-14BC-35FE-C9E0-FE5362ED9BA9}"/>
-              </a:ext>
-            </a:extLst>
-          </p:cNvPr>
+          <p:cNvPr id="20" name="Picture 19"/>
           <p:cNvPicPr>
             <a:picLocks noChangeAspect="1"/>
           </p:cNvPicPr>
           <p:nvPr/>
         </p:nvPicPr>
         <p:blipFill>
-          <a:blip r:embed="rId2">
+          <a:blip r:embed="rId2" cstate="print">
             <a:extLst>
               <a:ext uri="{28A0092B-C50C-407E-A947-70E740481C1C}">
                 <a14:useLocalDpi xmlns:a14="http://schemas.microsoft.com/office/drawing/2010/main" val="0"/>
@@ -10126,11 +6116,6 @@
         </p:spPr>
       </p:pic>
     </p:spTree>
-    <p:extLst>
-      <p:ext uri="{BB962C8B-B14F-4D97-AF65-F5344CB8AC3E}">
-        <p14:creationId xmlns:p14="http://schemas.microsoft.com/office/powerpoint/2010/main" val="1394553950"/>
-      </p:ext>
-    </p:extLst>
   </p:cSld>
   <p:clrMapOvr>
     <a:masterClrMapping/>
@@ -10147,480 +6132,6 @@
       </p:transition>
     </mc:Fallback>
   </mc:AlternateContent>
-  <p:timing>
-    <p:tnLst>
-      <p:par>
-        <p:cTn id="1" dur="indefinite" restart="never" nodeType="tmRoot">
-          <p:childTnLst>
-            <p:seq concurrent="1" nextAc="seek">
-              <p:cTn id="2" dur="indefinite" nodeType="mainSeq">
-                <p:childTnLst>
-                  <p:par>
-                    <p:cTn id="3" fill="hold">
-                      <p:stCondLst>
-                        <p:cond delay="indefinite"/>
-                      </p:stCondLst>
-                      <p:childTnLst>
-                        <p:par>
-                          <p:cTn id="4" fill="hold">
-                            <p:stCondLst>
-                              <p:cond delay="0"/>
-                            </p:stCondLst>
-                            <p:childTnLst>
-                              <p:par>
-                                <p:cTn id="5" presetID="53" presetClass="entr" presetSubtype="16" fill="hold" nodeType="clickEffect">
-                                  <p:stCondLst>
-                                    <p:cond delay="0"/>
-                                  </p:stCondLst>
-                                  <p:childTnLst>
-                                    <p:set>
-                                      <p:cBhvr>
-                                        <p:cTn id="6" dur="1" fill="hold">
-                                          <p:stCondLst>
-                                            <p:cond delay="0"/>
-                                          </p:stCondLst>
-                                        </p:cTn>
-                                        <p:tgtEl>
-                                          <p:spTgt spid="20"/>
-                                        </p:tgtEl>
-                                        <p:attrNameLst>
-                                          <p:attrName>style.visibility</p:attrName>
-                                        </p:attrNameLst>
-                                      </p:cBhvr>
-                                      <p:to>
-                                        <p:strVal val="visible"/>
-                                      </p:to>
-                                    </p:set>
-                                    <p:anim calcmode="lin" valueType="num">
-                                      <p:cBhvr>
-                                        <p:cTn id="7" dur="500" fill="hold"/>
-                                        <p:tgtEl>
-                                          <p:spTgt spid="20"/>
-                                        </p:tgtEl>
-                                        <p:attrNameLst>
-                                          <p:attrName>ppt_w</p:attrName>
-                                        </p:attrNameLst>
-                                      </p:cBhvr>
-                                      <p:tavLst>
-                                        <p:tav tm="0">
-                                          <p:val>
-                                            <p:fltVal val="0"/>
-                                          </p:val>
-                                        </p:tav>
-                                        <p:tav tm="100000">
-                                          <p:val>
-                                            <p:strVal val="#ppt_w"/>
-                                          </p:val>
-                                        </p:tav>
-                                      </p:tavLst>
-                                    </p:anim>
-                                    <p:anim calcmode="lin" valueType="num">
-                                      <p:cBhvr>
-                                        <p:cTn id="8" dur="500" fill="hold"/>
-                                        <p:tgtEl>
-                                          <p:spTgt spid="20"/>
-                                        </p:tgtEl>
-                                        <p:attrNameLst>
-                                          <p:attrName>ppt_h</p:attrName>
-                                        </p:attrNameLst>
-                                      </p:cBhvr>
-                                      <p:tavLst>
-                                        <p:tav tm="0">
-                                          <p:val>
-                                            <p:fltVal val="0"/>
-                                          </p:val>
-                                        </p:tav>
-                                        <p:tav tm="100000">
-                                          <p:val>
-                                            <p:strVal val="#ppt_h"/>
-                                          </p:val>
-                                        </p:tav>
-                                      </p:tavLst>
-                                    </p:anim>
-                                    <p:animEffect transition="in" filter="fade">
-                                      <p:cBhvr>
-                                        <p:cTn id="9" dur="500"/>
-                                        <p:tgtEl>
-                                          <p:spTgt spid="20"/>
-                                        </p:tgtEl>
-                                      </p:cBhvr>
-                                    </p:animEffect>
-                                  </p:childTnLst>
-                                </p:cTn>
-                              </p:par>
-                            </p:childTnLst>
-                          </p:cTn>
-                        </p:par>
-                      </p:childTnLst>
-                    </p:cTn>
-                  </p:par>
-                  <p:par>
-                    <p:cTn id="10" fill="hold">
-                      <p:stCondLst>
-                        <p:cond delay="indefinite"/>
-                      </p:stCondLst>
-                      <p:childTnLst>
-                        <p:par>
-                          <p:cTn id="11" fill="hold">
-                            <p:stCondLst>
-                              <p:cond delay="0"/>
-                            </p:stCondLst>
-                            <p:childTnLst>
-                              <p:par>
-                                <p:cTn id="12" presetID="42" presetClass="entr" presetSubtype="0" fill="hold" nodeType="clickEffect">
-                                  <p:stCondLst>
-                                    <p:cond delay="0"/>
-                                  </p:stCondLst>
-                                  <p:childTnLst>
-                                    <p:set>
-                                      <p:cBhvr>
-                                        <p:cTn id="13" dur="1" fill="hold">
-                                          <p:stCondLst>
-                                            <p:cond delay="0"/>
-                                          </p:stCondLst>
-                                        </p:cTn>
-                                        <p:tgtEl>
-                                          <p:spTgt spid="16">
-                                            <p:txEl>
-                                              <p:pRg st="0" end="0"/>
-                                            </p:txEl>
-                                          </p:spTgt>
-                                        </p:tgtEl>
-                                        <p:attrNameLst>
-                                          <p:attrName>style.visibility</p:attrName>
-                                        </p:attrNameLst>
-                                      </p:cBhvr>
-                                      <p:to>
-                                        <p:strVal val="visible"/>
-                                      </p:to>
-                                    </p:set>
-                                    <p:animEffect transition="in" filter="fade">
-                                      <p:cBhvr>
-                                        <p:cTn id="14" dur="1000"/>
-                                        <p:tgtEl>
-                                          <p:spTgt spid="16">
-                                            <p:txEl>
-                                              <p:pRg st="0" end="0"/>
-                                            </p:txEl>
-                                          </p:spTgt>
-                                        </p:tgtEl>
-                                      </p:cBhvr>
-                                    </p:animEffect>
-                                    <p:anim calcmode="lin" valueType="num">
-                                      <p:cBhvr>
-                                        <p:cTn id="15" dur="1000" fill="hold"/>
-                                        <p:tgtEl>
-                                          <p:spTgt spid="16">
-                                            <p:txEl>
-                                              <p:pRg st="0" end="0"/>
-                                            </p:txEl>
-                                          </p:spTgt>
-                                        </p:tgtEl>
-                                        <p:attrNameLst>
-                                          <p:attrName>ppt_x</p:attrName>
-                                        </p:attrNameLst>
-                                      </p:cBhvr>
-                                      <p:tavLst>
-                                        <p:tav tm="0">
-                                          <p:val>
-                                            <p:strVal val="#ppt_x"/>
-                                          </p:val>
-                                        </p:tav>
-                                        <p:tav tm="100000">
-                                          <p:val>
-                                            <p:strVal val="#ppt_x"/>
-                                          </p:val>
-                                        </p:tav>
-                                      </p:tavLst>
-                                    </p:anim>
-                                    <p:anim calcmode="lin" valueType="num">
-                                      <p:cBhvr>
-                                        <p:cTn id="16" dur="1000" fill="hold"/>
-                                        <p:tgtEl>
-                                          <p:spTgt spid="16">
-                                            <p:txEl>
-                                              <p:pRg st="0" end="0"/>
-                                            </p:txEl>
-                                          </p:spTgt>
-                                        </p:tgtEl>
-                                        <p:attrNameLst>
-                                          <p:attrName>ppt_y</p:attrName>
-                                        </p:attrNameLst>
-                                      </p:cBhvr>
-                                      <p:tavLst>
-                                        <p:tav tm="0">
-                                          <p:val>
-                                            <p:strVal val="#ppt_y+.1"/>
-                                          </p:val>
-                                        </p:tav>
-                                        <p:tav tm="100000">
-                                          <p:val>
-                                            <p:strVal val="#ppt_y"/>
-                                          </p:val>
-                                        </p:tav>
-                                      </p:tavLst>
-                                    </p:anim>
-                                  </p:childTnLst>
-                                </p:cTn>
-                              </p:par>
-                            </p:childTnLst>
-                          </p:cTn>
-                        </p:par>
-                      </p:childTnLst>
-                    </p:cTn>
-                  </p:par>
-                  <p:par>
-                    <p:cTn id="17" fill="hold">
-                      <p:stCondLst>
-                        <p:cond delay="indefinite"/>
-                      </p:stCondLst>
-                      <p:childTnLst>
-                        <p:par>
-                          <p:cTn id="18" fill="hold">
-                            <p:stCondLst>
-                              <p:cond delay="0"/>
-                            </p:stCondLst>
-                            <p:childTnLst>
-                              <p:par>
-                                <p:cTn id="19" presetID="42" presetClass="entr" presetSubtype="0" fill="hold" nodeType="clickEffect">
-                                  <p:stCondLst>
-                                    <p:cond delay="0"/>
-                                  </p:stCondLst>
-                                  <p:childTnLst>
-                                    <p:set>
-                                      <p:cBhvr>
-                                        <p:cTn id="20" dur="1" fill="hold">
-                                          <p:stCondLst>
-                                            <p:cond delay="0"/>
-                                          </p:stCondLst>
-                                        </p:cTn>
-                                        <p:tgtEl>
-                                          <p:spTgt spid="16">
-                                            <p:txEl>
-                                              <p:pRg st="2" end="2"/>
-                                            </p:txEl>
-                                          </p:spTgt>
-                                        </p:tgtEl>
-                                        <p:attrNameLst>
-                                          <p:attrName>style.visibility</p:attrName>
-                                        </p:attrNameLst>
-                                      </p:cBhvr>
-                                      <p:to>
-                                        <p:strVal val="visible"/>
-                                      </p:to>
-                                    </p:set>
-                                    <p:animEffect transition="in" filter="fade">
-                                      <p:cBhvr>
-                                        <p:cTn id="21" dur="1000"/>
-                                        <p:tgtEl>
-                                          <p:spTgt spid="16">
-                                            <p:txEl>
-                                              <p:pRg st="2" end="2"/>
-                                            </p:txEl>
-                                          </p:spTgt>
-                                        </p:tgtEl>
-                                      </p:cBhvr>
-                                    </p:animEffect>
-                                    <p:anim calcmode="lin" valueType="num">
-                                      <p:cBhvr>
-                                        <p:cTn id="22" dur="1000" fill="hold"/>
-                                        <p:tgtEl>
-                                          <p:spTgt spid="16">
-                                            <p:txEl>
-                                              <p:pRg st="2" end="2"/>
-                                            </p:txEl>
-                                          </p:spTgt>
-                                        </p:tgtEl>
-                                        <p:attrNameLst>
-                                          <p:attrName>ppt_x</p:attrName>
-                                        </p:attrNameLst>
-                                      </p:cBhvr>
-                                      <p:tavLst>
-                                        <p:tav tm="0">
-                                          <p:val>
-                                            <p:strVal val="#ppt_x"/>
-                                          </p:val>
-                                        </p:tav>
-                                        <p:tav tm="100000">
-                                          <p:val>
-                                            <p:strVal val="#ppt_x"/>
-                                          </p:val>
-                                        </p:tav>
-                                      </p:tavLst>
-                                    </p:anim>
-                                    <p:anim calcmode="lin" valueType="num">
-                                      <p:cBhvr>
-                                        <p:cTn id="23" dur="1000" fill="hold"/>
-                                        <p:tgtEl>
-                                          <p:spTgt spid="16">
-                                            <p:txEl>
-                                              <p:pRg st="2" end="2"/>
-                                            </p:txEl>
-                                          </p:spTgt>
-                                        </p:tgtEl>
-                                        <p:attrNameLst>
-                                          <p:attrName>ppt_y</p:attrName>
-                                        </p:attrNameLst>
-                                      </p:cBhvr>
-                                      <p:tavLst>
-                                        <p:tav tm="0">
-                                          <p:val>
-                                            <p:strVal val="#ppt_y+.1"/>
-                                          </p:val>
-                                        </p:tav>
-                                        <p:tav tm="100000">
-                                          <p:val>
-                                            <p:strVal val="#ppt_y"/>
-                                          </p:val>
-                                        </p:tav>
-                                      </p:tavLst>
-                                    </p:anim>
-                                  </p:childTnLst>
-                                </p:cTn>
-                              </p:par>
-                            </p:childTnLst>
-                          </p:cTn>
-                        </p:par>
-                      </p:childTnLst>
-                    </p:cTn>
-                  </p:par>
-                  <p:par>
-                    <p:cTn id="24" fill="hold">
-                      <p:stCondLst>
-                        <p:cond delay="indefinite"/>
-                      </p:stCondLst>
-                      <p:childTnLst>
-                        <p:par>
-                          <p:cTn id="25" fill="hold">
-                            <p:stCondLst>
-                              <p:cond delay="0"/>
-                            </p:stCondLst>
-                            <p:childTnLst>
-                              <p:par>
-                                <p:cTn id="26" presetID="42" presetClass="entr" presetSubtype="0" fill="hold" nodeType="clickEffect">
-                                  <p:stCondLst>
-                                    <p:cond delay="0"/>
-                                  </p:stCondLst>
-                                  <p:childTnLst>
-                                    <p:set>
-                                      <p:cBhvr>
-                                        <p:cTn id="27" dur="1" fill="hold">
-                                          <p:stCondLst>
-                                            <p:cond delay="0"/>
-                                          </p:stCondLst>
-                                        </p:cTn>
-                                        <p:tgtEl>
-                                          <p:spTgt spid="16">
-                                            <p:txEl>
-                                              <p:pRg st="4" end="4"/>
-                                            </p:txEl>
-                                          </p:spTgt>
-                                        </p:tgtEl>
-                                        <p:attrNameLst>
-                                          <p:attrName>style.visibility</p:attrName>
-                                        </p:attrNameLst>
-                                      </p:cBhvr>
-                                      <p:to>
-                                        <p:strVal val="visible"/>
-                                      </p:to>
-                                    </p:set>
-                                    <p:animEffect transition="in" filter="fade">
-                                      <p:cBhvr>
-                                        <p:cTn id="28" dur="1000"/>
-                                        <p:tgtEl>
-                                          <p:spTgt spid="16">
-                                            <p:txEl>
-                                              <p:pRg st="4" end="4"/>
-                                            </p:txEl>
-                                          </p:spTgt>
-                                        </p:tgtEl>
-                                      </p:cBhvr>
-                                    </p:animEffect>
-                                    <p:anim calcmode="lin" valueType="num">
-                                      <p:cBhvr>
-                                        <p:cTn id="29" dur="1000" fill="hold"/>
-                                        <p:tgtEl>
-                                          <p:spTgt spid="16">
-                                            <p:txEl>
-                                              <p:pRg st="4" end="4"/>
-                                            </p:txEl>
-                                          </p:spTgt>
-                                        </p:tgtEl>
-                                        <p:attrNameLst>
-                                          <p:attrName>ppt_x</p:attrName>
-                                        </p:attrNameLst>
-                                      </p:cBhvr>
-                                      <p:tavLst>
-                                        <p:tav tm="0">
-                                          <p:val>
-                                            <p:strVal val="#ppt_x"/>
-                                          </p:val>
-                                        </p:tav>
-                                        <p:tav tm="100000">
-                                          <p:val>
-                                            <p:strVal val="#ppt_x"/>
-                                          </p:val>
-                                        </p:tav>
-                                      </p:tavLst>
-                                    </p:anim>
-                                    <p:anim calcmode="lin" valueType="num">
-                                      <p:cBhvr>
-                                        <p:cTn id="30" dur="1000" fill="hold"/>
-                                        <p:tgtEl>
-                                          <p:spTgt spid="16">
-                                            <p:txEl>
-                                              <p:pRg st="4" end="4"/>
-                                            </p:txEl>
-                                          </p:spTgt>
-                                        </p:tgtEl>
-                                        <p:attrNameLst>
-                                          <p:attrName>ppt_y</p:attrName>
-                                        </p:attrNameLst>
-                                      </p:cBhvr>
-                                      <p:tavLst>
-                                        <p:tav tm="0">
-                                          <p:val>
-                                            <p:strVal val="#ppt_y+.1"/>
-                                          </p:val>
-                                        </p:tav>
-                                        <p:tav tm="100000">
-                                          <p:val>
-                                            <p:strVal val="#ppt_y"/>
-                                          </p:val>
-                                        </p:tav>
-                                      </p:tavLst>
-                                    </p:anim>
-                                  </p:childTnLst>
-                                </p:cTn>
-                              </p:par>
-                            </p:childTnLst>
-                          </p:cTn>
-                        </p:par>
-                      </p:childTnLst>
-                    </p:cTn>
-                  </p:par>
-                </p:childTnLst>
-              </p:cTn>
-              <p:prevCondLst>
-                <p:cond evt="onPrev" delay="0">
-                  <p:tgtEl>
-                    <p:sldTgt/>
-                  </p:tgtEl>
-                </p:cond>
-              </p:prevCondLst>
-              <p:nextCondLst>
-                <p:cond evt="onNext" delay="0">
-                  <p:tgtEl>
-                    <p:sldTgt/>
-                  </p:tgtEl>
-                </p:cond>
-              </p:nextCondLst>
-            </p:seq>
-          </p:childTnLst>
-        </p:cTn>
-      </p:par>
-    </p:tnLst>
-  </p:timing>
 </p:sld>
 </file>
 
@@ -10643,20 +6154,14 @@
       </p:grpSpPr>
       <p:pic>
         <p:nvPicPr>
-          <p:cNvPr id="20" name="Picture 19">
-            <a:extLst>
-              <a:ext uri="{FF2B5EF4-FFF2-40B4-BE49-F238E27FC236}">
-                <a16:creationId xmlns:a16="http://schemas.microsoft.com/office/drawing/2014/main" id="{19C8360B-14BC-35FE-C9E0-FE5362ED9BA9}"/>
-              </a:ext>
-            </a:extLst>
-          </p:cNvPr>
+          <p:cNvPr id="20" name="Picture 19"/>
           <p:cNvPicPr>
             <a:picLocks noChangeAspect="1"/>
           </p:cNvPicPr>
           <p:nvPr/>
         </p:nvPicPr>
         <p:blipFill>
-          <a:blip r:embed="rId2">
+          <a:blip r:embed="rId2" cstate="print">
             <a:extLst>
               <a:ext uri="{28A0092B-C50C-407E-A947-70E740481C1C}">
                 <a14:useLocalDpi xmlns:a14="http://schemas.microsoft.com/office/drawing/2010/main" val="0"/>
@@ -10679,20 +6184,14 @@
       </p:pic>
       <p:sp>
         <p:nvSpPr>
-          <p:cNvPr id="2" name="TextBox 1">
-            <a:extLst>
-              <a:ext uri="{FF2B5EF4-FFF2-40B4-BE49-F238E27FC236}">
-                <a16:creationId xmlns:a16="http://schemas.microsoft.com/office/drawing/2014/main" id="{3E11989E-7B99-6806-2D0E-D6BFEEFBF493}"/>
-              </a:ext>
-            </a:extLst>
-          </p:cNvPr>
+          <p:cNvPr id="2" name="TextBox 1"/>
           <p:cNvSpPr txBox="1"/>
           <p:nvPr/>
         </p:nvSpPr>
         <p:spPr>
           <a:xfrm>
             <a:off x="5674604" y="1734940"/>
-            <a:ext cx="6074345" cy="3314103"/>
+            <a:ext cx="6074345" cy="3328035"/>
           </a:xfrm>
           <a:prstGeom prst="rect">
             <a:avLst/>
@@ -10715,13 +6214,13 @@
             </a:pPr>
             <a:r>
               <a:rPr lang="en-US" sz="1400" b="1" dirty="0">
-                <a:latin typeface="Constantia" panose="02030602050306030303" pitchFamily="18" charset="0"/>
+                <a:cs typeface="Constantia" panose="02030602050306030303" pitchFamily="18" charset="0"/>
               </a:rPr>
               <a:t>Logo n</a:t>
             </a:r>
             <a:r>
               <a:rPr lang="az-Latn-AZ" sz="1400" b="1" dirty="0">
-                <a:latin typeface="Constantia" panose="02030602050306030303" pitchFamily="18" charset="0"/>
+                <a:cs typeface="Constantia" panose="02030602050306030303" pitchFamily="18" charset="0"/>
               </a:rPr>
               <a:t>əyi çatdırmaq istəyir?</a:t>
             </a:r>
@@ -10736,7 +6235,7 @@
               </a:spcBef>
             </a:pPr>
             <a:endParaRPr lang="en-US" sz="1400" b="1" dirty="0">
-              <a:latin typeface="Constantia" panose="02030602050306030303" pitchFamily="18" charset="0"/>
+              <a:cs typeface="Constantia" panose="02030602050306030303" pitchFamily="18" charset="0"/>
             </a:endParaRPr>
           </a:p>
           <a:p>
@@ -10755,6 +6254,7 @@
                     <a:alpha val="70000"/>
                   </a:schemeClr>
                 </a:solidFill>
+                <a:cs typeface="Constantia" panose="02030602050306030303" pitchFamily="18" charset="0"/>
               </a:rPr>
               <a:t>Loqo –lara diqqət yetirilərsə sərçə və musiqi notu işarəsi vardır.</a:t>
             </a:r>
@@ -10775,6 +6275,7 @@
                     <a:alpha val="70000"/>
                   </a:schemeClr>
                 </a:solidFill>
+                <a:cs typeface="Constantia" panose="02030602050306030303" pitchFamily="18" charset="0"/>
               </a:rPr>
               <a:t>Loqo –lardan müştəriyə çatdırılması gərəkən mesajlar</a:t>
             </a:r>
@@ -10785,6 +6286,7 @@
                     <a:alpha val="70000"/>
                   </a:schemeClr>
                 </a:solidFill>
+                <a:cs typeface="Constantia" panose="02030602050306030303" pitchFamily="18" charset="0"/>
               </a:rPr>
               <a:t>:</a:t>
             </a:r>
@@ -10807,6 +6309,7 @@
                     <a:alpha val="70000"/>
                   </a:schemeClr>
                 </a:solidFill>
+                <a:cs typeface="Constantia" panose="02030602050306030303" pitchFamily="18" charset="0"/>
               </a:rPr>
               <a:t>Sərçə köçəri quş olmayan nəğməkar quş</a:t>
             </a:r>
@@ -10817,6 +6320,7 @@
                     <a:alpha val="70000"/>
                   </a:schemeClr>
                 </a:solidFill>
+                <a:cs typeface="Constantia" panose="02030602050306030303" pitchFamily="18" charset="0"/>
               </a:rPr>
               <a:t> </a:t>
             </a:r>
@@ -10827,6 +6331,7 @@
                     <a:alpha val="70000"/>
                   </a:schemeClr>
                 </a:solidFill>
+                <a:cs typeface="Constantia" panose="02030602050306030303" pitchFamily="18" charset="0"/>
               </a:rPr>
               <a:t>oldu</a:t>
             </a:r>
@@ -10837,6 +6342,7 @@
                     <a:alpha val="70000"/>
                   </a:schemeClr>
                 </a:solidFill>
+                <a:cs typeface="Constantia" panose="02030602050306030303" pitchFamily="18" charset="0"/>
               </a:rPr>
               <a:t>ğ</a:t>
             </a:r>
@@ -10847,6 +6353,7 @@
                     <a:alpha val="70000"/>
                   </a:schemeClr>
                 </a:solidFill>
+                <a:cs typeface="Constantia" panose="02030602050306030303" pitchFamily="18" charset="0"/>
               </a:rPr>
               <a:t>u </a:t>
             </a:r>
@@ -10857,6 +6364,7 @@
                     <a:alpha val="70000"/>
                   </a:schemeClr>
                 </a:solidFill>
+                <a:cs typeface="Constantia" panose="02030602050306030303" pitchFamily="18" charset="0"/>
               </a:rPr>
               <a:t>kimi</a:t>
             </a:r>
@@ -10867,6 +6375,7 @@
                     <a:alpha val="70000"/>
                   </a:schemeClr>
                 </a:solidFill>
+                <a:cs typeface="Constantia" panose="02030602050306030303" pitchFamily="18" charset="0"/>
               </a:rPr>
               <a:t> biz d</a:t>
             </a:r>
@@ -10877,6 +6386,7 @@
                     <a:alpha val="70000"/>
                   </a:schemeClr>
                 </a:solidFill>
+                <a:cs typeface="Constantia" panose="02030602050306030303" pitchFamily="18" charset="0"/>
               </a:rPr>
               <a:t>ə istifadəçilərə seçilib sayılan dəyərli media vasitələrini həftədə 7 gün 24 saat ərzində online şəkildə təqdim edilir.</a:t>
             </a:r>
@@ -10899,6 +6409,7 @@
                     <a:alpha val="70000"/>
                   </a:schemeClr>
                 </a:solidFill>
+                <a:cs typeface="Constantia" panose="02030602050306030303" pitchFamily="18" charset="0"/>
               </a:rPr>
               <a:t>Yaşıl rəng isə təbiətin və calılığın rəngi olduğu üçün təbii gözəllikdən yana olan, bayağılıqdan və sünilikdən uzaq olmağı görsədir.</a:t>
             </a:r>
@@ -10908,6 +6419,7 @@
                   <a:alpha val="70000"/>
                 </a:schemeClr>
               </a:solidFill>
+              <a:cs typeface="Constantia" panose="02030602050306030303" pitchFamily="18" charset="0"/>
             </a:endParaRPr>
           </a:p>
           <a:p>
@@ -10928,6 +6440,7 @@
                     <a:alpha val="70000"/>
                   </a:schemeClr>
                 </a:solidFill>
+                <a:cs typeface="Constantia" panose="02030602050306030303" pitchFamily="18" charset="0"/>
               </a:rPr>
               <a:t>A</a:t>
             </a:r>
@@ -10938,6 +6451,7 @@
                     <a:alpha val="70000"/>
                   </a:schemeClr>
                 </a:solidFill>
+                <a:cs typeface="Constantia" panose="02030602050306030303" pitchFamily="18" charset="0"/>
               </a:rPr>
               <a:t>ğ rəng isə əsilliliyin rəmzidir. Yəni müxtəlif media vasitələri içində olan müxtəlif kateqeoriyar üzrə sayılıb seçilənləri geniş kütlələrə çatdırmaqdır.</a:t>
             </a:r>
@@ -10957,26 +6471,21 @@
                   <a:alpha val="70000"/>
                 </a:schemeClr>
               </a:solidFill>
+              <a:cs typeface="Constantia" panose="02030602050306030303" pitchFamily="18" charset="0"/>
             </a:endParaRPr>
           </a:p>
         </p:txBody>
       </p:sp>
       <p:pic>
         <p:nvPicPr>
-          <p:cNvPr id="11" name="Picture 10">
-            <a:extLst>
-              <a:ext uri="{FF2B5EF4-FFF2-40B4-BE49-F238E27FC236}">
-                <a16:creationId xmlns:a16="http://schemas.microsoft.com/office/drawing/2014/main" id="{5AE82859-DCFB-7000-F8F2-790D90AD35C2}"/>
-              </a:ext>
-            </a:extLst>
-          </p:cNvPr>
+          <p:cNvPr id="11" name="Picture 10"/>
           <p:cNvPicPr>
             <a:picLocks noChangeAspect="1"/>
           </p:cNvPicPr>
           <p:nvPr/>
         </p:nvPicPr>
         <p:blipFill>
-          <a:blip r:embed="rId3">
+          <a:blip r:embed="rId3" cstate="print">
             <a:extLst>
               <a:ext uri="{28A0092B-C50C-407E-A947-70E740481C1C}">
                 <a14:useLocalDpi xmlns:a14="http://schemas.microsoft.com/office/drawing/2010/main" val="0"/>
@@ -10998,11 +6507,6 @@
         </p:spPr>
       </p:pic>
     </p:spTree>
-    <p:extLst>
-      <p:ext uri="{BB962C8B-B14F-4D97-AF65-F5344CB8AC3E}">
-        <p14:creationId xmlns:p14="http://schemas.microsoft.com/office/powerpoint/2010/main" val="4018134298"/>
-      </p:ext>
-    </p:extLst>
   </p:cSld>
   <p:clrMapOvr>
     <a:masterClrMapping/>
@@ -11019,924 +6523,6 @@
       </p:transition>
     </mc:Fallback>
   </mc:AlternateContent>
-  <p:timing>
-    <p:tnLst>
-      <p:par>
-        <p:cTn id="1" dur="indefinite" restart="never" nodeType="tmRoot">
-          <p:childTnLst>
-            <p:seq concurrent="1" nextAc="seek">
-              <p:cTn id="2" dur="indefinite" nodeType="mainSeq">
-                <p:childTnLst>
-                  <p:par>
-                    <p:cTn id="3" fill="hold">
-                      <p:stCondLst>
-                        <p:cond delay="indefinite"/>
-                      </p:stCondLst>
-                      <p:childTnLst>
-                        <p:par>
-                          <p:cTn id="4" fill="hold">
-                            <p:stCondLst>
-                              <p:cond delay="0"/>
-                            </p:stCondLst>
-                            <p:childTnLst>
-                              <p:par>
-                                <p:cTn id="5" presetID="53" presetClass="entr" presetSubtype="16" fill="hold" nodeType="clickEffect">
-                                  <p:stCondLst>
-                                    <p:cond delay="0"/>
-                                  </p:stCondLst>
-                                  <p:childTnLst>
-                                    <p:set>
-                                      <p:cBhvr>
-                                        <p:cTn id="6" dur="1" fill="hold">
-                                          <p:stCondLst>
-                                            <p:cond delay="0"/>
-                                          </p:stCondLst>
-                                        </p:cTn>
-                                        <p:tgtEl>
-                                          <p:spTgt spid="20"/>
-                                        </p:tgtEl>
-                                        <p:attrNameLst>
-                                          <p:attrName>style.visibility</p:attrName>
-                                        </p:attrNameLst>
-                                      </p:cBhvr>
-                                      <p:to>
-                                        <p:strVal val="visible"/>
-                                      </p:to>
-                                    </p:set>
-                                    <p:anim calcmode="lin" valueType="num">
-                                      <p:cBhvr>
-                                        <p:cTn id="7" dur="500" fill="hold"/>
-                                        <p:tgtEl>
-                                          <p:spTgt spid="20"/>
-                                        </p:tgtEl>
-                                        <p:attrNameLst>
-                                          <p:attrName>ppt_w</p:attrName>
-                                        </p:attrNameLst>
-                                      </p:cBhvr>
-                                      <p:tavLst>
-                                        <p:tav tm="0">
-                                          <p:val>
-                                            <p:fltVal val="0"/>
-                                          </p:val>
-                                        </p:tav>
-                                        <p:tav tm="100000">
-                                          <p:val>
-                                            <p:strVal val="#ppt_w"/>
-                                          </p:val>
-                                        </p:tav>
-                                      </p:tavLst>
-                                    </p:anim>
-                                    <p:anim calcmode="lin" valueType="num">
-                                      <p:cBhvr>
-                                        <p:cTn id="8" dur="500" fill="hold"/>
-                                        <p:tgtEl>
-                                          <p:spTgt spid="20"/>
-                                        </p:tgtEl>
-                                        <p:attrNameLst>
-                                          <p:attrName>ppt_h</p:attrName>
-                                        </p:attrNameLst>
-                                      </p:cBhvr>
-                                      <p:tavLst>
-                                        <p:tav tm="0">
-                                          <p:val>
-                                            <p:fltVal val="0"/>
-                                          </p:val>
-                                        </p:tav>
-                                        <p:tav tm="100000">
-                                          <p:val>
-                                            <p:strVal val="#ppt_h"/>
-                                          </p:val>
-                                        </p:tav>
-                                      </p:tavLst>
-                                    </p:anim>
-                                    <p:animEffect transition="in" filter="fade">
-                                      <p:cBhvr>
-                                        <p:cTn id="9" dur="500"/>
-                                        <p:tgtEl>
-                                          <p:spTgt spid="20"/>
-                                        </p:tgtEl>
-                                      </p:cBhvr>
-                                    </p:animEffect>
-                                  </p:childTnLst>
-                                </p:cTn>
-                              </p:par>
-                            </p:childTnLst>
-                          </p:cTn>
-                        </p:par>
-                      </p:childTnLst>
-                    </p:cTn>
-                  </p:par>
-                  <p:par>
-                    <p:cTn id="10" fill="hold">
-                      <p:stCondLst>
-                        <p:cond delay="indefinite"/>
-                      </p:stCondLst>
-                      <p:childTnLst>
-                        <p:par>
-                          <p:cTn id="11" fill="hold">
-                            <p:stCondLst>
-                              <p:cond delay="0"/>
-                            </p:stCondLst>
-                            <p:childTnLst>
-                              <p:par>
-                                <p:cTn id="12" presetID="53" presetClass="entr" presetSubtype="16" fill="hold" nodeType="clickEffect">
-                                  <p:stCondLst>
-                                    <p:cond delay="0"/>
-                                  </p:stCondLst>
-                                  <p:childTnLst>
-                                    <p:set>
-                                      <p:cBhvr>
-                                        <p:cTn id="13" dur="1" fill="hold">
-                                          <p:stCondLst>
-                                            <p:cond delay="0"/>
-                                          </p:stCondLst>
-                                        </p:cTn>
-                                        <p:tgtEl>
-                                          <p:spTgt spid="11"/>
-                                        </p:tgtEl>
-                                        <p:attrNameLst>
-                                          <p:attrName>style.visibility</p:attrName>
-                                        </p:attrNameLst>
-                                      </p:cBhvr>
-                                      <p:to>
-                                        <p:strVal val="visible"/>
-                                      </p:to>
-                                    </p:set>
-                                    <p:anim calcmode="lin" valueType="num">
-                                      <p:cBhvr>
-                                        <p:cTn id="14" dur="500" fill="hold"/>
-                                        <p:tgtEl>
-                                          <p:spTgt spid="11"/>
-                                        </p:tgtEl>
-                                        <p:attrNameLst>
-                                          <p:attrName>ppt_w</p:attrName>
-                                        </p:attrNameLst>
-                                      </p:cBhvr>
-                                      <p:tavLst>
-                                        <p:tav tm="0">
-                                          <p:val>
-                                            <p:fltVal val="0"/>
-                                          </p:val>
-                                        </p:tav>
-                                        <p:tav tm="100000">
-                                          <p:val>
-                                            <p:strVal val="#ppt_w"/>
-                                          </p:val>
-                                        </p:tav>
-                                      </p:tavLst>
-                                    </p:anim>
-                                    <p:anim calcmode="lin" valueType="num">
-                                      <p:cBhvr>
-                                        <p:cTn id="15" dur="500" fill="hold"/>
-                                        <p:tgtEl>
-                                          <p:spTgt spid="11"/>
-                                        </p:tgtEl>
-                                        <p:attrNameLst>
-                                          <p:attrName>ppt_h</p:attrName>
-                                        </p:attrNameLst>
-                                      </p:cBhvr>
-                                      <p:tavLst>
-                                        <p:tav tm="0">
-                                          <p:val>
-                                            <p:fltVal val="0"/>
-                                          </p:val>
-                                        </p:tav>
-                                        <p:tav tm="100000">
-                                          <p:val>
-                                            <p:strVal val="#ppt_h"/>
-                                          </p:val>
-                                        </p:tav>
-                                      </p:tavLst>
-                                    </p:anim>
-                                    <p:animEffect transition="in" filter="fade">
-                                      <p:cBhvr>
-                                        <p:cTn id="16" dur="500"/>
-                                        <p:tgtEl>
-                                          <p:spTgt spid="11"/>
-                                        </p:tgtEl>
-                                      </p:cBhvr>
-                                    </p:animEffect>
-                                  </p:childTnLst>
-                                </p:cTn>
-                              </p:par>
-                            </p:childTnLst>
-                          </p:cTn>
-                        </p:par>
-                      </p:childTnLst>
-                    </p:cTn>
-                  </p:par>
-                  <p:par>
-                    <p:cTn id="17" fill="hold">
-                      <p:stCondLst>
-                        <p:cond delay="indefinite"/>
-                      </p:stCondLst>
-                      <p:childTnLst>
-                        <p:par>
-                          <p:cTn id="18" fill="hold">
-                            <p:stCondLst>
-                              <p:cond delay="0"/>
-                            </p:stCondLst>
-                            <p:childTnLst>
-                              <p:par>
-                                <p:cTn id="19" presetID="42" presetClass="entr" presetSubtype="0" fill="hold" nodeType="clickEffect">
-                                  <p:stCondLst>
-                                    <p:cond delay="0"/>
-                                  </p:stCondLst>
-                                  <p:childTnLst>
-                                    <p:set>
-                                      <p:cBhvr>
-                                        <p:cTn id="20" dur="1" fill="hold">
-                                          <p:stCondLst>
-                                            <p:cond delay="0"/>
-                                          </p:stCondLst>
-                                        </p:cTn>
-                                        <p:tgtEl>
-                                          <p:spTgt spid="2">
-                                            <p:txEl>
-                                              <p:pRg st="0" end="0"/>
-                                            </p:txEl>
-                                          </p:spTgt>
-                                        </p:tgtEl>
-                                        <p:attrNameLst>
-                                          <p:attrName>style.visibility</p:attrName>
-                                        </p:attrNameLst>
-                                      </p:cBhvr>
-                                      <p:to>
-                                        <p:strVal val="visible"/>
-                                      </p:to>
-                                    </p:set>
-                                    <p:animEffect transition="in" filter="fade">
-                                      <p:cBhvr>
-                                        <p:cTn id="21" dur="1000"/>
-                                        <p:tgtEl>
-                                          <p:spTgt spid="2">
-                                            <p:txEl>
-                                              <p:pRg st="0" end="0"/>
-                                            </p:txEl>
-                                          </p:spTgt>
-                                        </p:tgtEl>
-                                      </p:cBhvr>
-                                    </p:animEffect>
-                                    <p:anim calcmode="lin" valueType="num">
-                                      <p:cBhvr>
-                                        <p:cTn id="22" dur="1000" fill="hold"/>
-                                        <p:tgtEl>
-                                          <p:spTgt spid="2">
-                                            <p:txEl>
-                                              <p:pRg st="0" end="0"/>
-                                            </p:txEl>
-                                          </p:spTgt>
-                                        </p:tgtEl>
-                                        <p:attrNameLst>
-                                          <p:attrName>ppt_x</p:attrName>
-                                        </p:attrNameLst>
-                                      </p:cBhvr>
-                                      <p:tavLst>
-                                        <p:tav tm="0">
-                                          <p:val>
-                                            <p:strVal val="#ppt_x"/>
-                                          </p:val>
-                                        </p:tav>
-                                        <p:tav tm="100000">
-                                          <p:val>
-                                            <p:strVal val="#ppt_x"/>
-                                          </p:val>
-                                        </p:tav>
-                                      </p:tavLst>
-                                    </p:anim>
-                                    <p:anim calcmode="lin" valueType="num">
-                                      <p:cBhvr>
-                                        <p:cTn id="23" dur="1000" fill="hold"/>
-                                        <p:tgtEl>
-                                          <p:spTgt spid="2">
-                                            <p:txEl>
-                                              <p:pRg st="0" end="0"/>
-                                            </p:txEl>
-                                          </p:spTgt>
-                                        </p:tgtEl>
-                                        <p:attrNameLst>
-                                          <p:attrName>ppt_y</p:attrName>
-                                        </p:attrNameLst>
-                                      </p:cBhvr>
-                                      <p:tavLst>
-                                        <p:tav tm="0">
-                                          <p:val>
-                                            <p:strVal val="#ppt_y+.1"/>
-                                          </p:val>
-                                        </p:tav>
-                                        <p:tav tm="100000">
-                                          <p:val>
-                                            <p:strVal val="#ppt_y"/>
-                                          </p:val>
-                                        </p:tav>
-                                      </p:tavLst>
-                                    </p:anim>
-                                  </p:childTnLst>
-                                </p:cTn>
-                              </p:par>
-                            </p:childTnLst>
-                          </p:cTn>
-                        </p:par>
-                      </p:childTnLst>
-                    </p:cTn>
-                  </p:par>
-                  <p:par>
-                    <p:cTn id="24" fill="hold">
-                      <p:stCondLst>
-                        <p:cond delay="indefinite"/>
-                      </p:stCondLst>
-                      <p:childTnLst>
-                        <p:par>
-                          <p:cTn id="25" fill="hold">
-                            <p:stCondLst>
-                              <p:cond delay="0"/>
-                            </p:stCondLst>
-                            <p:childTnLst>
-                              <p:par>
-                                <p:cTn id="26" presetID="42" presetClass="entr" presetSubtype="0" fill="hold" nodeType="clickEffect">
-                                  <p:stCondLst>
-                                    <p:cond delay="0"/>
-                                  </p:stCondLst>
-                                  <p:childTnLst>
-                                    <p:set>
-                                      <p:cBhvr>
-                                        <p:cTn id="27" dur="1" fill="hold">
-                                          <p:stCondLst>
-                                            <p:cond delay="0"/>
-                                          </p:stCondLst>
-                                        </p:cTn>
-                                        <p:tgtEl>
-                                          <p:spTgt spid="2">
-                                            <p:txEl>
-                                              <p:pRg st="2" end="2"/>
-                                            </p:txEl>
-                                          </p:spTgt>
-                                        </p:tgtEl>
-                                        <p:attrNameLst>
-                                          <p:attrName>style.visibility</p:attrName>
-                                        </p:attrNameLst>
-                                      </p:cBhvr>
-                                      <p:to>
-                                        <p:strVal val="visible"/>
-                                      </p:to>
-                                    </p:set>
-                                    <p:animEffect transition="in" filter="fade">
-                                      <p:cBhvr>
-                                        <p:cTn id="28" dur="1000"/>
-                                        <p:tgtEl>
-                                          <p:spTgt spid="2">
-                                            <p:txEl>
-                                              <p:pRg st="2" end="2"/>
-                                            </p:txEl>
-                                          </p:spTgt>
-                                        </p:tgtEl>
-                                      </p:cBhvr>
-                                    </p:animEffect>
-                                    <p:anim calcmode="lin" valueType="num">
-                                      <p:cBhvr>
-                                        <p:cTn id="29" dur="1000" fill="hold"/>
-                                        <p:tgtEl>
-                                          <p:spTgt spid="2">
-                                            <p:txEl>
-                                              <p:pRg st="2" end="2"/>
-                                            </p:txEl>
-                                          </p:spTgt>
-                                        </p:tgtEl>
-                                        <p:attrNameLst>
-                                          <p:attrName>ppt_x</p:attrName>
-                                        </p:attrNameLst>
-                                      </p:cBhvr>
-                                      <p:tavLst>
-                                        <p:tav tm="0">
-                                          <p:val>
-                                            <p:strVal val="#ppt_x"/>
-                                          </p:val>
-                                        </p:tav>
-                                        <p:tav tm="100000">
-                                          <p:val>
-                                            <p:strVal val="#ppt_x"/>
-                                          </p:val>
-                                        </p:tav>
-                                      </p:tavLst>
-                                    </p:anim>
-                                    <p:anim calcmode="lin" valueType="num">
-                                      <p:cBhvr>
-                                        <p:cTn id="30" dur="1000" fill="hold"/>
-                                        <p:tgtEl>
-                                          <p:spTgt spid="2">
-                                            <p:txEl>
-                                              <p:pRg st="2" end="2"/>
-                                            </p:txEl>
-                                          </p:spTgt>
-                                        </p:tgtEl>
-                                        <p:attrNameLst>
-                                          <p:attrName>ppt_y</p:attrName>
-                                        </p:attrNameLst>
-                                      </p:cBhvr>
-                                      <p:tavLst>
-                                        <p:tav tm="0">
-                                          <p:val>
-                                            <p:strVal val="#ppt_y+.1"/>
-                                          </p:val>
-                                        </p:tav>
-                                        <p:tav tm="100000">
-                                          <p:val>
-                                            <p:strVal val="#ppt_y"/>
-                                          </p:val>
-                                        </p:tav>
-                                      </p:tavLst>
-                                    </p:anim>
-                                  </p:childTnLst>
-                                </p:cTn>
-                              </p:par>
-                            </p:childTnLst>
-                          </p:cTn>
-                        </p:par>
-                      </p:childTnLst>
-                    </p:cTn>
-                  </p:par>
-                  <p:par>
-                    <p:cTn id="31" fill="hold">
-                      <p:stCondLst>
-                        <p:cond delay="indefinite"/>
-                      </p:stCondLst>
-                      <p:childTnLst>
-                        <p:par>
-                          <p:cTn id="32" fill="hold">
-                            <p:stCondLst>
-                              <p:cond delay="0"/>
-                            </p:stCondLst>
-                            <p:childTnLst>
-                              <p:par>
-                                <p:cTn id="33" presetID="42" presetClass="entr" presetSubtype="0" fill="hold" nodeType="clickEffect">
-                                  <p:stCondLst>
-                                    <p:cond delay="0"/>
-                                  </p:stCondLst>
-                                  <p:childTnLst>
-                                    <p:set>
-                                      <p:cBhvr>
-                                        <p:cTn id="34" dur="1" fill="hold">
-                                          <p:stCondLst>
-                                            <p:cond delay="0"/>
-                                          </p:stCondLst>
-                                        </p:cTn>
-                                        <p:tgtEl>
-                                          <p:spTgt spid="2">
-                                            <p:txEl>
-                                              <p:pRg st="3" end="3"/>
-                                            </p:txEl>
-                                          </p:spTgt>
-                                        </p:tgtEl>
-                                        <p:attrNameLst>
-                                          <p:attrName>style.visibility</p:attrName>
-                                        </p:attrNameLst>
-                                      </p:cBhvr>
-                                      <p:to>
-                                        <p:strVal val="visible"/>
-                                      </p:to>
-                                    </p:set>
-                                    <p:animEffect transition="in" filter="fade">
-                                      <p:cBhvr>
-                                        <p:cTn id="35" dur="1000"/>
-                                        <p:tgtEl>
-                                          <p:spTgt spid="2">
-                                            <p:txEl>
-                                              <p:pRg st="3" end="3"/>
-                                            </p:txEl>
-                                          </p:spTgt>
-                                        </p:tgtEl>
-                                      </p:cBhvr>
-                                    </p:animEffect>
-                                    <p:anim calcmode="lin" valueType="num">
-                                      <p:cBhvr>
-                                        <p:cTn id="36" dur="1000" fill="hold"/>
-                                        <p:tgtEl>
-                                          <p:spTgt spid="2">
-                                            <p:txEl>
-                                              <p:pRg st="3" end="3"/>
-                                            </p:txEl>
-                                          </p:spTgt>
-                                        </p:tgtEl>
-                                        <p:attrNameLst>
-                                          <p:attrName>ppt_x</p:attrName>
-                                        </p:attrNameLst>
-                                      </p:cBhvr>
-                                      <p:tavLst>
-                                        <p:tav tm="0">
-                                          <p:val>
-                                            <p:strVal val="#ppt_x"/>
-                                          </p:val>
-                                        </p:tav>
-                                        <p:tav tm="100000">
-                                          <p:val>
-                                            <p:strVal val="#ppt_x"/>
-                                          </p:val>
-                                        </p:tav>
-                                      </p:tavLst>
-                                    </p:anim>
-                                    <p:anim calcmode="lin" valueType="num">
-                                      <p:cBhvr>
-                                        <p:cTn id="37" dur="1000" fill="hold"/>
-                                        <p:tgtEl>
-                                          <p:spTgt spid="2">
-                                            <p:txEl>
-                                              <p:pRg st="3" end="3"/>
-                                            </p:txEl>
-                                          </p:spTgt>
-                                        </p:tgtEl>
-                                        <p:attrNameLst>
-                                          <p:attrName>ppt_y</p:attrName>
-                                        </p:attrNameLst>
-                                      </p:cBhvr>
-                                      <p:tavLst>
-                                        <p:tav tm="0">
-                                          <p:val>
-                                            <p:strVal val="#ppt_y+.1"/>
-                                          </p:val>
-                                        </p:tav>
-                                        <p:tav tm="100000">
-                                          <p:val>
-                                            <p:strVal val="#ppt_y"/>
-                                          </p:val>
-                                        </p:tav>
-                                      </p:tavLst>
-                                    </p:anim>
-                                  </p:childTnLst>
-                                </p:cTn>
-                              </p:par>
-                            </p:childTnLst>
-                          </p:cTn>
-                        </p:par>
-                      </p:childTnLst>
-                    </p:cTn>
-                  </p:par>
-                  <p:par>
-                    <p:cTn id="38" fill="hold">
-                      <p:stCondLst>
-                        <p:cond delay="indefinite"/>
-                      </p:stCondLst>
-                      <p:childTnLst>
-                        <p:par>
-                          <p:cTn id="39" fill="hold">
-                            <p:stCondLst>
-                              <p:cond delay="0"/>
-                            </p:stCondLst>
-                            <p:childTnLst>
-                              <p:par>
-                                <p:cTn id="40" presetID="42" presetClass="entr" presetSubtype="0" fill="hold" nodeType="clickEffect">
-                                  <p:stCondLst>
-                                    <p:cond delay="0"/>
-                                  </p:stCondLst>
-                                  <p:childTnLst>
-                                    <p:set>
-                                      <p:cBhvr>
-                                        <p:cTn id="41" dur="1" fill="hold">
-                                          <p:stCondLst>
-                                            <p:cond delay="0"/>
-                                          </p:stCondLst>
-                                        </p:cTn>
-                                        <p:tgtEl>
-                                          <p:spTgt spid="2">
-                                            <p:txEl>
-                                              <p:pRg st="4" end="4"/>
-                                            </p:txEl>
-                                          </p:spTgt>
-                                        </p:tgtEl>
-                                        <p:attrNameLst>
-                                          <p:attrName>style.visibility</p:attrName>
-                                        </p:attrNameLst>
-                                      </p:cBhvr>
-                                      <p:to>
-                                        <p:strVal val="visible"/>
-                                      </p:to>
-                                    </p:set>
-                                    <p:animEffect transition="in" filter="fade">
-                                      <p:cBhvr>
-                                        <p:cTn id="42" dur="1000"/>
-                                        <p:tgtEl>
-                                          <p:spTgt spid="2">
-                                            <p:txEl>
-                                              <p:pRg st="4" end="4"/>
-                                            </p:txEl>
-                                          </p:spTgt>
-                                        </p:tgtEl>
-                                      </p:cBhvr>
-                                    </p:animEffect>
-                                    <p:anim calcmode="lin" valueType="num">
-                                      <p:cBhvr>
-                                        <p:cTn id="43" dur="1000" fill="hold"/>
-                                        <p:tgtEl>
-                                          <p:spTgt spid="2">
-                                            <p:txEl>
-                                              <p:pRg st="4" end="4"/>
-                                            </p:txEl>
-                                          </p:spTgt>
-                                        </p:tgtEl>
-                                        <p:attrNameLst>
-                                          <p:attrName>ppt_x</p:attrName>
-                                        </p:attrNameLst>
-                                      </p:cBhvr>
-                                      <p:tavLst>
-                                        <p:tav tm="0">
-                                          <p:val>
-                                            <p:strVal val="#ppt_x"/>
-                                          </p:val>
-                                        </p:tav>
-                                        <p:tav tm="100000">
-                                          <p:val>
-                                            <p:strVal val="#ppt_x"/>
-                                          </p:val>
-                                        </p:tav>
-                                      </p:tavLst>
-                                    </p:anim>
-                                    <p:anim calcmode="lin" valueType="num">
-                                      <p:cBhvr>
-                                        <p:cTn id="44" dur="1000" fill="hold"/>
-                                        <p:tgtEl>
-                                          <p:spTgt spid="2">
-                                            <p:txEl>
-                                              <p:pRg st="4" end="4"/>
-                                            </p:txEl>
-                                          </p:spTgt>
-                                        </p:tgtEl>
-                                        <p:attrNameLst>
-                                          <p:attrName>ppt_y</p:attrName>
-                                        </p:attrNameLst>
-                                      </p:cBhvr>
-                                      <p:tavLst>
-                                        <p:tav tm="0">
-                                          <p:val>
-                                            <p:strVal val="#ppt_y+.1"/>
-                                          </p:val>
-                                        </p:tav>
-                                        <p:tav tm="100000">
-                                          <p:val>
-                                            <p:strVal val="#ppt_y"/>
-                                          </p:val>
-                                        </p:tav>
-                                      </p:tavLst>
-                                    </p:anim>
-                                  </p:childTnLst>
-                                </p:cTn>
-                              </p:par>
-                            </p:childTnLst>
-                          </p:cTn>
-                        </p:par>
-                      </p:childTnLst>
-                    </p:cTn>
-                  </p:par>
-                  <p:par>
-                    <p:cTn id="45" fill="hold">
-                      <p:stCondLst>
-                        <p:cond delay="indefinite"/>
-                      </p:stCondLst>
-                      <p:childTnLst>
-                        <p:par>
-                          <p:cTn id="46" fill="hold">
-                            <p:stCondLst>
-                              <p:cond delay="0"/>
-                            </p:stCondLst>
-                            <p:childTnLst>
-                              <p:par>
-                                <p:cTn id="47" presetID="42" presetClass="entr" presetSubtype="0" fill="hold" nodeType="clickEffect">
-                                  <p:stCondLst>
-                                    <p:cond delay="0"/>
-                                  </p:stCondLst>
-                                  <p:childTnLst>
-                                    <p:set>
-                                      <p:cBhvr>
-                                        <p:cTn id="48" dur="1" fill="hold">
-                                          <p:stCondLst>
-                                            <p:cond delay="0"/>
-                                          </p:stCondLst>
-                                        </p:cTn>
-                                        <p:tgtEl>
-                                          <p:spTgt spid="2">
-                                            <p:txEl>
-                                              <p:pRg st="5" end="5"/>
-                                            </p:txEl>
-                                          </p:spTgt>
-                                        </p:tgtEl>
-                                        <p:attrNameLst>
-                                          <p:attrName>style.visibility</p:attrName>
-                                        </p:attrNameLst>
-                                      </p:cBhvr>
-                                      <p:to>
-                                        <p:strVal val="visible"/>
-                                      </p:to>
-                                    </p:set>
-                                    <p:animEffect transition="in" filter="fade">
-                                      <p:cBhvr>
-                                        <p:cTn id="49" dur="1000"/>
-                                        <p:tgtEl>
-                                          <p:spTgt spid="2">
-                                            <p:txEl>
-                                              <p:pRg st="5" end="5"/>
-                                            </p:txEl>
-                                          </p:spTgt>
-                                        </p:tgtEl>
-                                      </p:cBhvr>
-                                    </p:animEffect>
-                                    <p:anim calcmode="lin" valueType="num">
-                                      <p:cBhvr>
-                                        <p:cTn id="50" dur="1000" fill="hold"/>
-                                        <p:tgtEl>
-                                          <p:spTgt spid="2">
-                                            <p:txEl>
-                                              <p:pRg st="5" end="5"/>
-                                            </p:txEl>
-                                          </p:spTgt>
-                                        </p:tgtEl>
-                                        <p:attrNameLst>
-                                          <p:attrName>ppt_x</p:attrName>
-                                        </p:attrNameLst>
-                                      </p:cBhvr>
-                                      <p:tavLst>
-                                        <p:tav tm="0">
-                                          <p:val>
-                                            <p:strVal val="#ppt_x"/>
-                                          </p:val>
-                                        </p:tav>
-                                        <p:tav tm="100000">
-                                          <p:val>
-                                            <p:strVal val="#ppt_x"/>
-                                          </p:val>
-                                        </p:tav>
-                                      </p:tavLst>
-                                    </p:anim>
-                                    <p:anim calcmode="lin" valueType="num">
-                                      <p:cBhvr>
-                                        <p:cTn id="51" dur="1000" fill="hold"/>
-                                        <p:tgtEl>
-                                          <p:spTgt spid="2">
-                                            <p:txEl>
-                                              <p:pRg st="5" end="5"/>
-                                            </p:txEl>
-                                          </p:spTgt>
-                                        </p:tgtEl>
-                                        <p:attrNameLst>
-                                          <p:attrName>ppt_y</p:attrName>
-                                        </p:attrNameLst>
-                                      </p:cBhvr>
-                                      <p:tavLst>
-                                        <p:tav tm="0">
-                                          <p:val>
-                                            <p:strVal val="#ppt_y+.1"/>
-                                          </p:val>
-                                        </p:tav>
-                                        <p:tav tm="100000">
-                                          <p:val>
-                                            <p:strVal val="#ppt_y"/>
-                                          </p:val>
-                                        </p:tav>
-                                      </p:tavLst>
-                                    </p:anim>
-                                  </p:childTnLst>
-                                </p:cTn>
-                              </p:par>
-                            </p:childTnLst>
-                          </p:cTn>
-                        </p:par>
-                      </p:childTnLst>
-                    </p:cTn>
-                  </p:par>
-                  <p:par>
-                    <p:cTn id="52" fill="hold">
-                      <p:stCondLst>
-                        <p:cond delay="indefinite"/>
-                      </p:stCondLst>
-                      <p:childTnLst>
-                        <p:par>
-                          <p:cTn id="53" fill="hold">
-                            <p:stCondLst>
-                              <p:cond delay="0"/>
-                            </p:stCondLst>
-                            <p:childTnLst>
-                              <p:par>
-                                <p:cTn id="54" presetID="42" presetClass="entr" presetSubtype="0" fill="hold" nodeType="clickEffect">
-                                  <p:stCondLst>
-                                    <p:cond delay="0"/>
-                                  </p:stCondLst>
-                                  <p:childTnLst>
-                                    <p:set>
-                                      <p:cBhvr>
-                                        <p:cTn id="55" dur="1" fill="hold">
-                                          <p:stCondLst>
-                                            <p:cond delay="0"/>
-                                          </p:stCondLst>
-                                        </p:cTn>
-                                        <p:tgtEl>
-                                          <p:spTgt spid="2">
-                                            <p:txEl>
-                                              <p:pRg st="6" end="6"/>
-                                            </p:txEl>
-                                          </p:spTgt>
-                                        </p:tgtEl>
-                                        <p:attrNameLst>
-                                          <p:attrName>style.visibility</p:attrName>
-                                        </p:attrNameLst>
-                                      </p:cBhvr>
-                                      <p:to>
-                                        <p:strVal val="visible"/>
-                                      </p:to>
-                                    </p:set>
-                                    <p:animEffect transition="in" filter="fade">
-                                      <p:cBhvr>
-                                        <p:cTn id="56" dur="1000"/>
-                                        <p:tgtEl>
-                                          <p:spTgt spid="2">
-                                            <p:txEl>
-                                              <p:pRg st="6" end="6"/>
-                                            </p:txEl>
-                                          </p:spTgt>
-                                        </p:tgtEl>
-                                      </p:cBhvr>
-                                    </p:animEffect>
-                                    <p:anim calcmode="lin" valueType="num">
-                                      <p:cBhvr>
-                                        <p:cTn id="57" dur="1000" fill="hold"/>
-                                        <p:tgtEl>
-                                          <p:spTgt spid="2">
-                                            <p:txEl>
-                                              <p:pRg st="6" end="6"/>
-                                            </p:txEl>
-                                          </p:spTgt>
-                                        </p:tgtEl>
-                                        <p:attrNameLst>
-                                          <p:attrName>ppt_x</p:attrName>
-                                        </p:attrNameLst>
-                                      </p:cBhvr>
-                                      <p:tavLst>
-                                        <p:tav tm="0">
-                                          <p:val>
-                                            <p:strVal val="#ppt_x"/>
-                                          </p:val>
-                                        </p:tav>
-                                        <p:tav tm="100000">
-                                          <p:val>
-                                            <p:strVal val="#ppt_x"/>
-                                          </p:val>
-                                        </p:tav>
-                                      </p:tavLst>
-                                    </p:anim>
-                                    <p:anim calcmode="lin" valueType="num">
-                                      <p:cBhvr>
-                                        <p:cTn id="58" dur="1000" fill="hold"/>
-                                        <p:tgtEl>
-                                          <p:spTgt spid="2">
-                                            <p:txEl>
-                                              <p:pRg st="6" end="6"/>
-                                            </p:txEl>
-                                          </p:spTgt>
-                                        </p:tgtEl>
-                                        <p:attrNameLst>
-                                          <p:attrName>ppt_y</p:attrName>
-                                        </p:attrNameLst>
-                                      </p:cBhvr>
-                                      <p:tavLst>
-                                        <p:tav tm="0">
-                                          <p:val>
-                                            <p:strVal val="#ppt_y+.1"/>
-                                          </p:val>
-                                        </p:tav>
-                                        <p:tav tm="100000">
-                                          <p:val>
-                                            <p:strVal val="#ppt_y"/>
-                                          </p:val>
-                                        </p:tav>
-                                      </p:tavLst>
-                                    </p:anim>
-                                  </p:childTnLst>
-                                </p:cTn>
-                              </p:par>
-                            </p:childTnLst>
-                          </p:cTn>
-                        </p:par>
-                      </p:childTnLst>
-                    </p:cTn>
-                  </p:par>
-                </p:childTnLst>
-              </p:cTn>
-              <p:prevCondLst>
-                <p:cond evt="onPrev" delay="0">
-                  <p:tgtEl>
-                    <p:sldTgt/>
-                  </p:tgtEl>
-                </p:cond>
-              </p:prevCondLst>
-              <p:nextCondLst>
-                <p:cond evt="onNext" delay="0">
-                  <p:tgtEl>
-                    <p:sldTgt/>
-                  </p:tgtEl>
-                </p:cond>
-              </p:nextCondLst>
-            </p:seq>
-          </p:childTnLst>
-        </p:cTn>
-      </p:par>
-    </p:tnLst>
-  </p:timing>
 </p:sld>
 </file>
 
@@ -11959,20 +6545,14 @@
       </p:grpSpPr>
       <p:pic>
         <p:nvPicPr>
-          <p:cNvPr id="4" name="Picture 3">
-            <a:extLst>
-              <a:ext uri="{FF2B5EF4-FFF2-40B4-BE49-F238E27FC236}">
-                <a16:creationId xmlns:a16="http://schemas.microsoft.com/office/drawing/2014/main" id="{24FF2026-5CAA-6B7F-29E4-5AB77D6D4F62}"/>
-              </a:ext>
-            </a:extLst>
-          </p:cNvPr>
+          <p:cNvPr id="4" name="Picture 3"/>
           <p:cNvPicPr>
             <a:picLocks noChangeAspect="1"/>
           </p:cNvPicPr>
           <p:nvPr/>
         </p:nvPicPr>
         <p:blipFill>
-          <a:blip r:embed="rId2">
+          <a:blip r:embed="rId2" cstate="print">
             <a:extLst>
               <a:ext uri="{28A0092B-C50C-407E-A947-70E740481C1C}">
                 <a14:useLocalDpi xmlns:a14="http://schemas.microsoft.com/office/drawing/2010/main" val="0"/>
@@ -11994,11 +6574,6 @@
         </p:spPr>
       </p:pic>
     </p:spTree>
-    <p:extLst>
-      <p:ext uri="{BB962C8B-B14F-4D97-AF65-F5344CB8AC3E}">
-        <p14:creationId xmlns:p14="http://schemas.microsoft.com/office/powerpoint/2010/main" val="3093986986"/>
-      </p:ext>
-    </p:extLst>
   </p:cSld>
   <p:clrMapOvr>
     <a:masterClrMapping/>
@@ -12015,135 +6590,6 @@
       </p:transition>
     </mc:Fallback>
   </mc:AlternateContent>
-  <p:timing>
-    <p:tnLst>
-      <p:par>
-        <p:cTn id="1" dur="indefinite" restart="never" nodeType="tmRoot">
-          <p:childTnLst>
-            <p:seq concurrent="1" nextAc="seek">
-              <p:cTn id="2" dur="indefinite" nodeType="mainSeq">
-                <p:childTnLst>
-                  <p:par>
-                    <p:cTn id="3" fill="hold">
-                      <p:stCondLst>
-                        <p:cond delay="indefinite"/>
-                      </p:stCondLst>
-                      <p:childTnLst>
-                        <p:par>
-                          <p:cTn id="4" fill="hold">
-                            <p:stCondLst>
-                              <p:cond delay="0"/>
-                            </p:stCondLst>
-                            <p:childTnLst>
-                              <p:par>
-                                <p:cTn id="5" presetID="53" presetClass="entr" presetSubtype="16" fill="hold" nodeType="clickEffect">
-                                  <p:stCondLst>
-                                    <p:cond delay="0"/>
-                                  </p:stCondLst>
-                                  <p:childTnLst>
-                                    <p:set>
-                                      <p:cBhvr>
-                                        <p:cTn id="6" dur="1" fill="hold">
-                                          <p:stCondLst>
-                                            <p:cond delay="0"/>
-                                          </p:stCondLst>
-                                        </p:cTn>
-                                        <p:tgtEl>
-                                          <p:spTgt spid="4"/>
-                                        </p:tgtEl>
-                                        <p:attrNameLst>
-                                          <p:attrName>style.visibility</p:attrName>
-                                        </p:attrNameLst>
-                                      </p:cBhvr>
-                                      <p:to>
-                                        <p:strVal val="visible"/>
-                                      </p:to>
-                                    </p:set>
-                                    <p:anim calcmode="lin" valueType="num">
-                                      <p:cBhvr>
-                                        <p:cTn id="7" dur="500" fill="hold"/>
-                                        <p:tgtEl>
-                                          <p:spTgt spid="4"/>
-                                        </p:tgtEl>
-                                        <p:attrNameLst>
-                                          <p:attrName>ppt_w</p:attrName>
-                                        </p:attrNameLst>
-                                      </p:cBhvr>
-                                      <p:tavLst>
-                                        <p:tav tm="0">
-                                          <p:val>
-                                            <p:fltVal val="0"/>
-                                          </p:val>
-                                        </p:tav>
-                                        <p:tav tm="100000">
-                                          <p:val>
-                                            <p:strVal val="#ppt_w"/>
-                                          </p:val>
-                                        </p:tav>
-                                      </p:tavLst>
-                                    </p:anim>
-                                    <p:anim calcmode="lin" valueType="num">
-                                      <p:cBhvr>
-                                        <p:cTn id="8" dur="500" fill="hold"/>
-                                        <p:tgtEl>
-                                          <p:spTgt spid="4"/>
-                                        </p:tgtEl>
-                                        <p:attrNameLst>
-                                          <p:attrName>ppt_h</p:attrName>
-                                        </p:attrNameLst>
-                                      </p:cBhvr>
-                                      <p:tavLst>
-                                        <p:tav tm="0">
-                                          <p:val>
-                                            <p:fltVal val="0"/>
-                                          </p:val>
-                                        </p:tav>
-                                        <p:tav tm="100000">
-                                          <p:val>
-                                            <p:strVal val="#ppt_h"/>
-                                          </p:val>
-                                        </p:tav>
-                                      </p:tavLst>
-                                    </p:anim>
-                                    <p:animEffect transition="in" filter="fade">
-                                      <p:cBhvr>
-                                        <p:cTn id="9" dur="500"/>
-                                        <p:tgtEl>
-                                          <p:spTgt spid="4"/>
-                                        </p:tgtEl>
-                                      </p:cBhvr>
-                                    </p:animEffect>
-                                  </p:childTnLst>
-                                </p:cTn>
-                              </p:par>
-                            </p:childTnLst>
-                          </p:cTn>
-                        </p:par>
-                      </p:childTnLst>
-                    </p:cTn>
-                  </p:par>
-                </p:childTnLst>
-              </p:cTn>
-              <p:prevCondLst>
-                <p:cond evt="onPrev" delay="0">
-                  <p:tgtEl>
-                    <p:sldTgt/>
-                  </p:tgtEl>
-                </p:cond>
-              </p:prevCondLst>
-              <p:nextCondLst>
-                <p:cond evt="onNext" delay="0">
-                  <p:tgtEl>
-                    <p:sldTgt/>
-                  </p:tgtEl>
-                </p:cond>
-              </p:nextCondLst>
-            </p:seq>
-          </p:childTnLst>
-        </p:cTn>
-      </p:par>
-    </p:tnLst>
-  </p:timing>
 </p:sld>
 </file>
 
@@ -12174,30 +6620,23 @@
       </p:grpSpPr>
       <p:pic>
         <p:nvPicPr>
-          <p:cNvPr id="13" name="Picture 12">
-            <a:extLst>
-              <a:ext uri="{FF2B5EF4-FFF2-40B4-BE49-F238E27FC236}">
-                <a16:creationId xmlns:a16="http://schemas.microsoft.com/office/drawing/2014/main" id="{5B38134F-1D70-74A8-7E2D-06FFF8D5A07E}"/>
-              </a:ext>
-            </a:extLst>
-          </p:cNvPr>
+          <p:cNvPr id="13" name="Picture 12"/>
           <p:cNvPicPr>
             <a:picLocks noChangeAspect="1"/>
           </p:cNvPicPr>
           <p:nvPr/>
         </p:nvPicPr>
         <p:blipFill>
-          <a:blip r:embed="rId2">
-            <a:alphaModFix/>
+          <a:blip r:embed="rId2" cstate="print">
             <a:extLst>
               <a:ext uri="{BEBA8EAE-BF5A-486C-A8C5-ECC9F3942E4B}">
                 <a14:imgProps xmlns:a14="http://schemas.microsoft.com/office/drawing/2010/main">
                   <a14:imgLayer r:embed="rId3">
                     <a14:imgEffect>
-                      <a14:sharpenSoften amount="-3000"/>
+                      <a14:brightnessContrast bright="100000" contrast="-100000"/>
                     </a14:imgEffect>
                     <a14:imgEffect>
-                      <a14:brightnessContrast bright="100000" contrast="-100000"/>
+                      <a14:sharpenSoften amount="-3000"/>
                     </a14:imgEffect>
                   </a14:imgLayer>
                 </a14:imgProps>
@@ -12229,11 +6668,6 @@
         </p:spPr>
       </p:pic>
     </p:spTree>
-    <p:extLst>
-      <p:ext uri="{BB962C8B-B14F-4D97-AF65-F5344CB8AC3E}">
-        <p14:creationId xmlns:p14="http://schemas.microsoft.com/office/powerpoint/2010/main" val="1831293891"/>
-      </p:ext>
-    </p:extLst>
   </p:cSld>
   <p:clrMapOvr>
     <a:masterClrMapping/>
@@ -12638,7 +7072,7 @@
   <a:extraClrSchemeLst/>
   <a:extLst>
     <a:ext uri="{05A4C25C-085E-4340-85A3-A5531E510DB2}">
-      <thm15:themeFamily xmlns:thm15="http://schemas.microsoft.com/office/thememl/2012/main" name="B&amp;D-Powerpoint Template_16x9" id="{D6003E70-2833-4847-828A-A182BBF6C8FF}" vid="{85D7DE89-D8E2-D743-952C-ED1FA0F18479}"/>
+      <thm15:themeFamily xmlns:thm15="http://schemas.microsoft.com/office/thememl/2012/main" name="Office Theme" id="{62F939B6-93AF-4DB8-9C6B-D6C7DFDC589F}" vid="{4A3C46E8-61CC-4603-A589-7422A47A8E4A}"/>
     </a:ext>
   </a:extLst>
 </a:theme>
@@ -12891,7 +7325,7 @@
   <a:extraClrSchemeLst/>
   <a:extLst>
     <a:ext uri="{05A4C25C-085E-4340-85A3-A5531E510DB2}">
-      <thm15:themeFamily xmlns:thm15="http://schemas.microsoft.com/office/thememl/2012/main" name="B&amp;D-Powerpoint Template_16x9" id="{D6003E70-2833-4847-828A-A182BBF6C8FF}" vid="{85D7DE89-D8E2-D743-952C-ED1FA0F18479}"/>
+      <thm15:themeFamily xmlns:thm15="http://schemas.microsoft.com/office/thememl/2012/main" name="Office Theme" id="{62F939B6-93AF-4DB8-9C6B-D6C7DFDC589F}" vid="{4A3C46E8-61CC-4603-A589-7422A47A8E4A}"/>
     </a:ext>
   </a:extLst>
 </a:theme>
@@ -12940,7 +7374,7 @@
     </a:clrScheme>
     <a:fontScheme name="Office">
       <a:majorFont>
-        <a:latin typeface="Calibri Light" panose="020F0302020204030204"/>
+        <a:latin typeface="Calibri Light"/>
         <a:ea typeface=""/>
         <a:cs typeface=""/>
         <a:font script="Jpan" typeface="Yu Gothic Light"/>
@@ -12975,7 +7409,7 @@
         <a:font script="Geor" typeface="Sylfaen"/>
       </a:majorFont>
       <a:minorFont>
-        <a:latin typeface="Calibri" panose="020F0502020204030204"/>
+        <a:latin typeface="Calibri"/>
         <a:ea typeface=""/>
         <a:cs typeface=""/>
         <a:font script="Jpan" typeface="Yu Gothic"/>
@@ -13201,7 +7635,7 @@
     </a:clrScheme>
     <a:fontScheme name="Office">
       <a:majorFont>
-        <a:latin typeface="Calibri Light" panose="020F0302020204030204"/>
+        <a:latin typeface="Calibri Light"/>
         <a:ea typeface=""/>
         <a:cs typeface=""/>
         <a:font script="Jpan" typeface="Yu Gothic Light"/>
@@ -13236,7 +7670,7 @@
         <a:font script="Geor" typeface="Sylfaen"/>
       </a:majorFont>
       <a:minorFont>
-        <a:latin typeface="Calibri" panose="020F0502020204030204"/>
+        <a:latin typeface="Calibri"/>
         <a:ea typeface=""/>
         <a:cs typeface=""/>
         <a:font script="Jpan" typeface="Yu Gothic"/>
